--- a/4_Presentation/TimeSeries_Energy_OpenCampusSH_OUT.pptx
+++ b/4_Presentation/TimeSeries_Energy_OpenCampusSH_OUT.pptx
@@ -228,6 +228,1332 @@
 <file path=ppt/changesInfos/changesInfo1.xml><?xml version="1.0" encoding="utf-8"?>
 <pc:chgInfo xmlns:a="http://schemas.openxmlformats.org/drawingml/2006/main" xmlns:r="http://schemas.openxmlformats.org/officeDocument/2006/relationships" xmlns:ac="http://schemas.microsoft.com/office/drawing/2013/main/command" xmlns:pc="http://schemas.microsoft.com/office/powerpoint/2013/main/command">
   <pc:docChgLst>
+    <pc:chgData name="Kai Paulsen" userId="0e7ab43caa599588" providerId="LiveId" clId="{6BB60726-6C07-42DA-8B7F-0E8393888FEB}"/>
+    <pc:docChg chg="undo custSel modSld">
+      <pc:chgData name="Kai Paulsen" userId="0e7ab43caa599588" providerId="LiveId" clId="{6BB60726-6C07-42DA-8B7F-0E8393888FEB}" dt="2024-01-31T14:43:28.696" v="1584" actId="20577"/>
+      <pc:docMkLst>
+        <pc:docMk/>
+      </pc:docMkLst>
+      <pc:sldChg chg="modSp mod">
+        <pc:chgData name="Kai Paulsen" userId="0e7ab43caa599588" providerId="LiveId" clId="{6BB60726-6C07-42DA-8B7F-0E8393888FEB}" dt="2024-01-31T14:43:28.696" v="1584" actId="20577"/>
+        <pc:sldMkLst>
+          <pc:docMk/>
+          <pc:sldMk cId="2963796953" sldId="258"/>
+        </pc:sldMkLst>
+        <pc:spChg chg="mod">
+          <ac:chgData name="Kai Paulsen" userId="0e7ab43caa599588" providerId="LiveId" clId="{6BB60726-6C07-42DA-8B7F-0E8393888FEB}" dt="2024-01-31T14:43:28.696" v="1584" actId="20577"/>
+          <ac:spMkLst>
+            <pc:docMk/>
+            <pc:sldMk cId="2963796953" sldId="258"/>
+            <ac:spMk id="3" creationId="{ECEE91E5-D454-E410-F4F4-5F9DA10AAFC1}"/>
+          </ac:spMkLst>
+        </pc:spChg>
+      </pc:sldChg>
+      <pc:sldChg chg="modSp mod addCm modCm">
+        <pc:chgData name="Kai Paulsen" userId="0e7ab43caa599588" providerId="LiveId" clId="{6BB60726-6C07-42DA-8B7F-0E8393888FEB}" dt="2024-01-30T18:22:52.312" v="40"/>
+        <pc:sldMkLst>
+          <pc:docMk/>
+          <pc:sldMk cId="448068807" sldId="274"/>
+        </pc:sldMkLst>
+        <pc:spChg chg="mod">
+          <ac:chgData name="Kai Paulsen" userId="0e7ab43caa599588" providerId="LiveId" clId="{6BB60726-6C07-42DA-8B7F-0E8393888FEB}" dt="2024-01-30T18:19:31.981" v="36" actId="20577"/>
+          <ac:spMkLst>
+            <pc:docMk/>
+            <pc:sldMk cId="448068807" sldId="274"/>
+            <ac:spMk id="10" creationId="{093778C6-CE89-8779-CB62-63719B5B5277}"/>
+          </ac:spMkLst>
+        </pc:spChg>
+        <pc:extLst>
+          <p:ext xmlns:p="http://schemas.openxmlformats.org/presentationml/2006/main" uri="{D6D511B9-2390-475A-947B-AFAB55BFBCF1}">
+            <pc226:cmChg xmlns:pc226="http://schemas.microsoft.com/office/powerpoint/2022/06/main/command" chg="mod modRxn">
+              <pc226:chgData name="Kai Paulsen" userId="0e7ab43caa599588" providerId="LiveId" clId="{6BB60726-6C07-42DA-8B7F-0E8393888FEB}" dt="2024-01-30T18:22:52.312" v="40"/>
+              <pc2:cmMkLst xmlns:pc2="http://schemas.microsoft.com/office/powerpoint/2019/9/main/command">
+                <pc:docMk/>
+                <pc:sldMk cId="448068807" sldId="274"/>
+                <pc2:cmMk id="{8148741C-DBBE-4C05-8365-E2C100A666AD}"/>
+              </pc2:cmMkLst>
+            </pc226:cmChg>
+            <pc226:cmChg xmlns:pc226="http://schemas.microsoft.com/office/powerpoint/2022/06/main/command" chg="add mod">
+              <pc226:chgData name="Kai Paulsen" userId="0e7ab43caa599588" providerId="LiveId" clId="{6BB60726-6C07-42DA-8B7F-0E8393888FEB}" dt="2024-01-30T18:22:05.658" v="39"/>
+              <pc2:cmMkLst xmlns:pc2="http://schemas.microsoft.com/office/powerpoint/2019/9/main/command">
+                <pc:docMk/>
+                <pc:sldMk cId="448068807" sldId="274"/>
+                <pc2:cmMk id="{6D797C2C-EB3E-4033-9609-1A14CFCF7E72}"/>
+              </pc2:cmMkLst>
+            </pc226:cmChg>
+          </p:ext>
+        </pc:extLst>
+      </pc:sldChg>
+      <pc:sldChg chg="modSp mod">
+        <pc:chgData name="Kai Paulsen" userId="0e7ab43caa599588" providerId="LiveId" clId="{6BB60726-6C07-42DA-8B7F-0E8393888FEB}" dt="2024-01-30T22:27:16.675" v="1473" actId="20577"/>
+        <pc:sldMkLst>
+          <pc:docMk/>
+          <pc:sldMk cId="2518681882" sldId="276"/>
+        </pc:sldMkLst>
+        <pc:spChg chg="mod">
+          <ac:chgData name="Kai Paulsen" userId="0e7ab43caa599588" providerId="LiveId" clId="{6BB60726-6C07-42DA-8B7F-0E8393888FEB}" dt="2024-01-30T22:27:16.675" v="1473" actId="20577"/>
+          <ac:spMkLst>
+            <pc:docMk/>
+            <pc:sldMk cId="2518681882" sldId="276"/>
+            <ac:spMk id="3" creationId="{8F37F226-0BE4-D765-7F13-3BD0735E3AD4}"/>
+          </ac:spMkLst>
+        </pc:spChg>
+      </pc:sldChg>
+      <pc:sldChg chg="addSp delSp modSp mod">
+        <pc:chgData name="Kai Paulsen" userId="0e7ab43caa599588" providerId="LiveId" clId="{6BB60726-6C07-42DA-8B7F-0E8393888FEB}" dt="2024-01-31T07:52:06.329" v="1548" actId="20577"/>
+        <pc:sldMkLst>
+          <pc:docMk/>
+          <pc:sldMk cId="3882220895" sldId="279"/>
+        </pc:sldMkLst>
+        <pc:spChg chg="mod">
+          <ac:chgData name="Kai Paulsen" userId="0e7ab43caa599588" providerId="LiveId" clId="{6BB60726-6C07-42DA-8B7F-0E8393888FEB}" dt="2024-01-30T21:48:34.691" v="805" actId="20577"/>
+          <ac:spMkLst>
+            <pc:docMk/>
+            <pc:sldMk cId="3882220895" sldId="279"/>
+            <ac:spMk id="2" creationId="{8ED3B311-27CF-10DF-B818-123450C366DE}"/>
+          </ac:spMkLst>
+        </pc:spChg>
+        <pc:spChg chg="del mod">
+          <ac:chgData name="Kai Paulsen" userId="0e7ab43caa599588" providerId="LiveId" clId="{6BB60726-6C07-42DA-8B7F-0E8393888FEB}" dt="2024-01-30T21:15:15.344" v="591" actId="478"/>
+          <ac:spMkLst>
+            <pc:docMk/>
+            <pc:sldMk cId="3882220895" sldId="279"/>
+            <ac:spMk id="5" creationId="{518656DB-2AF9-A3C8-4BFC-04FCB367206B}"/>
+          </ac:spMkLst>
+        </pc:spChg>
+        <pc:graphicFrameChg chg="mod modGraphic">
+          <ac:chgData name="Kai Paulsen" userId="0e7ab43caa599588" providerId="LiveId" clId="{6BB60726-6C07-42DA-8B7F-0E8393888FEB}" dt="2024-01-31T07:52:06.329" v="1548" actId="20577"/>
+          <ac:graphicFrameMkLst>
+            <pc:docMk/>
+            <pc:sldMk cId="3882220895" sldId="279"/>
+            <ac:graphicFrameMk id="4" creationId="{415DC09B-AEE3-9318-5168-F85B2A8D77FC}"/>
+          </ac:graphicFrameMkLst>
+        </pc:graphicFrameChg>
+        <pc:graphicFrameChg chg="add mod">
+          <ac:chgData name="Kai Paulsen" userId="0e7ab43caa599588" providerId="LiveId" clId="{6BB60726-6C07-42DA-8B7F-0E8393888FEB}" dt="2024-01-30T21:23:47.277" v="750" actId="1957"/>
+          <ac:graphicFrameMkLst>
+            <pc:docMk/>
+            <pc:sldMk cId="3882220895" sldId="279"/>
+            <ac:graphicFrameMk id="7" creationId="{F285F11C-F5BF-5DEA-A36B-78898603F018}"/>
+          </ac:graphicFrameMkLst>
+        </pc:graphicFrameChg>
+      </pc:sldChg>
+      <pc:sldChg chg="addSp modSp mod modCm">
+        <pc:chgData name="Kai Paulsen" userId="0e7ab43caa599588" providerId="LiveId" clId="{6BB60726-6C07-42DA-8B7F-0E8393888FEB}" dt="2024-01-30T19:00:34.611" v="232" actId="1076"/>
+        <pc:sldMkLst>
+          <pc:docMk/>
+          <pc:sldMk cId="593199557" sldId="300"/>
+        </pc:sldMkLst>
+        <pc:spChg chg="mod">
+          <ac:chgData name="Kai Paulsen" userId="0e7ab43caa599588" providerId="LiveId" clId="{6BB60726-6C07-42DA-8B7F-0E8393888FEB}" dt="2024-01-30T18:56:58.771" v="226" actId="20577"/>
+          <ac:spMkLst>
+            <pc:docMk/>
+            <pc:sldMk cId="593199557" sldId="300"/>
+            <ac:spMk id="3" creationId="{AAA152DA-D9EA-A019-4C12-C8F1C8EF86D6}"/>
+          </ac:spMkLst>
+        </pc:spChg>
+        <pc:picChg chg="mod">
+          <ac:chgData name="Kai Paulsen" userId="0e7ab43caa599588" providerId="LiveId" clId="{6BB60726-6C07-42DA-8B7F-0E8393888FEB}" dt="2024-01-30T19:00:24.340" v="229" actId="1076"/>
+          <ac:picMkLst>
+            <pc:docMk/>
+            <pc:sldMk cId="593199557" sldId="300"/>
+            <ac:picMk id="5" creationId="{78CBB5AC-FB0B-DB58-1B64-59E2A1ECC6D7}"/>
+          </ac:picMkLst>
+        </pc:picChg>
+        <pc:picChg chg="add mod">
+          <ac:chgData name="Kai Paulsen" userId="0e7ab43caa599588" providerId="LiveId" clId="{6BB60726-6C07-42DA-8B7F-0E8393888FEB}" dt="2024-01-30T19:00:34.611" v="232" actId="1076"/>
+          <ac:picMkLst>
+            <pc:docMk/>
+            <pc:sldMk cId="593199557" sldId="300"/>
+            <ac:picMk id="1026" creationId="{9B3ABE8F-FD50-1D2A-EECA-783121143A4A}"/>
+          </ac:picMkLst>
+        </pc:picChg>
+        <pc:extLst>
+          <p:ext xmlns:p="http://schemas.openxmlformats.org/presentationml/2006/main" uri="{D6D511B9-2390-475A-947B-AFAB55BFBCF1}">
+            <pc226:cmChg xmlns:pc226="http://schemas.microsoft.com/office/powerpoint/2022/06/main/command" chg="mod modRxn">
+              <pc226:chgData name="Kai Paulsen" userId="0e7ab43caa599588" providerId="LiveId" clId="{6BB60726-6C07-42DA-8B7F-0E8393888FEB}" dt="2024-01-30T18:56:58.771" v="226" actId="20577"/>
+              <pc2:cmMkLst xmlns:pc2="http://schemas.microsoft.com/office/powerpoint/2019/9/main/command">
+                <pc:docMk/>
+                <pc:sldMk cId="593199557" sldId="300"/>
+                <pc2:cmMk id="{8C89E2DA-1DF0-4849-8054-EB56B4EC9F3D}"/>
+              </pc2:cmMkLst>
+            </pc226:cmChg>
+          </p:ext>
+        </pc:extLst>
+      </pc:sldChg>
+      <pc:sldChg chg="modSp mod">
+        <pc:chgData name="Kai Paulsen" userId="0e7ab43caa599588" providerId="LiveId" clId="{6BB60726-6C07-42DA-8B7F-0E8393888FEB}" dt="2024-01-30T21:54:34.962" v="940" actId="20577"/>
+        <pc:sldMkLst>
+          <pc:docMk/>
+          <pc:sldMk cId="1153620366" sldId="301"/>
+        </pc:sldMkLst>
+        <pc:graphicFrameChg chg="mod modGraphic">
+          <ac:chgData name="Kai Paulsen" userId="0e7ab43caa599588" providerId="LiveId" clId="{6BB60726-6C07-42DA-8B7F-0E8393888FEB}" dt="2024-01-30T21:54:34.962" v="940" actId="20577"/>
+          <ac:graphicFrameMkLst>
+            <pc:docMk/>
+            <pc:sldMk cId="1153620366" sldId="301"/>
+            <ac:graphicFrameMk id="4" creationId="{5E5B3BA4-84EE-44E3-9E88-10B049F8C58B}"/>
+          </ac:graphicFrameMkLst>
+        </pc:graphicFrameChg>
+      </pc:sldChg>
+      <pc:sldChg chg="modSp mod">
+        <pc:chgData name="Kai Paulsen" userId="0e7ab43caa599588" providerId="LiveId" clId="{6BB60726-6C07-42DA-8B7F-0E8393888FEB}" dt="2024-01-30T21:05:20.914" v="537" actId="20577"/>
+        <pc:sldMkLst>
+          <pc:docMk/>
+          <pc:sldMk cId="1964343491" sldId="313"/>
+        </pc:sldMkLst>
+        <pc:graphicFrameChg chg="modGraphic">
+          <ac:chgData name="Kai Paulsen" userId="0e7ab43caa599588" providerId="LiveId" clId="{6BB60726-6C07-42DA-8B7F-0E8393888FEB}" dt="2024-01-30T21:05:20.914" v="537" actId="20577"/>
+          <ac:graphicFrameMkLst>
+            <pc:docMk/>
+            <pc:sldMk cId="1964343491" sldId="313"/>
+            <ac:graphicFrameMk id="13" creationId="{FC071977-0650-5BB8-0EFC-17FB00EFC4A8}"/>
+          </ac:graphicFrameMkLst>
+        </pc:graphicFrameChg>
+      </pc:sldChg>
+      <pc:sldChg chg="addSp delSp modSp mod">
+        <pc:chgData name="Kai Paulsen" userId="0e7ab43caa599588" providerId="LiveId" clId="{6BB60726-6C07-42DA-8B7F-0E8393888FEB}" dt="2024-01-31T09:35:40.321" v="1583" actId="1076"/>
+        <pc:sldMkLst>
+          <pc:docMk/>
+          <pc:sldMk cId="513038929" sldId="314"/>
+        </pc:sldMkLst>
+        <pc:spChg chg="del">
+          <ac:chgData name="Kai Paulsen" userId="0e7ab43caa599588" providerId="LiveId" clId="{6BB60726-6C07-42DA-8B7F-0E8393888FEB}" dt="2024-01-30T21:12:26.072" v="538" actId="478"/>
+          <ac:spMkLst>
+            <pc:docMk/>
+            <pc:sldMk cId="513038929" sldId="314"/>
+            <ac:spMk id="4" creationId="{61B23186-987B-5E59-FC59-63B31186C26D}"/>
+          </ac:spMkLst>
+        </pc:spChg>
+        <pc:spChg chg="add mod">
+          <ac:chgData name="Kai Paulsen" userId="0e7ab43caa599588" providerId="LiveId" clId="{6BB60726-6C07-42DA-8B7F-0E8393888FEB}" dt="2024-01-31T09:32:23.916" v="1550" actId="1076"/>
+          <ac:spMkLst>
+            <pc:docMk/>
+            <pc:sldMk cId="513038929" sldId="314"/>
+            <ac:spMk id="6" creationId="{AE636F81-00D4-F9B8-51E3-6A75B61A1C60}"/>
+          </ac:spMkLst>
+        </pc:spChg>
+        <pc:picChg chg="add mod">
+          <ac:chgData name="Kai Paulsen" userId="0e7ab43caa599588" providerId="LiveId" clId="{6BB60726-6C07-42DA-8B7F-0E8393888FEB}" dt="2024-01-31T09:35:06.030" v="1577" actId="1076"/>
+          <ac:picMkLst>
+            <pc:docMk/>
+            <pc:sldMk cId="513038929" sldId="314"/>
+            <ac:picMk id="7" creationId="{803CBA2C-EDBB-5BC9-B90E-B9E4C07374F7}"/>
+          </ac:picMkLst>
+        </pc:picChg>
+        <pc:picChg chg="add del mod">
+          <ac:chgData name="Kai Paulsen" userId="0e7ab43caa599588" providerId="LiveId" clId="{6BB60726-6C07-42DA-8B7F-0E8393888FEB}" dt="2024-01-31T09:35:32.803" v="1578" actId="478"/>
+          <ac:picMkLst>
+            <pc:docMk/>
+            <pc:sldMk cId="513038929" sldId="314"/>
+            <ac:picMk id="9" creationId="{85E7E9B8-75FD-0EAB-54D1-A8B00B2714D5}"/>
+          </ac:picMkLst>
+        </pc:picChg>
+        <pc:picChg chg="add mod">
+          <ac:chgData name="Kai Paulsen" userId="0e7ab43caa599588" providerId="LiveId" clId="{6BB60726-6C07-42DA-8B7F-0E8393888FEB}" dt="2024-01-31T09:35:40.321" v="1583" actId="1076"/>
+          <ac:picMkLst>
+            <pc:docMk/>
+            <pc:sldMk cId="513038929" sldId="314"/>
+            <ac:picMk id="11" creationId="{C2DD9410-78C7-025C-C130-5D4BB0C0975C}"/>
+          </ac:picMkLst>
+        </pc:picChg>
+      </pc:sldChg>
+      <pc:sldChg chg="addSp delSp modSp mod modShow">
+        <pc:chgData name="Kai Paulsen" userId="0e7ab43caa599588" providerId="LiveId" clId="{6BB60726-6C07-42DA-8B7F-0E8393888FEB}" dt="2024-01-30T22:12:24.232" v="1437" actId="20577"/>
+        <pc:sldMkLst>
+          <pc:docMk/>
+          <pc:sldMk cId="1758365103" sldId="315"/>
+        </pc:sldMkLst>
+        <pc:spChg chg="mod">
+          <ac:chgData name="Kai Paulsen" userId="0e7ab43caa599588" providerId="LiveId" clId="{6BB60726-6C07-42DA-8B7F-0E8393888FEB}" dt="2024-01-30T22:12:24.232" v="1437" actId="20577"/>
+          <ac:spMkLst>
+            <pc:docMk/>
+            <pc:sldMk cId="1758365103" sldId="315"/>
+            <ac:spMk id="3" creationId="{5EA6194D-DDBB-A688-9E26-CD7A6C75E90A}"/>
+          </ac:spMkLst>
+        </pc:spChg>
+        <pc:spChg chg="add del mod">
+          <ac:chgData name="Kai Paulsen" userId="0e7ab43caa599588" providerId="LiveId" clId="{6BB60726-6C07-42DA-8B7F-0E8393888FEB}" dt="2024-01-30T22:10:57.998" v="1214"/>
+          <ac:spMkLst>
+            <pc:docMk/>
+            <pc:sldMk cId="1758365103" sldId="315"/>
+            <ac:spMk id="4" creationId="{BD7B769F-A442-5CFA-8520-20154CD2FEA4}"/>
+          </ac:spMkLst>
+        </pc:spChg>
+      </pc:sldChg>
+    </pc:docChg>
+  </pc:docChgLst>
+  <pc:docChgLst>
+    <pc:chgData name="Kai Paulsen" userId="0e7ab43caa599588" providerId="Windows Live" clId="Web-{058C723E-7391-4602-B96F-C0EA0BDE424C}"/>
+    <pc:docChg chg="modSld">
+      <pc:chgData name="Kai Paulsen" userId="0e7ab43caa599588" providerId="Windows Live" clId="Web-{058C723E-7391-4602-B96F-C0EA0BDE424C}" dt="2024-01-30T18:17:18.428" v="0" actId="1076"/>
+      <pc:docMkLst>
+        <pc:docMk/>
+      </pc:docMkLst>
+      <pc:sldChg chg="modSp">
+        <pc:chgData name="Kai Paulsen" userId="0e7ab43caa599588" providerId="Windows Live" clId="Web-{058C723E-7391-4602-B96F-C0EA0BDE424C}" dt="2024-01-30T18:17:18.428" v="0" actId="1076"/>
+        <pc:sldMkLst>
+          <pc:docMk/>
+          <pc:sldMk cId="4194784703" sldId="283"/>
+        </pc:sldMkLst>
+        <pc:picChg chg="mod">
+          <ac:chgData name="Kai Paulsen" userId="0e7ab43caa599588" providerId="Windows Live" clId="Web-{058C723E-7391-4602-B96F-C0EA0BDE424C}" dt="2024-01-30T18:17:18.428" v="0" actId="1076"/>
+          <ac:picMkLst>
+            <pc:docMk/>
+            <pc:sldMk cId="4194784703" sldId="283"/>
+            <ac:picMk id="4" creationId="{14E72038-E4C3-3A0F-7A43-08B0C3D93F23}"/>
+          </ac:picMkLst>
+        </pc:picChg>
+      </pc:sldChg>
+    </pc:docChg>
+  </pc:docChgLst>
+  <pc:docChgLst>
+    <pc:chgData name="来宾用户" providerId="Windows Live" clId="Web-{58F3B869-5993-4D29-A1FA-481C16B6B497}"/>
+    <pc:docChg chg="addSld delSld modSld sldOrd modSection">
+      <pc:chgData name="来宾用户" userId="" providerId="Windows Live" clId="Web-{58F3B869-5993-4D29-A1FA-481C16B6B497}" dt="2024-01-30T11:19:27.643" v="805"/>
+      <pc:docMkLst>
+        <pc:docMk/>
+      </pc:docMkLst>
+      <pc:sldChg chg="addSp delSp modSp">
+        <pc:chgData name="来宾用户" userId="" providerId="Windows Live" clId="Web-{58F3B869-5993-4D29-A1FA-481C16B6B497}" dt="2024-01-30T11:19:27.643" v="805"/>
+        <pc:sldMkLst>
+          <pc:docMk/>
+          <pc:sldMk cId="3882220895" sldId="279"/>
+        </pc:sldMkLst>
+        <pc:spChg chg="mod">
+          <ac:chgData name="来宾用户" userId="" providerId="Windows Live" clId="Web-{58F3B869-5993-4D29-A1FA-481C16B6B497}" dt="2024-01-30T11:16:02.075" v="631" actId="1076"/>
+          <ac:spMkLst>
+            <pc:docMk/>
+            <pc:sldMk cId="3882220895" sldId="279"/>
+            <ac:spMk id="5" creationId="{518656DB-2AF9-A3C8-4BFC-04FCB367206B}"/>
+          </ac:spMkLst>
+        </pc:spChg>
+        <pc:graphicFrameChg chg="add del mod modGraphic">
+          <ac:chgData name="来宾用户" userId="" providerId="Windows Live" clId="Web-{58F3B869-5993-4D29-A1FA-481C16B6B497}" dt="2024-01-30T11:12:50.773" v="600"/>
+          <ac:graphicFrameMkLst>
+            <pc:docMk/>
+            <pc:sldMk cId="3882220895" sldId="279"/>
+            <ac:graphicFrameMk id="3" creationId="{D449F675-9CEE-898A-5153-F4EE51971B5B}"/>
+          </ac:graphicFrameMkLst>
+        </pc:graphicFrameChg>
+        <pc:graphicFrameChg chg="mod modGraphic">
+          <ac:chgData name="来宾用户" userId="" providerId="Windows Live" clId="Web-{58F3B869-5993-4D29-A1FA-481C16B6B497}" dt="2024-01-30T11:19:21.439" v="804"/>
+          <ac:graphicFrameMkLst>
+            <pc:docMk/>
+            <pc:sldMk cId="3882220895" sldId="279"/>
+            <ac:graphicFrameMk id="4" creationId="{415DC09B-AEE3-9318-5168-F85B2A8D77FC}"/>
+          </ac:graphicFrameMkLst>
+        </pc:graphicFrameChg>
+        <pc:graphicFrameChg chg="add del mod modGraphic">
+          <ac:chgData name="来宾用户" userId="" providerId="Windows Live" clId="Web-{58F3B869-5993-4D29-A1FA-481C16B6B497}" dt="2024-01-30T11:19:27.643" v="805"/>
+          <ac:graphicFrameMkLst>
+            <pc:docMk/>
+            <pc:sldMk cId="3882220895" sldId="279"/>
+            <ac:graphicFrameMk id="7" creationId="{18D6FDF1-E4E5-F91A-1E9B-BACF76077F26}"/>
+          </ac:graphicFrameMkLst>
+        </pc:graphicFrameChg>
+      </pc:sldChg>
+      <pc:sldChg chg="addSp delSp modSp add replId">
+        <pc:chgData name="来宾用户" userId="" providerId="Windows Live" clId="Web-{58F3B869-5993-4D29-A1FA-481C16B6B497}" dt="2024-01-30T09:15:01.604" v="38"/>
+        <pc:sldMkLst>
+          <pc:docMk/>
+          <pc:sldMk cId="3778260291" sldId="302"/>
+        </pc:sldMkLst>
+        <pc:spChg chg="add del mod">
+          <ac:chgData name="来宾用户" userId="" providerId="Windows Live" clId="Web-{58F3B869-5993-4D29-A1FA-481C16B6B497}" dt="2024-01-30T09:15:01.604" v="38"/>
+          <ac:spMkLst>
+            <pc:docMk/>
+            <pc:sldMk cId="3778260291" sldId="302"/>
+            <ac:spMk id="2" creationId="{92F1256C-EAF2-2FEC-798F-3E6585070C33}"/>
+          </ac:spMkLst>
+        </pc:spChg>
+        <pc:spChg chg="mod">
+          <ac:chgData name="来宾用户" userId="" providerId="Windows Live" clId="Web-{58F3B869-5993-4D29-A1FA-481C16B6B497}" dt="2024-01-30T09:09:31.419" v="11" actId="20577"/>
+          <ac:spMkLst>
+            <pc:docMk/>
+            <pc:sldMk cId="3778260291" sldId="302"/>
+            <ac:spMk id="5" creationId="{9CACAFA3-1535-C2CA-F7A1-0D980DCE854C}"/>
+          </ac:spMkLst>
+        </pc:spChg>
+      </pc:sldChg>
+      <pc:sldChg chg="modSp add del replId">
+        <pc:chgData name="来宾用户" userId="" providerId="Windows Live" clId="Web-{58F3B869-5993-4D29-A1FA-481C16B6B497}" dt="2024-01-30T09:16:01.544" v="51"/>
+        <pc:sldMkLst>
+          <pc:docMk/>
+          <pc:sldMk cId="1997617536" sldId="303"/>
+        </pc:sldMkLst>
+        <pc:spChg chg="mod">
+          <ac:chgData name="来宾用户" userId="" providerId="Windows Live" clId="Web-{58F3B869-5993-4D29-A1FA-481C16B6B497}" dt="2024-01-30T09:15:28.995" v="45" actId="20577"/>
+          <ac:spMkLst>
+            <pc:docMk/>
+            <pc:sldMk cId="1997617536" sldId="303"/>
+            <ac:spMk id="2" creationId="{05C8C424-C3DD-B97A-504F-F41474DFBD6E}"/>
+          </ac:spMkLst>
+        </pc:spChg>
+        <pc:spChg chg="mod">
+          <ac:chgData name="来宾用户" userId="" providerId="Windows Live" clId="Web-{58F3B869-5993-4D29-A1FA-481C16B6B497}" dt="2024-01-30T09:15:58.137" v="50" actId="20577"/>
+          <ac:spMkLst>
+            <pc:docMk/>
+            <pc:sldMk cId="1997617536" sldId="303"/>
+            <ac:spMk id="3" creationId="{EFD8F625-7A9E-2A38-4EDC-F98F8369152D}"/>
+          </ac:spMkLst>
+        </pc:spChg>
+      </pc:sldChg>
+      <pc:sldChg chg="addSp delSp modSp new">
+        <pc:chgData name="来宾用户" userId="" providerId="Windows Live" clId="Web-{58F3B869-5993-4D29-A1FA-481C16B6B497}" dt="2024-01-30T10:29:25.062" v="99" actId="20577"/>
+        <pc:sldMkLst>
+          <pc:docMk/>
+          <pc:sldMk cId="2922833108" sldId="303"/>
+        </pc:sldMkLst>
+        <pc:spChg chg="add del mod">
+          <ac:chgData name="来宾用户" userId="" providerId="Windows Live" clId="Web-{58F3B869-5993-4D29-A1FA-481C16B6B497}" dt="2024-01-30T10:13:57.241" v="56"/>
+          <ac:spMkLst>
+            <pc:docMk/>
+            <pc:sldMk cId="2922833108" sldId="303"/>
+            <ac:spMk id="2" creationId="{487DBD57-E4A6-7CE0-CE20-17B620B0B0F2}"/>
+          </ac:spMkLst>
+        </pc:spChg>
+        <pc:spChg chg="add del mod">
+          <ac:chgData name="来宾用户" userId="" providerId="Windows Live" clId="Web-{58F3B869-5993-4D29-A1FA-481C16B6B497}" dt="2024-01-30T10:14:18.226" v="60"/>
+          <ac:spMkLst>
+            <pc:docMk/>
+            <pc:sldMk cId="2922833108" sldId="303"/>
+            <ac:spMk id="3" creationId="{2D513C73-9D40-0E48-5E7D-A4734D0DE572}"/>
+          </ac:spMkLst>
+        </pc:spChg>
+        <pc:spChg chg="add mod">
+          <ac:chgData name="来宾用户" userId="" providerId="Windows Live" clId="Web-{58F3B869-5993-4D29-A1FA-481C16B6B497}" dt="2024-01-30T10:29:25.062" v="99" actId="20577"/>
+          <ac:spMkLst>
+            <pc:docMk/>
+            <pc:sldMk cId="2922833108" sldId="303"/>
+            <ac:spMk id="4" creationId="{B5004A2F-2E7F-B79A-D714-1DC36C7B7E25}"/>
+          </ac:spMkLst>
+        </pc:spChg>
+        <pc:spChg chg="add del mod">
+          <ac:chgData name="来宾用户" userId="" providerId="Windows Live" clId="Web-{58F3B869-5993-4D29-A1FA-481C16B6B497}" dt="2024-01-30T10:26:03.916" v="77"/>
+          <ac:spMkLst>
+            <pc:docMk/>
+            <pc:sldMk cId="2922833108" sldId="303"/>
+            <ac:spMk id="5" creationId="{BE8C0C62-C665-B4AD-5E8D-DD552FAE4624}"/>
+          </ac:spMkLst>
+        </pc:spChg>
+        <pc:spChg chg="add mod">
+          <ac:chgData name="来宾用户" userId="" providerId="Windows Live" clId="Web-{58F3B869-5993-4D29-A1FA-481C16B6B497}" dt="2024-01-30T10:27:13.309" v="87" actId="14100"/>
+          <ac:spMkLst>
+            <pc:docMk/>
+            <pc:sldMk cId="2922833108" sldId="303"/>
+            <ac:spMk id="7" creationId="{5EDD3713-AC99-8234-BBD5-BC9FB66A5DB9}"/>
+          </ac:spMkLst>
+        </pc:spChg>
+      </pc:sldChg>
+      <pc:sldChg chg="delSp modSp add del replId delCm modCm">
+        <pc:chgData name="来宾用户" userId="" providerId="Windows Live" clId="Web-{58F3B869-5993-4D29-A1FA-481C16B6B497}" dt="2024-01-30T09:12:20.879" v="24"/>
+        <pc:sldMkLst>
+          <pc:docMk/>
+          <pc:sldMk cId="3620744590" sldId="303"/>
+        </pc:sldMkLst>
+        <pc:spChg chg="mod">
+          <ac:chgData name="来宾用户" userId="" providerId="Windows Live" clId="Web-{58F3B869-5993-4D29-A1FA-481C16B6B497}" dt="2024-01-30T09:10:11.061" v="15" actId="20577"/>
+          <ac:spMkLst>
+            <pc:docMk/>
+            <pc:sldMk cId="3620744590" sldId="303"/>
+            <ac:spMk id="2" creationId="{465F5823-76DB-FB82-5FDD-3E7A0BBB9CD3}"/>
+          </ac:spMkLst>
+        </pc:spChg>
+        <pc:spChg chg="del mod">
+          <ac:chgData name="来宾用户" userId="" providerId="Windows Live" clId="Web-{58F3B869-5993-4D29-A1FA-481C16B6B497}" dt="2024-01-30T09:11:36.580" v="19"/>
+          <ac:spMkLst>
+            <pc:docMk/>
+            <pc:sldMk cId="3620744590" sldId="303"/>
+            <ac:spMk id="10" creationId="{9DB80246-52CC-898C-6453-42C27A968A10}"/>
+          </ac:spMkLst>
+        </pc:spChg>
+        <pc:graphicFrameChg chg="del">
+          <ac:chgData name="来宾用户" userId="" providerId="Windows Live" clId="Web-{58F3B869-5993-4D29-A1FA-481C16B6B497}" dt="2024-01-30T09:11:39.940" v="20"/>
+          <ac:graphicFrameMkLst>
+            <pc:docMk/>
+            <pc:sldMk cId="3620744590" sldId="303"/>
+            <ac:graphicFrameMk id="11" creationId="{A2D5D5F8-D1F5-E637-2CE0-9BBDB0B3E381}"/>
+          </ac:graphicFrameMkLst>
+        </pc:graphicFrameChg>
+        <pc:extLst>
+          <p:ext xmlns:p="http://schemas.openxmlformats.org/presentationml/2006/main" uri="{D6D511B9-2390-475A-947B-AFAB55BFBCF1}">
+            <pc226:cmChg xmlns:pc226="http://schemas.microsoft.com/office/powerpoint/2022/06/main/command" chg="del mod">
+              <pc226:chgData name="来宾用户" userId="" providerId="Windows Live" clId="Web-{58F3B869-5993-4D29-A1FA-481C16B6B497}" dt="2024-01-30T09:11:16.751" v="16"/>
+              <pc2:cmMkLst xmlns:pc2="http://schemas.microsoft.com/office/powerpoint/2019/9/main/command">
+                <pc:docMk/>
+                <pc:sldMk cId="3620744590" sldId="303"/>
+                <pc2:cmMk id="{45BFBECC-CB14-4B05-8722-924F43C88A5D}"/>
+              </pc2:cmMkLst>
+            </pc226:cmChg>
+          </p:ext>
+        </pc:extLst>
+      </pc:sldChg>
+      <pc:sldChg chg="delSp modSp add del replId delCm modCm">
+        <pc:chgData name="来宾用户" userId="" providerId="Windows Live" clId="Web-{58F3B869-5993-4D29-A1FA-481C16B6B497}" dt="2024-01-30T09:13:34.850" v="34"/>
+        <pc:sldMkLst>
+          <pc:docMk/>
+          <pc:sldMk cId="2928165767" sldId="304"/>
+        </pc:sldMkLst>
+        <pc:spChg chg="mod">
+          <ac:chgData name="来宾用户" userId="" providerId="Windows Live" clId="Web-{58F3B869-5993-4D29-A1FA-481C16B6B497}" dt="2024-01-30T09:12:25.410" v="28" actId="20577"/>
+          <ac:spMkLst>
+            <pc:docMk/>
+            <pc:sldMk cId="2928165767" sldId="304"/>
+            <ac:spMk id="2" creationId="{4A9144FD-55FF-CA1E-3BB2-2EC11AF812F9}"/>
+          </ac:spMkLst>
+        </pc:spChg>
+        <pc:spChg chg="mod">
+          <ac:chgData name="来宾用户" userId="" providerId="Windows Live" clId="Web-{58F3B869-5993-4D29-A1FA-481C16B6B497}" dt="2024-01-30T09:13:19.897" v="32" actId="20577"/>
+          <ac:spMkLst>
+            <pc:docMk/>
+            <pc:sldMk cId="2928165767" sldId="304"/>
+            <ac:spMk id="3" creationId="{1EE51E40-A01C-1244-62DC-108202F8ED9F}"/>
+          </ac:spMkLst>
+        </pc:spChg>
+        <pc:picChg chg="del">
+          <ac:chgData name="来宾用户" userId="" providerId="Windows Live" clId="Web-{58F3B869-5993-4D29-A1FA-481C16B6B497}" dt="2024-01-30T09:12:41.723" v="30"/>
+          <ac:picMkLst>
+            <pc:docMk/>
+            <pc:sldMk cId="2928165767" sldId="304"/>
+            <ac:picMk id="5" creationId="{24957FA9-9DE7-3F01-B17C-92305581F5D4}"/>
+          </ac:picMkLst>
+        </pc:picChg>
+        <pc:extLst>
+          <p:ext xmlns:p="http://schemas.openxmlformats.org/presentationml/2006/main" uri="{D6D511B9-2390-475A-947B-AFAB55BFBCF1}">
+            <pc226:cmChg xmlns:pc226="http://schemas.microsoft.com/office/powerpoint/2022/06/main/command" chg="del mod">
+              <pc226:chgData name="来宾用户" userId="" providerId="Windows Live" clId="Web-{58F3B869-5993-4D29-A1FA-481C16B6B497}" dt="2024-01-30T09:13:20.084" v="33"/>
+              <pc2:cmMkLst xmlns:pc2="http://schemas.microsoft.com/office/powerpoint/2019/9/main/command">
+                <pc:docMk/>
+                <pc:sldMk cId="2928165767" sldId="304"/>
+                <pc2:cmMk id="{90905FE1-E45D-47EA-97CE-89404D4D7566}"/>
+              </pc2:cmMkLst>
+            </pc226:cmChg>
+          </p:ext>
+        </pc:extLst>
+      </pc:sldChg>
+      <pc:sldChg chg="addSp delSp modSp add replId">
+        <pc:chgData name="来宾用户" userId="" providerId="Windows Live" clId="Web-{58F3B869-5993-4D29-A1FA-481C16B6B497}" dt="2024-01-30T10:56:55.200" v="393" actId="1076"/>
+        <pc:sldMkLst>
+          <pc:docMk/>
+          <pc:sldMk cId="3891013853" sldId="304"/>
+        </pc:sldMkLst>
+        <pc:spChg chg="add mod">
+          <ac:chgData name="来宾用户" userId="" providerId="Windows Live" clId="Web-{58F3B869-5993-4D29-A1FA-481C16B6B497}" dt="2024-01-30T10:47:36.810" v="147" actId="20577"/>
+          <ac:spMkLst>
+            <pc:docMk/>
+            <pc:sldMk cId="3891013853" sldId="304"/>
+            <ac:spMk id="2" creationId="{C928120A-51B9-0849-789F-8A28F57D0E2C}"/>
+          </ac:spMkLst>
+        </pc:spChg>
+        <pc:spChg chg="add mod">
+          <ac:chgData name="来宾用户" userId="" providerId="Windows Live" clId="Web-{58F3B869-5993-4D29-A1FA-481C16B6B497}" dt="2024-01-30T10:56:45.997" v="392" actId="14100"/>
+          <ac:spMkLst>
+            <pc:docMk/>
+            <pc:sldMk cId="3891013853" sldId="304"/>
+            <ac:spMk id="3" creationId="{3D993058-699D-2C61-0C00-6A7EDDEED4BE}"/>
+          </ac:spMkLst>
+        </pc:spChg>
+        <pc:spChg chg="del">
+          <ac:chgData name="来宾用户" userId="" providerId="Windows Live" clId="Web-{58F3B869-5993-4D29-A1FA-481C16B6B497}" dt="2024-01-30T10:29:49.063" v="101"/>
+          <ac:spMkLst>
+            <pc:docMk/>
+            <pc:sldMk cId="3891013853" sldId="304"/>
+            <ac:spMk id="4" creationId="{12093AB3-4B17-91D6-202E-A2C58D8CBFD4}"/>
+          </ac:spMkLst>
+        </pc:spChg>
+        <pc:spChg chg="add mod">
+          <ac:chgData name="来宾用户" userId="" providerId="Windows Live" clId="Web-{58F3B869-5993-4D29-A1FA-481C16B6B497}" dt="2024-01-30T10:56:55.200" v="393" actId="1076"/>
+          <ac:spMkLst>
+            <pc:docMk/>
+            <pc:sldMk cId="3891013853" sldId="304"/>
+            <ac:spMk id="8" creationId="{8733BBFE-7EF5-D49D-3352-BA766927C16E}"/>
+          </ac:spMkLst>
+        </pc:spChg>
+        <pc:graphicFrameChg chg="add mod modGraphic">
+          <ac:chgData name="来宾用户" userId="" providerId="Windows Live" clId="Web-{58F3B869-5993-4D29-A1FA-481C16B6B497}" dt="2024-01-30T10:56:40.543" v="391"/>
+          <ac:graphicFrameMkLst>
+            <pc:docMk/>
+            <pc:sldMk cId="3891013853" sldId="304"/>
+            <ac:graphicFrameMk id="6" creationId="{A9EB1D2C-3F52-F214-8A6B-67CD78233008}"/>
+          </ac:graphicFrameMkLst>
+        </pc:graphicFrameChg>
+      </pc:sldChg>
+      <pc:sldChg chg="addSp delSp modSp add replId">
+        <pc:chgData name="来宾用户" userId="" providerId="Windows Live" clId="Web-{58F3B869-5993-4D29-A1FA-481C16B6B497}" dt="2024-01-30T10:56:28.637" v="390" actId="14100"/>
+        <pc:sldMkLst>
+          <pc:docMk/>
+          <pc:sldMk cId="3565572942" sldId="305"/>
+        </pc:sldMkLst>
+        <pc:spChg chg="add mod">
+          <ac:chgData name="来宾用户" userId="" providerId="Windows Live" clId="Web-{58F3B869-5993-4D29-A1FA-481C16B6B497}" dt="2024-01-30T10:56:28.637" v="390" actId="14100"/>
+          <ac:spMkLst>
+            <pc:docMk/>
+            <pc:sldMk cId="3565572942" sldId="305"/>
+            <ac:spMk id="3" creationId="{FB703850-14CD-531B-E522-4333583277D3}"/>
+          </ac:spMkLst>
+        </pc:spChg>
+        <pc:spChg chg="add mod">
+          <ac:chgData name="来宾用户" userId="" providerId="Windows Live" clId="Web-{58F3B869-5993-4D29-A1FA-481C16B6B497}" dt="2024-01-30T10:50:24.987" v="242" actId="20577"/>
+          <ac:spMkLst>
+            <pc:docMk/>
+            <pc:sldMk cId="3565572942" sldId="305"/>
+            <ac:spMk id="8" creationId="{D8C25E34-957A-DF4A-6C87-D8DBBF72097D}"/>
+          </ac:spMkLst>
+        </pc:spChg>
+        <pc:spChg chg="add del">
+          <ac:chgData name="来宾用户" userId="" providerId="Windows Live" clId="Web-{58F3B869-5993-4D29-A1FA-481C16B6B497}" dt="2024-01-30T10:51:48.051" v="244"/>
+          <ac:spMkLst>
+            <pc:docMk/>
+            <pc:sldMk cId="3565572942" sldId="305"/>
+            <ac:spMk id="10" creationId="{BFEBA61A-6770-DA04-6577-3DF75B2F0AD6}"/>
+          </ac:spMkLst>
+        </pc:spChg>
+        <pc:spChg chg="add mod">
+          <ac:chgData name="来宾用户" userId="" providerId="Windows Live" clId="Web-{58F3B869-5993-4D29-A1FA-481C16B6B497}" dt="2024-01-30T10:56:15.980" v="388" actId="1076"/>
+          <ac:spMkLst>
+            <pc:docMk/>
+            <pc:sldMk cId="3565572942" sldId="305"/>
+            <ac:spMk id="18" creationId="{A52F6F7D-7BBE-22DD-E69D-0541087BA4B8}"/>
+          </ac:spMkLst>
+        </pc:spChg>
+        <pc:graphicFrameChg chg="add mod modGraphic">
+          <ac:chgData name="来宾用户" userId="" providerId="Windows Live" clId="Web-{58F3B869-5993-4D29-A1FA-481C16B6B497}" dt="2024-01-30T10:49:41.595" v="199"/>
+          <ac:graphicFrameMkLst>
+            <pc:docMk/>
+            <pc:sldMk cId="3565572942" sldId="305"/>
+            <ac:graphicFrameMk id="5" creationId="{B488B678-362B-B2E6-CDCB-69725D3CFAC6}"/>
+          </ac:graphicFrameMkLst>
+        </pc:graphicFrameChg>
+        <pc:graphicFrameChg chg="add mod modGraphic">
+          <ac:chgData name="来宾用户" userId="" providerId="Windows Live" clId="Web-{58F3B869-5993-4D29-A1FA-481C16B6B497}" dt="2024-01-30T10:56:20.684" v="389" actId="1076"/>
+          <ac:graphicFrameMkLst>
+            <pc:docMk/>
+            <pc:sldMk cId="3565572942" sldId="305"/>
+            <ac:graphicFrameMk id="11" creationId="{CA66AFCB-F001-5829-4C24-ED6C80ACEFDA}"/>
+          </ac:graphicFrameMkLst>
+        </pc:graphicFrameChg>
+        <pc:graphicFrameChg chg="add del mod">
+          <ac:chgData name="来宾用户" userId="" providerId="Windows Live" clId="Web-{58F3B869-5993-4D29-A1FA-481C16B6B497}" dt="2024-01-30T10:52:49.147" v="257"/>
+          <ac:graphicFrameMkLst>
+            <pc:docMk/>
+            <pc:sldMk cId="3565572942" sldId="305"/>
+            <ac:graphicFrameMk id="13" creationId="{B6C0B29F-353B-744C-821B-4478B02A3A9F}"/>
+          </ac:graphicFrameMkLst>
+        </pc:graphicFrameChg>
+        <pc:graphicFrameChg chg="add del mod">
+          <ac:chgData name="来宾用户" userId="" providerId="Windows Live" clId="Web-{58F3B869-5993-4D29-A1FA-481C16B6B497}" dt="2024-01-30T10:52:45.975" v="256"/>
+          <ac:graphicFrameMkLst>
+            <pc:docMk/>
+            <pc:sldMk cId="3565572942" sldId="305"/>
+            <ac:graphicFrameMk id="15" creationId="{00D6F421-9BEF-2C59-67B1-050A7D9FAB5D}"/>
+          </ac:graphicFrameMkLst>
+        </pc:graphicFrameChg>
+        <pc:graphicFrameChg chg="add del mod modGraphic">
+          <ac:chgData name="来宾用户" userId="" providerId="Windows Live" clId="Web-{58F3B869-5993-4D29-A1FA-481C16B6B497}" dt="2024-01-30T10:53:13.382" v="261"/>
+          <ac:graphicFrameMkLst>
+            <pc:docMk/>
+            <pc:sldMk cId="3565572942" sldId="305"/>
+            <ac:graphicFrameMk id="17" creationId="{BA58AAE6-EC99-1486-E935-E92C86A51880}"/>
+          </ac:graphicFrameMkLst>
+        </pc:graphicFrameChg>
+      </pc:sldChg>
+      <pc:sldChg chg="addSp modSp add replId">
+        <pc:chgData name="来宾用户" userId="" providerId="Windows Live" clId="Web-{58F3B869-5993-4D29-A1FA-481C16B6B497}" dt="2024-01-30T10:59:07.626" v="418" actId="1076"/>
+        <pc:sldMkLst>
+          <pc:docMk/>
+          <pc:sldMk cId="3887204146" sldId="306"/>
+        </pc:sldMkLst>
+        <pc:spChg chg="add mod">
+          <ac:chgData name="来宾用户" userId="" providerId="Windows Live" clId="Web-{58F3B869-5993-4D29-A1FA-481C16B6B497}" dt="2024-01-30T10:59:07.626" v="418" actId="1076"/>
+          <ac:spMkLst>
+            <pc:docMk/>
+            <pc:sldMk cId="3887204146" sldId="306"/>
+            <ac:spMk id="3" creationId="{F56F9294-3587-9372-9D3E-6070626392BC}"/>
+          </ac:spMkLst>
+        </pc:spChg>
+        <pc:spChg chg="add mod">
+          <ac:chgData name="来宾用户" userId="" providerId="Windows Live" clId="Web-{58F3B869-5993-4D29-A1FA-481C16B6B497}" dt="2024-01-30T10:59:02.079" v="417" actId="1076"/>
+          <ac:spMkLst>
+            <pc:docMk/>
+            <pc:sldMk cId="3887204146" sldId="306"/>
+            <ac:spMk id="4" creationId="{13A696F8-EFBC-6E06-6C6F-6CC575BE358D}"/>
+          </ac:spMkLst>
+        </pc:spChg>
+        <pc:picChg chg="add mod">
+          <ac:chgData name="来宾用户" userId="" providerId="Windows Live" clId="Web-{58F3B869-5993-4D29-A1FA-481C16B6B497}" dt="2024-01-30T10:58:26.078" v="409" actId="1076"/>
+          <ac:picMkLst>
+            <pc:docMk/>
+            <pc:sldMk cId="3887204146" sldId="306"/>
+            <ac:picMk id="2" creationId="{21C4192E-EF39-2B5B-6039-0B8BAB8D0373}"/>
+          </ac:picMkLst>
+        </pc:picChg>
+      </pc:sldChg>
+      <pc:sldChg chg="addSp add del replId">
+        <pc:chgData name="来宾用户" userId="" providerId="Windows Live" clId="Web-{58F3B869-5993-4D29-A1FA-481C16B6B497}" dt="2024-01-30T11:07:59.452" v="550"/>
+        <pc:sldMkLst>
+          <pc:docMk/>
+          <pc:sldMk cId="978952510" sldId="307"/>
+        </pc:sldMkLst>
+        <pc:spChg chg="add">
+          <ac:chgData name="来宾用户" userId="" providerId="Windows Live" clId="Web-{58F3B869-5993-4D29-A1FA-481C16B6B497}" dt="2024-01-30T11:01:45.739" v="438"/>
+          <ac:spMkLst>
+            <pc:docMk/>
+            <pc:sldMk cId="978952510" sldId="307"/>
+            <ac:spMk id="3" creationId="{CA626799-3C0F-C8A5-D770-BEF6A7544CC0}"/>
+          </ac:spMkLst>
+        </pc:spChg>
+      </pc:sldChg>
+      <pc:sldChg chg="addSp delSp modSp add replId">
+        <pc:chgData name="来宾用户" userId="" providerId="Windows Live" clId="Web-{58F3B869-5993-4D29-A1FA-481C16B6B497}" dt="2024-01-30T11:02:27.897" v="448" actId="1076"/>
+        <pc:sldMkLst>
+          <pc:docMk/>
+          <pc:sldMk cId="1687668371" sldId="308"/>
+        </pc:sldMkLst>
+        <pc:spChg chg="add mod">
+          <ac:chgData name="来宾用户" userId="" providerId="Windows Live" clId="Web-{58F3B869-5993-4D29-A1FA-481C16B6B497}" dt="2024-01-30T11:02:11.490" v="445" actId="1076"/>
+          <ac:spMkLst>
+            <pc:docMk/>
+            <pc:sldMk cId="1687668371" sldId="308"/>
+            <ac:spMk id="2" creationId="{B8F738D0-E83F-96F5-FD04-66388C3C223B}"/>
+          </ac:spMkLst>
+        </pc:spChg>
+        <pc:spChg chg="add del mod">
+          <ac:chgData name="来宾用户" userId="" providerId="Windows Live" clId="Web-{58F3B869-5993-4D29-A1FA-481C16B6B497}" dt="2024-01-30T11:01:54.911" v="441"/>
+          <ac:spMkLst>
+            <pc:docMk/>
+            <pc:sldMk cId="1687668371" sldId="308"/>
+            <ac:spMk id="4" creationId="{111B9032-9A43-AF64-39AE-E9402BE7510E}"/>
+          </ac:spMkLst>
+        </pc:spChg>
+        <pc:picChg chg="add mod">
+          <ac:chgData name="来宾用户" userId="" providerId="Windows Live" clId="Web-{58F3B869-5993-4D29-A1FA-481C16B6B497}" dt="2024-01-30T11:02:27.897" v="448" actId="1076"/>
+          <ac:picMkLst>
+            <pc:docMk/>
+            <pc:sldMk cId="1687668371" sldId="308"/>
+            <ac:picMk id="3" creationId="{662046C8-D900-2A2E-2974-E182F2591EE5}"/>
+          </ac:picMkLst>
+        </pc:picChg>
+      </pc:sldChg>
+      <pc:sldChg chg="addSp delSp modSp add ord replId">
+        <pc:chgData name="来宾用户" userId="" providerId="Windows Live" clId="Web-{58F3B869-5993-4D29-A1FA-481C16B6B497}" dt="2024-01-30T11:07:52.874" v="549"/>
+        <pc:sldMkLst>
+          <pc:docMk/>
+          <pc:sldMk cId="2181116833" sldId="309"/>
+        </pc:sldMkLst>
+        <pc:spChg chg="mod">
+          <ac:chgData name="来宾用户" userId="" providerId="Windows Live" clId="Web-{58F3B869-5993-4D29-A1FA-481C16B6B497}" dt="2024-01-30T11:05:44.074" v="517" actId="1076"/>
+          <ac:spMkLst>
+            <pc:docMk/>
+            <pc:sldMk cId="2181116833" sldId="309"/>
+            <ac:spMk id="3" creationId="{2B6FB66E-F377-7DC7-145C-CDE4BABF54C8}"/>
+          </ac:spMkLst>
+        </pc:spChg>
+        <pc:spChg chg="add mod">
+          <ac:chgData name="来宾用户" userId="" providerId="Windows Live" clId="Web-{58F3B869-5993-4D29-A1FA-481C16B6B497}" dt="2024-01-30T11:07:33.920" v="548" actId="1076"/>
+          <ac:spMkLst>
+            <pc:docMk/>
+            <pc:sldMk cId="2181116833" sldId="309"/>
+            <ac:spMk id="9" creationId="{7D104112-F522-F6F4-D4FB-C509D5148EFA}"/>
+          </ac:spMkLst>
+        </pc:spChg>
+        <pc:spChg chg="add del">
+          <ac:chgData name="来宾用户" userId="" providerId="Windows Live" clId="Web-{58F3B869-5993-4D29-A1FA-481C16B6B497}" dt="2024-01-30T11:06:47.607" v="534"/>
+          <ac:spMkLst>
+            <pc:docMk/>
+            <pc:sldMk cId="2181116833" sldId="309"/>
+            <ac:spMk id="12" creationId="{B629F4DF-4654-C80D-2DA1-6C6BE2FAC526}"/>
+          </ac:spMkLst>
+        </pc:spChg>
+        <pc:spChg chg="add mod">
+          <ac:chgData name="来宾用户" userId="" providerId="Windows Live" clId="Web-{58F3B869-5993-4D29-A1FA-481C16B6B497}" dt="2024-01-30T11:07:10.982" v="546" actId="14100"/>
+          <ac:spMkLst>
+            <pc:docMk/>
+            <pc:sldMk cId="2181116833" sldId="309"/>
+            <ac:spMk id="13" creationId="{C002E180-44F4-1B32-128F-A56F30DA75B8}"/>
+          </ac:spMkLst>
+        </pc:spChg>
+        <pc:graphicFrameChg chg="add del mod modGraphic">
+          <ac:chgData name="来宾用户" userId="" providerId="Windows Live" clId="Web-{58F3B869-5993-4D29-A1FA-481C16B6B497}" dt="2024-01-30T11:03:11.851" v="453"/>
+          <ac:graphicFrameMkLst>
+            <pc:docMk/>
+            <pc:sldMk cId="2181116833" sldId="309"/>
+            <ac:graphicFrameMk id="4" creationId="{09A6B55D-7115-0503-CB0D-2E3FF17C4173}"/>
+          </ac:graphicFrameMkLst>
+        </pc:graphicFrameChg>
+        <pc:graphicFrameChg chg="add mod modGraphic">
+          <ac:chgData name="来宾用户" userId="" providerId="Windows Live" clId="Web-{58F3B869-5993-4D29-A1FA-481C16B6B497}" dt="2024-01-30T11:05:03.041" v="512"/>
+          <ac:graphicFrameMkLst>
+            <pc:docMk/>
+            <pc:sldMk cId="2181116833" sldId="309"/>
+            <ac:graphicFrameMk id="6" creationId="{E997810B-EA51-98A4-663F-3BBE428FC0BE}"/>
+          </ac:graphicFrameMkLst>
+        </pc:graphicFrameChg>
+        <pc:graphicFrameChg chg="add mod modGraphic">
+          <ac:chgData name="来宾用户" userId="" providerId="Windows Live" clId="Web-{58F3B869-5993-4D29-A1FA-481C16B6B497}" dt="2024-01-30T11:07:19.545" v="547" actId="1076"/>
+          <ac:graphicFrameMkLst>
+            <pc:docMk/>
+            <pc:sldMk cId="2181116833" sldId="309"/>
+            <ac:graphicFrameMk id="11" creationId="{ED355ADC-8802-A874-4B58-67E88584AB0E}"/>
+          </ac:graphicFrameMkLst>
+        </pc:graphicFrameChg>
+      </pc:sldChg>
+      <pc:sldChg chg="addSp delSp modSp add">
+        <pc:chgData name="来宾用户" userId="" providerId="Windows Live" clId="Web-{58F3B869-5993-4D29-A1FA-481C16B6B497}" dt="2024-01-30T11:09:43.799" v="569" actId="14100"/>
+        <pc:sldMkLst>
+          <pc:docMk/>
+          <pc:sldMk cId="978952510" sldId="310"/>
+        </pc:sldMkLst>
+        <pc:spChg chg="add mod">
+          <ac:chgData name="来宾用户" userId="" providerId="Windows Live" clId="Web-{58F3B869-5993-4D29-A1FA-481C16B6B497}" dt="2024-01-30T11:09:36.549" v="568" actId="1076"/>
+          <ac:spMkLst>
+            <pc:docMk/>
+            <pc:sldMk cId="978952510" sldId="310"/>
+            <ac:spMk id="2" creationId="{D5097F2A-D4AD-4FB7-6B63-236F610F1613}"/>
+          </ac:spMkLst>
+        </pc:spChg>
+        <pc:spChg chg="del">
+          <ac:chgData name="来宾用户" userId="" providerId="Windows Live" clId="Web-{58F3B869-5993-4D29-A1FA-481C16B6B497}" dt="2024-01-30T11:08:06.624" v="552"/>
+          <ac:spMkLst>
+            <pc:docMk/>
+            <pc:sldMk cId="978952510" sldId="310"/>
+            <ac:spMk id="3" creationId="{CA626799-3C0F-C8A5-D770-BEF6A7544CC0}"/>
+          </ac:spMkLst>
+        </pc:spChg>
+        <pc:picChg chg="add mod">
+          <ac:chgData name="来宾用户" userId="" providerId="Windows Live" clId="Web-{58F3B869-5993-4D29-A1FA-481C16B6B497}" dt="2024-01-30T11:09:43.799" v="569" actId="14100"/>
+          <ac:picMkLst>
+            <pc:docMk/>
+            <pc:sldMk cId="978952510" sldId="310"/>
+            <ac:picMk id="4" creationId="{2A3BDA09-59AF-4894-09E7-036ECE4A779B}"/>
+          </ac:picMkLst>
+        </pc:picChg>
+      </pc:sldChg>
+      <pc:sldChg chg="addSp modSp add replId">
+        <pc:chgData name="来宾用户" userId="" providerId="Windows Live" clId="Web-{58F3B869-5993-4D29-A1FA-481C16B6B497}" dt="2024-01-30T11:11:44.208" v="596" actId="1076"/>
+        <pc:sldMkLst>
+          <pc:docMk/>
+          <pc:sldMk cId="4117523037" sldId="311"/>
+        </pc:sldMkLst>
+        <pc:spChg chg="add mod">
+          <ac:chgData name="来宾用户" userId="" providerId="Windows Live" clId="Web-{58F3B869-5993-4D29-A1FA-481C16B6B497}" dt="2024-01-30T11:11:44.208" v="596" actId="1076"/>
+          <ac:spMkLst>
+            <pc:docMk/>
+            <pc:sldMk cId="4117523037" sldId="311"/>
+            <ac:spMk id="2" creationId="{F7BF9DD0-599F-C18B-9ED7-86F14647FAA9}"/>
+          </ac:spMkLst>
+        </pc:spChg>
+        <pc:spChg chg="add mod">
+          <ac:chgData name="来宾用户" userId="" providerId="Windows Live" clId="Web-{58F3B869-5993-4D29-A1FA-481C16B6B497}" dt="2024-01-30T11:11:39.958" v="595" actId="1076"/>
+          <ac:spMkLst>
+            <pc:docMk/>
+            <pc:sldMk cId="4117523037" sldId="311"/>
+            <ac:spMk id="4" creationId="{72CBE77D-7115-DA77-B42B-5CAD727F19BE}"/>
+          </ac:spMkLst>
+        </pc:spChg>
+        <pc:picChg chg="add mod">
+          <ac:chgData name="来宾用户" userId="" providerId="Windows Live" clId="Web-{58F3B869-5993-4D29-A1FA-481C16B6B497}" dt="2024-01-30T11:11:00.676" v="584" actId="14100"/>
+          <ac:picMkLst>
+            <pc:docMk/>
+            <pc:sldMk cId="4117523037" sldId="311"/>
+            <ac:picMk id="3" creationId="{35EAF632-AA1C-E0F3-B631-80B65CEBFE52}"/>
+          </ac:picMkLst>
+        </pc:picChg>
+      </pc:sldChg>
+    </pc:docChg>
+  </pc:docChgLst>
+  <pc:docChgLst>
+    <pc:chgData name="Ejoel Metz" userId="4ada848ac625ad4f" providerId="LiveId" clId="{2FA20157-E94F-48A0-9B17-A348EC1C688C}"/>
+    <pc:docChg chg="custSel addSld delSld modSld modSection">
+      <pc:chgData name="Ejoel Metz" userId="4ada848ac625ad4f" providerId="LiveId" clId="{2FA20157-E94F-48A0-9B17-A348EC1C688C}" dt="2024-01-31T17:08:08.762" v="207" actId="20577"/>
+      <pc:docMkLst>
+        <pc:docMk/>
+      </pc:docMkLst>
+      <pc:sldChg chg="delSp mod">
+        <pc:chgData name="Ejoel Metz" userId="4ada848ac625ad4f" providerId="LiveId" clId="{2FA20157-E94F-48A0-9B17-A348EC1C688C}" dt="2024-01-31T15:36:12.621" v="0" actId="478"/>
+        <pc:sldMkLst>
+          <pc:docMk/>
+          <pc:sldMk cId="328641436" sldId="256"/>
+        </pc:sldMkLst>
+        <pc:spChg chg="del">
+          <ac:chgData name="Ejoel Metz" userId="4ada848ac625ad4f" providerId="LiveId" clId="{2FA20157-E94F-48A0-9B17-A348EC1C688C}" dt="2024-01-31T15:36:12.621" v="0" actId="478"/>
+          <ac:spMkLst>
+            <pc:docMk/>
+            <pc:sldMk cId="328641436" sldId="256"/>
+            <ac:spMk id="6" creationId="{5B598F3D-A829-38CF-9FB5-AB77DFE037E2}"/>
+          </ac:spMkLst>
+        </pc:spChg>
+      </pc:sldChg>
+      <pc:sldChg chg="del">
+        <pc:chgData name="Ejoel Metz" userId="4ada848ac625ad4f" providerId="LiveId" clId="{2FA20157-E94F-48A0-9B17-A348EC1C688C}" dt="2024-01-31T15:37:57.515" v="19" actId="2696"/>
+        <pc:sldMkLst>
+          <pc:docMk/>
+          <pc:sldMk cId="177289374" sldId="257"/>
+        </pc:sldMkLst>
+      </pc:sldChg>
+      <pc:sldChg chg="delSp mod">
+        <pc:chgData name="Ejoel Metz" userId="4ada848ac625ad4f" providerId="LiveId" clId="{2FA20157-E94F-48A0-9B17-A348EC1C688C}" dt="2024-01-31T15:36:15.974" v="1" actId="478"/>
+        <pc:sldMkLst>
+          <pc:docMk/>
+          <pc:sldMk cId="2963796953" sldId="258"/>
+        </pc:sldMkLst>
+        <pc:spChg chg="del">
+          <ac:chgData name="Ejoel Metz" userId="4ada848ac625ad4f" providerId="LiveId" clId="{2FA20157-E94F-48A0-9B17-A348EC1C688C}" dt="2024-01-31T15:36:15.974" v="1" actId="478"/>
+          <ac:spMkLst>
+            <pc:docMk/>
+            <pc:sldMk cId="2963796953" sldId="258"/>
+            <ac:spMk id="6" creationId="{C034B9F6-DCA3-DBFC-9BAA-61C0953AFEA8}"/>
+          </ac:spMkLst>
+        </pc:spChg>
+      </pc:sldChg>
+      <pc:sldChg chg="delSp mod">
+        <pc:chgData name="Ejoel Metz" userId="4ada848ac625ad4f" providerId="LiveId" clId="{2FA20157-E94F-48A0-9B17-A348EC1C688C}" dt="2024-01-31T15:36:18.345" v="2" actId="478"/>
+        <pc:sldMkLst>
+          <pc:docMk/>
+          <pc:sldMk cId="1342146163" sldId="259"/>
+        </pc:sldMkLst>
+        <pc:spChg chg="del">
+          <ac:chgData name="Ejoel Metz" userId="4ada848ac625ad4f" providerId="LiveId" clId="{2FA20157-E94F-48A0-9B17-A348EC1C688C}" dt="2024-01-31T15:36:18.345" v="2" actId="478"/>
+          <ac:spMkLst>
+            <pc:docMk/>
+            <pc:sldMk cId="1342146163" sldId="259"/>
+            <ac:spMk id="6" creationId="{8A60F2CB-CBA7-105E-D364-8129D2C24C01}"/>
+          </ac:spMkLst>
+        </pc:spChg>
+      </pc:sldChg>
+      <pc:sldChg chg="delSp modSp mod">
+        <pc:chgData name="Ejoel Metz" userId="4ada848ac625ad4f" providerId="LiveId" clId="{2FA20157-E94F-48A0-9B17-A348EC1C688C}" dt="2024-01-31T15:36:24.480" v="4" actId="478"/>
+        <pc:sldMkLst>
+          <pc:docMk/>
+          <pc:sldMk cId="656741815" sldId="260"/>
+        </pc:sldMkLst>
+        <pc:spChg chg="del mod">
+          <ac:chgData name="Ejoel Metz" userId="4ada848ac625ad4f" providerId="LiveId" clId="{2FA20157-E94F-48A0-9B17-A348EC1C688C}" dt="2024-01-31T15:36:24.480" v="4" actId="478"/>
+          <ac:spMkLst>
+            <pc:docMk/>
+            <pc:sldMk cId="656741815" sldId="260"/>
+            <ac:spMk id="6" creationId="{DB503709-8955-E292-1C4B-FDAFB47A361D}"/>
+          </ac:spMkLst>
+        </pc:spChg>
+      </pc:sldChg>
+      <pc:sldChg chg="del">
+        <pc:chgData name="Ejoel Metz" userId="4ada848ac625ad4f" providerId="LiveId" clId="{2FA20157-E94F-48A0-9B17-A348EC1C688C}" dt="2024-01-31T15:37:31.144" v="14" actId="2696"/>
+        <pc:sldMkLst>
+          <pc:docMk/>
+          <pc:sldMk cId="1274738910" sldId="264"/>
+        </pc:sldMkLst>
+      </pc:sldChg>
+      <pc:sldChg chg="delSp mod">
+        <pc:chgData name="Ejoel Metz" userId="4ada848ac625ad4f" providerId="LiveId" clId="{2FA20157-E94F-48A0-9B17-A348EC1C688C}" dt="2024-01-31T15:37:00.565" v="13" actId="478"/>
+        <pc:sldMkLst>
+          <pc:docMk/>
+          <pc:sldMk cId="1690311310" sldId="266"/>
+        </pc:sldMkLst>
+        <pc:spChg chg="del">
+          <ac:chgData name="Ejoel Metz" userId="4ada848ac625ad4f" providerId="LiveId" clId="{2FA20157-E94F-48A0-9B17-A348EC1C688C}" dt="2024-01-31T15:37:00.565" v="13" actId="478"/>
+          <ac:spMkLst>
+            <pc:docMk/>
+            <pc:sldMk cId="1690311310" sldId="266"/>
+            <ac:spMk id="6" creationId="{068190F7-FCE5-B803-E48B-B8EA39BFF16C}"/>
+          </ac:spMkLst>
+        </pc:spChg>
+      </pc:sldChg>
+      <pc:sldChg chg="del">
+        <pc:chgData name="Ejoel Metz" userId="4ada848ac625ad4f" providerId="LiveId" clId="{2FA20157-E94F-48A0-9B17-A348EC1C688C}" dt="2024-01-31T15:37:44.162" v="16" actId="2696"/>
+        <pc:sldMkLst>
+          <pc:docMk/>
+          <pc:sldMk cId="448068807" sldId="274"/>
+        </pc:sldMkLst>
+      </pc:sldChg>
+      <pc:sldChg chg="del">
+        <pc:chgData name="Ejoel Metz" userId="4ada848ac625ad4f" providerId="LiveId" clId="{2FA20157-E94F-48A0-9B17-A348EC1C688C}" dt="2024-01-31T15:37:31.144" v="14" actId="2696"/>
+        <pc:sldMkLst>
+          <pc:docMk/>
+          <pc:sldMk cId="1975849648" sldId="275"/>
+        </pc:sldMkLst>
+      </pc:sldChg>
+      <pc:sldChg chg="delSp mod delCm">
+        <pc:chgData name="Ejoel Metz" userId="4ada848ac625ad4f" providerId="LiveId" clId="{2FA20157-E94F-48A0-9B17-A348EC1C688C}" dt="2024-01-31T15:38:09.284" v="20"/>
+        <pc:sldMkLst>
+          <pc:docMk/>
+          <pc:sldMk cId="2518681882" sldId="276"/>
+        </pc:sldMkLst>
+        <pc:spChg chg="del">
+          <ac:chgData name="Ejoel Metz" userId="4ada848ac625ad4f" providerId="LiveId" clId="{2FA20157-E94F-48A0-9B17-A348EC1C688C}" dt="2024-01-31T15:36:56.752" v="12" actId="478"/>
+          <ac:spMkLst>
+            <pc:docMk/>
+            <pc:sldMk cId="2518681882" sldId="276"/>
+            <ac:spMk id="6" creationId="{F53C3E74-BFB8-992F-268C-3BFD7F1E57DB}"/>
+          </ac:spMkLst>
+        </pc:spChg>
+        <pc:extLst>
+          <p:ext xmlns:p="http://schemas.openxmlformats.org/presentationml/2006/main" uri="{D6D511B9-2390-475A-947B-AFAB55BFBCF1}">
+            <pc226:cmChg xmlns:pc226="http://schemas.microsoft.com/office/powerpoint/2022/06/main/command" chg="del">
+              <pc226:chgData name="Ejoel Metz" userId="4ada848ac625ad4f" providerId="LiveId" clId="{2FA20157-E94F-48A0-9B17-A348EC1C688C}" dt="2024-01-31T15:38:09.284" v="20"/>
+              <pc2:cmMkLst xmlns:pc2="http://schemas.microsoft.com/office/powerpoint/2019/9/main/command">
+                <pc:docMk/>
+                <pc:sldMk cId="2518681882" sldId="276"/>
+                <pc2:cmMk id="{34CE1540-DF4D-4A23-B1F0-7E299BCB5F6B}"/>
+              </pc2:cmMkLst>
+            </pc226:cmChg>
+          </p:ext>
+        </pc:extLst>
+      </pc:sldChg>
+      <pc:sldChg chg="delSp mod">
+        <pc:chgData name="Ejoel Metz" userId="4ada848ac625ad4f" providerId="LiveId" clId="{2FA20157-E94F-48A0-9B17-A348EC1C688C}" dt="2024-01-31T15:36:49.313" v="10" actId="478"/>
+        <pc:sldMkLst>
+          <pc:docMk/>
+          <pc:sldMk cId="3882220895" sldId="279"/>
+        </pc:sldMkLst>
+        <pc:spChg chg="del">
+          <ac:chgData name="Ejoel Metz" userId="4ada848ac625ad4f" providerId="LiveId" clId="{2FA20157-E94F-48A0-9B17-A348EC1C688C}" dt="2024-01-31T15:36:49.313" v="10" actId="478"/>
+          <ac:spMkLst>
+            <pc:docMk/>
+            <pc:sldMk cId="3882220895" sldId="279"/>
+            <ac:spMk id="6" creationId="{8519CD55-C570-42BA-408C-0713E663E563}"/>
+          </ac:spMkLst>
+        </pc:spChg>
+      </pc:sldChg>
+      <pc:sldChg chg="del">
+        <pc:chgData name="Ejoel Metz" userId="4ada848ac625ad4f" providerId="LiveId" clId="{2FA20157-E94F-48A0-9B17-A348EC1C688C}" dt="2024-01-31T15:37:38.166" v="15" actId="2696"/>
+        <pc:sldMkLst>
+          <pc:docMk/>
+          <pc:sldMk cId="2878171971" sldId="280"/>
+        </pc:sldMkLst>
+      </pc:sldChg>
+      <pc:sldChg chg="del">
+        <pc:chgData name="Ejoel Metz" userId="4ada848ac625ad4f" providerId="LiveId" clId="{2FA20157-E94F-48A0-9B17-A348EC1C688C}" dt="2024-01-31T15:37:38.166" v="15" actId="2696"/>
+        <pc:sldMkLst>
+          <pc:docMk/>
+          <pc:sldMk cId="572717375" sldId="281"/>
+        </pc:sldMkLst>
+      </pc:sldChg>
+      <pc:sldChg chg="del">
+        <pc:chgData name="Ejoel Metz" userId="4ada848ac625ad4f" providerId="LiveId" clId="{2FA20157-E94F-48A0-9B17-A348EC1C688C}" dt="2024-01-31T15:37:44.162" v="16" actId="2696"/>
+        <pc:sldMkLst>
+          <pc:docMk/>
+          <pc:sldMk cId="4194784703" sldId="283"/>
+        </pc:sldMkLst>
+      </pc:sldChg>
+      <pc:sldChg chg="delSp modSp mod">
+        <pc:chgData name="Ejoel Metz" userId="4ada848ac625ad4f" providerId="LiveId" clId="{2FA20157-E94F-48A0-9B17-A348EC1C688C}" dt="2024-01-31T15:38:42.187" v="28" actId="20577"/>
+        <pc:sldMkLst>
+          <pc:docMk/>
+          <pc:sldMk cId="2579595441" sldId="285"/>
+        </pc:sldMkLst>
+        <pc:spChg chg="mod">
+          <ac:chgData name="Ejoel Metz" userId="4ada848ac625ad4f" providerId="LiveId" clId="{2FA20157-E94F-48A0-9B17-A348EC1C688C}" dt="2024-01-31T15:38:42.187" v="28" actId="20577"/>
+          <ac:spMkLst>
+            <pc:docMk/>
+            <pc:sldMk cId="2579595441" sldId="285"/>
+            <ac:spMk id="5" creationId="{26613AAA-6582-5B4F-E423-F6047C7F99C1}"/>
+          </ac:spMkLst>
+        </pc:spChg>
+        <pc:spChg chg="del">
+          <ac:chgData name="Ejoel Metz" userId="4ada848ac625ad4f" providerId="LiveId" clId="{2FA20157-E94F-48A0-9B17-A348EC1C688C}" dt="2024-01-31T15:36:28.221" v="5" actId="478"/>
+          <ac:spMkLst>
+            <pc:docMk/>
+            <pc:sldMk cId="2579595441" sldId="285"/>
+            <ac:spMk id="6" creationId="{598640D2-D077-DD2E-44FA-391B6CEAEEB5}"/>
+          </ac:spMkLst>
+        </pc:spChg>
+      </pc:sldChg>
+      <pc:sldChg chg="del">
+        <pc:chgData name="Ejoel Metz" userId="4ada848ac625ad4f" providerId="LiveId" clId="{2FA20157-E94F-48A0-9B17-A348EC1C688C}" dt="2024-01-31T15:37:50.637" v="17" actId="2696"/>
+        <pc:sldMkLst>
+          <pc:docMk/>
+          <pc:sldMk cId="1308439251" sldId="286"/>
+        </pc:sldMkLst>
+      </pc:sldChg>
+      <pc:sldChg chg="del">
+        <pc:chgData name="Ejoel Metz" userId="4ada848ac625ad4f" providerId="LiveId" clId="{2FA20157-E94F-48A0-9B17-A348EC1C688C}" dt="2024-01-31T15:37:50.637" v="17" actId="2696"/>
+        <pc:sldMkLst>
+          <pc:docMk/>
+          <pc:sldMk cId="3215288702" sldId="287"/>
+        </pc:sldMkLst>
+      </pc:sldChg>
+      <pc:sldChg chg="del">
+        <pc:chgData name="Ejoel Metz" userId="4ada848ac625ad4f" providerId="LiveId" clId="{2FA20157-E94F-48A0-9B17-A348EC1C688C}" dt="2024-01-31T15:37:50.637" v="17" actId="2696"/>
+        <pc:sldMkLst>
+          <pc:docMk/>
+          <pc:sldMk cId="2093416994" sldId="288"/>
+        </pc:sldMkLst>
+      </pc:sldChg>
+      <pc:sldChg chg="del">
+        <pc:chgData name="Ejoel Metz" userId="4ada848ac625ad4f" providerId="LiveId" clId="{2FA20157-E94F-48A0-9B17-A348EC1C688C}" dt="2024-01-31T15:37:50.637" v="17" actId="2696"/>
+        <pc:sldMkLst>
+          <pc:docMk/>
+          <pc:sldMk cId="800171112" sldId="289"/>
+        </pc:sldMkLst>
+      </pc:sldChg>
+      <pc:sldChg chg="del">
+        <pc:chgData name="Ejoel Metz" userId="4ada848ac625ad4f" providerId="LiveId" clId="{2FA20157-E94F-48A0-9B17-A348EC1C688C}" dt="2024-01-31T15:37:50.637" v="17" actId="2696"/>
+        <pc:sldMkLst>
+          <pc:docMk/>
+          <pc:sldMk cId="2645587466" sldId="290"/>
+        </pc:sldMkLst>
+      </pc:sldChg>
+      <pc:sldChg chg="del">
+        <pc:chgData name="Ejoel Metz" userId="4ada848ac625ad4f" providerId="LiveId" clId="{2FA20157-E94F-48A0-9B17-A348EC1C688C}" dt="2024-01-31T15:37:53.668" v="18" actId="2696"/>
+        <pc:sldMkLst>
+          <pc:docMk/>
+          <pc:sldMk cId="2477646115" sldId="291"/>
+        </pc:sldMkLst>
+      </pc:sldChg>
+      <pc:sldChg chg="del">
+        <pc:chgData name="Ejoel Metz" userId="4ada848ac625ad4f" providerId="LiveId" clId="{2FA20157-E94F-48A0-9B17-A348EC1C688C}" dt="2024-01-31T15:37:44.162" v="16" actId="2696"/>
+        <pc:sldMkLst>
+          <pc:docMk/>
+          <pc:sldMk cId="2900167316" sldId="292"/>
+        </pc:sldMkLst>
+      </pc:sldChg>
+      <pc:sldChg chg="del">
+        <pc:chgData name="Ejoel Metz" userId="4ada848ac625ad4f" providerId="LiveId" clId="{2FA20157-E94F-48A0-9B17-A348EC1C688C}" dt="2024-01-31T15:37:44.162" v="16" actId="2696"/>
+        <pc:sldMkLst>
+          <pc:docMk/>
+          <pc:sldMk cId="709420364" sldId="293"/>
+        </pc:sldMkLst>
+      </pc:sldChg>
+      <pc:sldChg chg="del">
+        <pc:chgData name="Ejoel Metz" userId="4ada848ac625ad4f" providerId="LiveId" clId="{2FA20157-E94F-48A0-9B17-A348EC1C688C}" dt="2024-01-31T15:37:44.162" v="16" actId="2696"/>
+        <pc:sldMkLst>
+          <pc:docMk/>
+          <pc:sldMk cId="3200367933" sldId="294"/>
+        </pc:sldMkLst>
+      </pc:sldChg>
+      <pc:sldChg chg="del">
+        <pc:chgData name="Ejoel Metz" userId="4ada848ac625ad4f" providerId="LiveId" clId="{2FA20157-E94F-48A0-9B17-A348EC1C688C}" dt="2024-01-31T15:37:44.162" v="16" actId="2696"/>
+        <pc:sldMkLst>
+          <pc:docMk/>
+          <pc:sldMk cId="2165229615" sldId="295"/>
+        </pc:sldMkLst>
+      </pc:sldChg>
+      <pc:sldChg chg="del">
+        <pc:chgData name="Ejoel Metz" userId="4ada848ac625ad4f" providerId="LiveId" clId="{2FA20157-E94F-48A0-9B17-A348EC1C688C}" dt="2024-01-31T15:37:38.166" v="15" actId="2696"/>
+        <pc:sldMkLst>
+          <pc:docMk/>
+          <pc:sldMk cId="1079043620" sldId="296"/>
+        </pc:sldMkLst>
+      </pc:sldChg>
+      <pc:sldChg chg="del">
+        <pc:chgData name="Ejoel Metz" userId="4ada848ac625ad4f" providerId="LiveId" clId="{2FA20157-E94F-48A0-9B17-A348EC1C688C}" dt="2024-01-31T15:37:38.166" v="15" actId="2696"/>
+        <pc:sldMkLst>
+          <pc:docMk/>
+          <pc:sldMk cId="3106446470" sldId="297"/>
+        </pc:sldMkLst>
+      </pc:sldChg>
+      <pc:sldChg chg="del">
+        <pc:chgData name="Ejoel Metz" userId="4ada848ac625ad4f" providerId="LiveId" clId="{2FA20157-E94F-48A0-9B17-A348EC1C688C}" dt="2024-01-31T15:37:44.162" v="16" actId="2696"/>
+        <pc:sldMkLst>
+          <pc:docMk/>
+          <pc:sldMk cId="4270388761" sldId="298"/>
+        </pc:sldMkLst>
+      </pc:sldChg>
+      <pc:sldChg chg="del">
+        <pc:chgData name="Ejoel Metz" userId="4ada848ac625ad4f" providerId="LiveId" clId="{2FA20157-E94F-48A0-9B17-A348EC1C688C}" dt="2024-01-31T15:37:38.166" v="15" actId="2696"/>
+        <pc:sldMkLst>
+          <pc:docMk/>
+          <pc:sldMk cId="2391416282" sldId="299"/>
+        </pc:sldMkLst>
+      </pc:sldChg>
+      <pc:sldChg chg="del">
+        <pc:chgData name="Ejoel Metz" userId="4ada848ac625ad4f" providerId="LiveId" clId="{2FA20157-E94F-48A0-9B17-A348EC1C688C}" dt="2024-01-31T15:37:38.166" v="15" actId="2696"/>
+        <pc:sldMkLst>
+          <pc:docMk/>
+          <pc:sldMk cId="593199557" sldId="300"/>
+        </pc:sldMkLst>
+      </pc:sldChg>
+      <pc:sldChg chg="delSp mod delCm modCm">
+        <pc:chgData name="Ejoel Metz" userId="4ada848ac625ad4f" providerId="LiveId" clId="{2FA20157-E94F-48A0-9B17-A348EC1C688C}" dt="2024-01-31T15:38:18.136" v="23"/>
+        <pc:sldMkLst>
+          <pc:docMk/>
+          <pc:sldMk cId="1153620366" sldId="301"/>
+        </pc:sldMkLst>
+        <pc:spChg chg="del">
+          <ac:chgData name="Ejoel Metz" userId="4ada848ac625ad4f" providerId="LiveId" clId="{2FA20157-E94F-48A0-9B17-A348EC1C688C}" dt="2024-01-31T15:36:53.287" v="11" actId="478"/>
+          <ac:spMkLst>
+            <pc:docMk/>
+            <pc:sldMk cId="1153620366" sldId="301"/>
+            <ac:spMk id="3" creationId="{6857A72C-D5A9-4298-1E45-003349318A8C}"/>
+          </ac:spMkLst>
+        </pc:spChg>
+        <pc:extLst>
+          <p:ext xmlns:p="http://schemas.openxmlformats.org/presentationml/2006/main" uri="{D6D511B9-2390-475A-947B-AFAB55BFBCF1}">
+            <pc226:cmChg xmlns:pc226="http://schemas.microsoft.com/office/powerpoint/2022/06/main/command" chg="del">
+              <pc226:chgData name="Ejoel Metz" userId="4ada848ac625ad4f" providerId="LiveId" clId="{2FA20157-E94F-48A0-9B17-A348EC1C688C}" dt="2024-01-31T15:38:18.136" v="23"/>
+              <pc2:cmMkLst xmlns:pc2="http://schemas.microsoft.com/office/powerpoint/2019/9/main/command">
+                <pc:docMk/>
+                <pc:sldMk cId="1153620366" sldId="301"/>
+                <pc2:cmMk id="{0725BC69-2774-494A-8251-0873F063EBE7}"/>
+              </pc2:cmMkLst>
+            </pc226:cmChg>
+            <pc226:cmChg xmlns:pc226="http://schemas.microsoft.com/office/powerpoint/2022/06/main/command" chg="del mod">
+              <pc226:chgData name="Ejoel Metz" userId="4ada848ac625ad4f" providerId="LiveId" clId="{2FA20157-E94F-48A0-9B17-A348EC1C688C}" dt="2024-01-31T15:38:16.203" v="22"/>
+              <pc2:cmMkLst xmlns:pc2="http://schemas.microsoft.com/office/powerpoint/2019/9/main/command">
+                <pc:docMk/>
+                <pc:sldMk cId="1153620366" sldId="301"/>
+                <pc2:cmMk id="{F01FEFE6-C5FE-449A-9236-9F710BF0EE57}"/>
+              </pc2:cmMkLst>
+            </pc226:cmChg>
+          </p:ext>
+        </pc:extLst>
+      </pc:sldChg>
+      <pc:sldChg chg="del">
+        <pc:chgData name="Ejoel Metz" userId="4ada848ac625ad4f" providerId="LiveId" clId="{2FA20157-E94F-48A0-9B17-A348EC1C688C}" dt="2024-01-31T15:37:38.166" v="15" actId="2696"/>
+        <pc:sldMkLst>
+          <pc:docMk/>
+          <pc:sldMk cId="3778260291" sldId="302"/>
+        </pc:sldMkLst>
+      </pc:sldChg>
+      <pc:sldChg chg="del">
+        <pc:chgData name="Ejoel Metz" userId="4ada848ac625ad4f" providerId="LiveId" clId="{2FA20157-E94F-48A0-9B17-A348EC1C688C}" dt="2024-01-31T15:37:38.166" v="15" actId="2696"/>
+        <pc:sldMkLst>
+          <pc:docMk/>
+          <pc:sldMk cId="2922833108" sldId="303"/>
+        </pc:sldMkLst>
+      </pc:sldChg>
+      <pc:sldChg chg="del">
+        <pc:chgData name="Ejoel Metz" userId="4ada848ac625ad4f" providerId="LiveId" clId="{2FA20157-E94F-48A0-9B17-A348EC1C688C}" dt="2024-01-31T15:37:31.144" v="14" actId="2696"/>
+        <pc:sldMkLst>
+          <pc:docMk/>
+          <pc:sldMk cId="3891013853" sldId="304"/>
+        </pc:sldMkLst>
+      </pc:sldChg>
+      <pc:sldChg chg="del">
+        <pc:chgData name="Ejoel Metz" userId="4ada848ac625ad4f" providerId="LiveId" clId="{2FA20157-E94F-48A0-9B17-A348EC1C688C}" dt="2024-01-31T15:37:31.144" v="14" actId="2696"/>
+        <pc:sldMkLst>
+          <pc:docMk/>
+          <pc:sldMk cId="3565572942" sldId="305"/>
+        </pc:sldMkLst>
+      </pc:sldChg>
+      <pc:sldChg chg="del">
+        <pc:chgData name="Ejoel Metz" userId="4ada848ac625ad4f" providerId="LiveId" clId="{2FA20157-E94F-48A0-9B17-A348EC1C688C}" dt="2024-01-31T15:37:31.144" v="14" actId="2696"/>
+        <pc:sldMkLst>
+          <pc:docMk/>
+          <pc:sldMk cId="3887204146" sldId="306"/>
+        </pc:sldMkLst>
+      </pc:sldChg>
+      <pc:sldChg chg="del">
+        <pc:chgData name="Ejoel Metz" userId="4ada848ac625ad4f" providerId="LiveId" clId="{2FA20157-E94F-48A0-9B17-A348EC1C688C}" dt="2024-01-31T15:37:31.144" v="14" actId="2696"/>
+        <pc:sldMkLst>
+          <pc:docMk/>
+          <pc:sldMk cId="1687668371" sldId="308"/>
+        </pc:sldMkLst>
+      </pc:sldChg>
+      <pc:sldChg chg="del">
+        <pc:chgData name="Ejoel Metz" userId="4ada848ac625ad4f" providerId="LiveId" clId="{2FA20157-E94F-48A0-9B17-A348EC1C688C}" dt="2024-01-31T15:37:31.144" v="14" actId="2696"/>
+        <pc:sldMkLst>
+          <pc:docMk/>
+          <pc:sldMk cId="2181116833" sldId="309"/>
+        </pc:sldMkLst>
+      </pc:sldChg>
+      <pc:sldChg chg="del">
+        <pc:chgData name="Ejoel Metz" userId="4ada848ac625ad4f" providerId="LiveId" clId="{2FA20157-E94F-48A0-9B17-A348EC1C688C}" dt="2024-01-31T15:37:31.144" v="14" actId="2696"/>
+        <pc:sldMkLst>
+          <pc:docMk/>
+          <pc:sldMk cId="978952510" sldId="310"/>
+        </pc:sldMkLst>
+      </pc:sldChg>
+      <pc:sldChg chg="del">
+        <pc:chgData name="Ejoel Metz" userId="4ada848ac625ad4f" providerId="LiveId" clId="{2FA20157-E94F-48A0-9B17-A348EC1C688C}" dt="2024-01-31T15:37:31.144" v="14" actId="2696"/>
+        <pc:sldMkLst>
+          <pc:docMk/>
+          <pc:sldMk cId="4117523037" sldId="311"/>
+        </pc:sldMkLst>
+      </pc:sldChg>
+      <pc:sldChg chg="delSp mod">
+        <pc:chgData name="Ejoel Metz" userId="4ada848ac625ad4f" providerId="LiveId" clId="{2FA20157-E94F-48A0-9B17-A348EC1C688C}" dt="2024-01-31T15:36:33.210" v="6" actId="478"/>
+        <pc:sldMkLst>
+          <pc:docMk/>
+          <pc:sldMk cId="1121658624" sldId="312"/>
+        </pc:sldMkLst>
+        <pc:spChg chg="del">
+          <ac:chgData name="Ejoel Metz" userId="4ada848ac625ad4f" providerId="LiveId" clId="{2FA20157-E94F-48A0-9B17-A348EC1C688C}" dt="2024-01-31T15:36:33.210" v="6" actId="478"/>
+          <ac:spMkLst>
+            <pc:docMk/>
+            <pc:sldMk cId="1121658624" sldId="312"/>
+            <ac:spMk id="4" creationId="{BB46838B-2FF2-1154-D817-8F6746375AD5}"/>
+          </ac:spMkLst>
+        </pc:spChg>
+      </pc:sldChg>
+      <pc:sldChg chg="delSp mod">
+        <pc:chgData name="Ejoel Metz" userId="4ada848ac625ad4f" providerId="LiveId" clId="{2FA20157-E94F-48A0-9B17-A348EC1C688C}" dt="2024-01-31T15:36:36.182" v="7" actId="478"/>
+        <pc:sldMkLst>
+          <pc:docMk/>
+          <pc:sldMk cId="1964343491" sldId="313"/>
+        </pc:sldMkLst>
+        <pc:spChg chg="del">
+          <ac:chgData name="Ejoel Metz" userId="4ada848ac625ad4f" providerId="LiveId" clId="{2FA20157-E94F-48A0-9B17-A348EC1C688C}" dt="2024-01-31T15:36:36.182" v="7" actId="478"/>
+          <ac:spMkLst>
+            <pc:docMk/>
+            <pc:sldMk cId="1964343491" sldId="313"/>
+            <ac:spMk id="2" creationId="{344BBCFB-BFB6-F325-8267-D6E91E616F5E}"/>
+          </ac:spMkLst>
+        </pc:spChg>
+      </pc:sldChg>
+      <pc:sldChg chg="delSp mod">
+        <pc:chgData name="Ejoel Metz" userId="4ada848ac625ad4f" providerId="LiveId" clId="{2FA20157-E94F-48A0-9B17-A348EC1C688C}" dt="2024-01-31T15:36:39.055" v="8" actId="478"/>
+        <pc:sldMkLst>
+          <pc:docMk/>
+          <pc:sldMk cId="513038929" sldId="314"/>
+        </pc:sldMkLst>
+        <pc:spChg chg="del">
+          <ac:chgData name="Ejoel Metz" userId="4ada848ac625ad4f" providerId="LiveId" clId="{2FA20157-E94F-48A0-9B17-A348EC1C688C}" dt="2024-01-31T15:36:39.055" v="8" actId="478"/>
+          <ac:spMkLst>
+            <pc:docMk/>
+            <pc:sldMk cId="513038929" sldId="314"/>
+            <ac:spMk id="3" creationId="{FC32146B-0728-7283-9B2B-41FE83614356}"/>
+          </ac:spMkLst>
+        </pc:spChg>
+      </pc:sldChg>
+      <pc:sldChg chg="del">
+        <pc:chgData name="Ejoel Metz" userId="4ada848ac625ad4f" providerId="LiveId" clId="{2FA20157-E94F-48A0-9B17-A348EC1C688C}" dt="2024-01-31T15:37:31.144" v="14" actId="2696"/>
+        <pc:sldMkLst>
+          <pc:docMk/>
+          <pc:sldMk cId="1758365103" sldId="315"/>
+        </pc:sldMkLst>
+      </pc:sldChg>
+      <pc:sldChg chg="delSp mod">
+        <pc:chgData name="Ejoel Metz" userId="4ada848ac625ad4f" providerId="LiveId" clId="{2FA20157-E94F-48A0-9B17-A348EC1C688C}" dt="2024-01-31T15:36:44.687" v="9" actId="478"/>
+        <pc:sldMkLst>
+          <pc:docMk/>
+          <pc:sldMk cId="1242795397" sldId="316"/>
+        </pc:sldMkLst>
+        <pc:spChg chg="del">
+          <ac:chgData name="Ejoel Metz" userId="4ada848ac625ad4f" providerId="LiveId" clId="{2FA20157-E94F-48A0-9B17-A348EC1C688C}" dt="2024-01-31T15:36:44.687" v="9" actId="478"/>
+          <ac:spMkLst>
+            <pc:docMk/>
+            <pc:sldMk cId="1242795397" sldId="316"/>
+            <ac:spMk id="5" creationId="{057FB622-917F-A7D7-9536-08A39BF8CAA1}"/>
+          </ac:spMkLst>
+        </pc:spChg>
+      </pc:sldChg>
+      <pc:sldChg chg="addSp delSp modSp new mod">
+        <pc:chgData name="Ejoel Metz" userId="4ada848ac625ad4f" providerId="LiveId" clId="{2FA20157-E94F-48A0-9B17-A348EC1C688C}" dt="2024-01-31T17:08:08.762" v="207" actId="20577"/>
+        <pc:sldMkLst>
+          <pc:docMk/>
+          <pc:sldMk cId="3327221666" sldId="317"/>
+        </pc:sldMkLst>
+        <pc:spChg chg="mod">
+          <ac:chgData name="Ejoel Metz" userId="4ada848ac625ad4f" providerId="LiveId" clId="{2FA20157-E94F-48A0-9B17-A348EC1C688C}" dt="2024-01-31T17:08:08.762" v="207" actId="20577"/>
+          <ac:spMkLst>
+            <pc:docMk/>
+            <pc:sldMk cId="3327221666" sldId="317"/>
+            <ac:spMk id="2" creationId="{DA250A9C-777F-DFB7-91DB-8859FDCBD9BE}"/>
+          </ac:spMkLst>
+        </pc:spChg>
+        <pc:spChg chg="add del mod">
+          <ac:chgData name="Ejoel Metz" userId="4ada848ac625ad4f" providerId="LiveId" clId="{2FA20157-E94F-48A0-9B17-A348EC1C688C}" dt="2024-01-31T17:07:59.704" v="205" actId="27636"/>
+          <ac:spMkLst>
+            <pc:docMk/>
+            <pc:sldMk cId="3327221666" sldId="317"/>
+            <ac:spMk id="3" creationId="{F2D5CB4E-44BB-BD99-ECA4-82D990078949}"/>
+          </ac:spMkLst>
+        </pc:spChg>
+      </pc:sldChg>
+    </pc:docChg>
+  </pc:docChgLst>
+  <pc:docChgLst>
     <pc:chgData name="来宾用户" providerId="Windows Live" clId="Web-{D91DF323-D4FF-4330-9EDA-5E0518C63201}"/>
     <pc:docChg chg="addSld modSld modSection">
       <pc:chgData name="来宾用户" userId="" providerId="Windows Live" clId="Web-{D91DF323-D4FF-4330-9EDA-5E0518C63201}" dt="2024-01-31T11:02:59.517" v="28" actId="1076"/>
@@ -308,6 +1634,541 @@
     </pc:docChg>
   </pc:docChgLst>
   <pc:docChgLst>
+    <pc:chgData name="Gastbenutzer" providerId="Windows Live" clId="Web-{A72A59E3-C61A-4367-82C4-5F4421D262F4}"/>
+    <pc:docChg chg="modSld">
+      <pc:chgData name="Gastbenutzer" userId="" providerId="Windows Live" clId="Web-{A72A59E3-C61A-4367-82C4-5F4421D262F4}" dt="2024-01-29T21:54:42.276" v="1024" actId="1076"/>
+      <pc:docMkLst>
+        <pc:docMk/>
+      </pc:docMkLst>
+      <pc:sldChg chg="addSp delSp modSp mod setBg">
+        <pc:chgData name="Gastbenutzer" userId="" providerId="Windows Live" clId="Web-{A72A59E3-C61A-4367-82C4-5F4421D262F4}" dt="2024-01-29T19:11:29.109" v="947" actId="14100"/>
+        <pc:sldMkLst>
+          <pc:docMk/>
+          <pc:sldMk cId="3523129124" sldId="261"/>
+        </pc:sldMkLst>
+        <pc:spChg chg="mod">
+          <ac:chgData name="Gastbenutzer" userId="" providerId="Windows Live" clId="Web-{A72A59E3-C61A-4367-82C4-5F4421D262F4}" dt="2024-01-29T18:12:18.760" v="96"/>
+          <ac:spMkLst>
+            <pc:docMk/>
+            <pc:sldMk cId="3523129124" sldId="261"/>
+            <ac:spMk id="2" creationId="{8F4B0FED-1089-ED88-4BC9-FDE6359A4B84}"/>
+          </ac:spMkLst>
+        </pc:spChg>
+        <pc:spChg chg="mod">
+          <ac:chgData name="Gastbenutzer" userId="" providerId="Windows Live" clId="Web-{A72A59E3-C61A-4367-82C4-5F4421D262F4}" dt="2024-01-29T18:48:16.843" v="890" actId="20577"/>
+          <ac:spMkLst>
+            <pc:docMk/>
+            <pc:sldMk cId="3523129124" sldId="261"/>
+            <ac:spMk id="3" creationId="{DFB105B0-CC7A-98B2-5CEB-7F9B42ACD543}"/>
+          </ac:spMkLst>
+        </pc:spChg>
+        <pc:spChg chg="add del">
+          <ac:chgData name="Gastbenutzer" userId="" providerId="Windows Live" clId="Web-{A72A59E3-C61A-4367-82C4-5F4421D262F4}" dt="2024-01-29T18:12:18.760" v="96"/>
+          <ac:spMkLst>
+            <pc:docMk/>
+            <pc:sldMk cId="3523129124" sldId="261"/>
+            <ac:spMk id="11" creationId="{84DF55BE-B4AB-4BA1-BDE1-E9F7FB3F110A}"/>
+          </ac:spMkLst>
+        </pc:spChg>
+        <pc:graphicFrameChg chg="mod ord modGraphic">
+          <ac:chgData name="Gastbenutzer" userId="" providerId="Windows Live" clId="Web-{A72A59E3-C61A-4367-82C4-5F4421D262F4}" dt="2024-01-29T18:12:18.760" v="96"/>
+          <ac:graphicFrameMkLst>
+            <pc:docMk/>
+            <pc:sldMk cId="3523129124" sldId="261"/>
+            <ac:graphicFrameMk id="4" creationId="{6927C7E2-DE96-4065-C995-68146C5D86E7}"/>
+          </ac:graphicFrameMkLst>
+        </pc:graphicFrameChg>
+        <pc:picChg chg="add del mod">
+          <ac:chgData name="Gastbenutzer" userId="" providerId="Windows Live" clId="Web-{A72A59E3-C61A-4367-82C4-5F4421D262F4}" dt="2024-01-29T18:11:09.179" v="90"/>
+          <ac:picMkLst>
+            <pc:docMk/>
+            <pc:sldMk cId="3523129124" sldId="261"/>
+            <ac:picMk id="5" creationId="{081CA860-41CB-CC69-7ACF-14F8CFA82701}"/>
+          </ac:picMkLst>
+        </pc:picChg>
+        <pc:picChg chg="add mod">
+          <ac:chgData name="Gastbenutzer" userId="" providerId="Windows Live" clId="Web-{A72A59E3-C61A-4367-82C4-5F4421D262F4}" dt="2024-01-29T18:12:18.760" v="96"/>
+          <ac:picMkLst>
+            <pc:docMk/>
+            <pc:sldMk cId="3523129124" sldId="261"/>
+            <ac:picMk id="6" creationId="{9F4BD5DC-7EA6-9BA2-4927-F4F4CA8445AF}"/>
+          </ac:picMkLst>
+        </pc:picChg>
+        <pc:picChg chg="add mod">
+          <ac:chgData name="Gastbenutzer" userId="" providerId="Windows Live" clId="Web-{A72A59E3-C61A-4367-82C4-5F4421D262F4}" dt="2024-01-29T18:50:39.052" v="899" actId="1076"/>
+          <ac:picMkLst>
+            <pc:docMk/>
+            <pc:sldMk cId="3523129124" sldId="261"/>
+            <ac:picMk id="7" creationId="{AFD9CC8C-99A5-8213-6471-01FC1869599E}"/>
+          </ac:picMkLst>
+        </pc:picChg>
+        <pc:picChg chg="add mod">
+          <ac:chgData name="Gastbenutzer" userId="" providerId="Windows Live" clId="Web-{A72A59E3-C61A-4367-82C4-5F4421D262F4}" dt="2024-01-29T19:11:29.109" v="947" actId="14100"/>
+          <ac:picMkLst>
+            <pc:docMk/>
+            <pc:sldMk cId="3523129124" sldId="261"/>
+            <ac:picMk id="8" creationId="{085861C0-6642-C42D-C197-C9C5B4878C5B}"/>
+          </ac:picMkLst>
+        </pc:picChg>
+      </pc:sldChg>
+      <pc:sldChg chg="modSp">
+        <pc:chgData name="Gastbenutzer" userId="" providerId="Windows Live" clId="Web-{A72A59E3-C61A-4367-82C4-5F4421D262F4}" dt="2024-01-29T20:49:59.207" v="1020" actId="20577"/>
+        <pc:sldMkLst>
+          <pc:docMk/>
+          <pc:sldMk cId="1274738910" sldId="264"/>
+        </pc:sldMkLst>
+        <pc:spChg chg="mod">
+          <ac:chgData name="Gastbenutzer" userId="" providerId="Windows Live" clId="Web-{A72A59E3-C61A-4367-82C4-5F4421D262F4}" dt="2024-01-29T20:49:59.207" v="1020" actId="20577"/>
+          <ac:spMkLst>
+            <pc:docMk/>
+            <pc:sldMk cId="1274738910" sldId="264"/>
+            <ac:spMk id="3" creationId="{9E26FB3A-B6B0-94F5-E87B-CD2CB4E0F597}"/>
+          </ac:spMkLst>
+        </pc:spChg>
+      </pc:sldChg>
+      <pc:sldChg chg="addSp modSp">
+        <pc:chgData name="Gastbenutzer" userId="" providerId="Windows Live" clId="Web-{A72A59E3-C61A-4367-82C4-5F4421D262F4}" dt="2024-01-29T20:44:10.761" v="997" actId="20577"/>
+        <pc:sldMkLst>
+          <pc:docMk/>
+          <pc:sldMk cId="448068807" sldId="274"/>
+        </pc:sldMkLst>
+        <pc:spChg chg="mod">
+          <ac:chgData name="Gastbenutzer" userId="" providerId="Windows Live" clId="Web-{A72A59E3-C61A-4367-82C4-5F4421D262F4}" dt="2024-01-29T18:12:57.293" v="98" actId="20577"/>
+          <ac:spMkLst>
+            <pc:docMk/>
+            <pc:sldMk cId="448068807" sldId="274"/>
+            <ac:spMk id="2" creationId="{7A8DA27D-7109-7FEE-A237-33EAFBEC89ED}"/>
+          </ac:spMkLst>
+        </pc:spChg>
+        <pc:spChg chg="mod">
+          <ac:chgData name="Gastbenutzer" userId="" providerId="Windows Live" clId="Web-{A72A59E3-C61A-4367-82C4-5F4421D262F4}" dt="2024-01-29T20:44:10.761" v="997" actId="20577"/>
+          <ac:spMkLst>
+            <pc:docMk/>
+            <pc:sldMk cId="448068807" sldId="274"/>
+            <ac:spMk id="3" creationId="{B112DF82-0372-607D-6D93-3479A6563A5C}"/>
+          </ac:spMkLst>
+        </pc:spChg>
+        <pc:graphicFrameChg chg="add mod modGraphic">
+          <ac:chgData name="Gastbenutzer" userId="" providerId="Windows Live" clId="Web-{A72A59E3-C61A-4367-82C4-5F4421D262F4}" dt="2024-01-29T20:43:47.713" v="994"/>
+          <ac:graphicFrameMkLst>
+            <pc:docMk/>
+            <pc:sldMk cId="448068807" sldId="274"/>
+            <ac:graphicFrameMk id="5" creationId="{875BF3BA-846B-0FE1-BCA8-8BABAF6EB44F}"/>
+          </ac:graphicFrameMkLst>
+        </pc:graphicFrameChg>
+        <pc:picChg chg="add mod">
+          <ac:chgData name="Gastbenutzer" userId="" providerId="Windows Live" clId="Web-{A72A59E3-C61A-4367-82C4-5F4421D262F4}" dt="2024-01-29T18:48:51.078" v="896" actId="1076"/>
+          <ac:picMkLst>
+            <pc:docMk/>
+            <pc:sldMk cId="448068807" sldId="274"/>
+            <ac:picMk id="6" creationId="{9D258C9D-DD61-F3F1-6013-E5E8A24139B3}"/>
+          </ac:picMkLst>
+        </pc:picChg>
+        <pc:picChg chg="add mod">
+          <ac:chgData name="Gastbenutzer" userId="" providerId="Windows Live" clId="Web-{A72A59E3-C61A-4367-82C4-5F4421D262F4}" dt="2024-01-29T18:48:49.344" v="895" actId="1076"/>
+          <ac:picMkLst>
+            <pc:docMk/>
+            <pc:sldMk cId="448068807" sldId="274"/>
+            <ac:picMk id="7" creationId="{FD2D6A0E-3A44-19AD-C99A-D1D977EA281D}"/>
+          </ac:picMkLst>
+        </pc:picChg>
+        <pc:picChg chg="add mod">
+          <ac:chgData name="Gastbenutzer" userId="" providerId="Windows Live" clId="Web-{A72A59E3-C61A-4367-82C4-5F4421D262F4}" dt="2024-01-29T19:14:18.007" v="954" actId="1076"/>
+          <ac:picMkLst>
+            <pc:docMk/>
+            <pc:sldMk cId="448068807" sldId="274"/>
+            <ac:picMk id="8" creationId="{14E72038-E4C3-3A0F-7A43-08B0C3D93F23}"/>
+          </ac:picMkLst>
+        </pc:picChg>
+      </pc:sldChg>
+      <pc:sldChg chg="addSp modSp">
+        <pc:chgData name="Gastbenutzer" userId="" providerId="Windows Live" clId="Web-{A72A59E3-C61A-4367-82C4-5F4421D262F4}" dt="2024-01-29T19:01:44.348" v="942" actId="1076"/>
+        <pc:sldMkLst>
+          <pc:docMk/>
+          <pc:sldMk cId="163745005" sldId="282"/>
+        </pc:sldMkLst>
+        <pc:spChg chg="mod">
+          <ac:chgData name="Gastbenutzer" userId="" providerId="Windows Live" clId="Web-{A72A59E3-C61A-4367-82C4-5F4421D262F4}" dt="2024-01-29T18:14:42.985" v="109" actId="20577"/>
+          <ac:spMkLst>
+            <pc:docMk/>
+            <pc:sldMk cId="163745005" sldId="282"/>
+            <ac:spMk id="2" creationId="{EFC7155D-73D2-D1E0-49C6-327809F9EBEA}"/>
+          </ac:spMkLst>
+        </pc:spChg>
+        <pc:spChg chg="mod">
+          <ac:chgData name="Gastbenutzer" userId="" providerId="Windows Live" clId="Web-{A72A59E3-C61A-4367-82C4-5F4421D262F4}" dt="2024-01-29T18:44:10.691" v="688" actId="14100"/>
+          <ac:spMkLst>
+            <pc:docMk/>
+            <pc:sldMk cId="163745005" sldId="282"/>
+            <ac:spMk id="3" creationId="{E9FCA4B2-9998-9DBE-004B-CDCF6F273C3D}"/>
+          </ac:spMkLst>
+        </pc:spChg>
+        <pc:graphicFrameChg chg="add mod modGraphic">
+          <ac:chgData name="Gastbenutzer" userId="" providerId="Windows Live" clId="Web-{A72A59E3-C61A-4367-82C4-5F4421D262F4}" dt="2024-01-29T18:59:28.154" v="937"/>
+          <ac:graphicFrameMkLst>
+            <pc:docMk/>
+            <pc:sldMk cId="163745005" sldId="282"/>
+            <ac:graphicFrameMk id="5" creationId="{9F0935ED-27AE-6623-E5F9-E320C8A68577}"/>
+          </ac:graphicFrameMkLst>
+        </pc:graphicFrameChg>
+        <pc:picChg chg="add mod">
+          <ac:chgData name="Gastbenutzer" userId="" providerId="Windows Live" clId="Web-{A72A59E3-C61A-4367-82C4-5F4421D262F4}" dt="2024-01-29T19:01:44.348" v="942" actId="1076"/>
+          <ac:picMkLst>
+            <pc:docMk/>
+            <pc:sldMk cId="163745005" sldId="282"/>
+            <ac:picMk id="6" creationId="{1EEE7D98-6A95-89CD-D7F3-E29E02F521A1}"/>
+          </ac:picMkLst>
+        </pc:picChg>
+      </pc:sldChg>
+      <pc:sldChg chg="addSp delSp modSp">
+        <pc:chgData name="Gastbenutzer" userId="" providerId="Windows Live" clId="Web-{A72A59E3-C61A-4367-82C4-5F4421D262F4}" dt="2024-01-29T21:54:42.276" v="1024" actId="1076"/>
+        <pc:sldMkLst>
+          <pc:docMk/>
+          <pc:sldMk cId="3215288702" sldId="287"/>
+        </pc:sldMkLst>
+        <pc:spChg chg="del">
+          <ac:chgData name="Gastbenutzer" userId="" providerId="Windows Live" clId="Web-{A72A59E3-C61A-4367-82C4-5F4421D262F4}" dt="2024-01-29T21:53:24.945" v="1021"/>
+          <ac:spMkLst>
+            <pc:docMk/>
+            <pc:sldMk cId="3215288702" sldId="287"/>
+            <ac:spMk id="3" creationId="{6ADC3A88-49E9-F008-8088-020FEB025B03}"/>
+          </ac:spMkLst>
+        </pc:spChg>
+        <pc:spChg chg="del">
+          <ac:chgData name="Gastbenutzer" userId="" providerId="Windows Live" clId="Web-{A72A59E3-C61A-4367-82C4-5F4421D262F4}" dt="2024-01-29T21:53:34.945" v="1023"/>
+          <ac:spMkLst>
+            <pc:docMk/>
+            <pc:sldMk cId="3215288702" sldId="287"/>
+            <ac:spMk id="4" creationId="{5018D367-C16F-01A4-AA8C-3339EEAE6350}"/>
+          </ac:spMkLst>
+        </pc:spChg>
+        <pc:picChg chg="add mod ord">
+          <ac:chgData name="Gastbenutzer" userId="" providerId="Windows Live" clId="Web-{A72A59E3-C61A-4367-82C4-5F4421D262F4}" dt="2024-01-29T21:54:42.276" v="1024" actId="1076"/>
+          <ac:picMkLst>
+            <pc:docMk/>
+            <pc:sldMk cId="3215288702" sldId="287"/>
+            <ac:picMk id="5" creationId="{DC04271E-A58A-FD65-613E-3628868E663E}"/>
+          </ac:picMkLst>
+        </pc:picChg>
+      </pc:sldChg>
+    </pc:docChg>
+  </pc:docChgLst>
+  <pc:docChgLst>
+    <pc:chgData name="Ejoel Metz" userId="4ada848ac625ad4f" providerId="LiveId" clId="{04F02BFB-8540-4D3F-A42E-FA0FEBD70A18}"/>
+    <pc:docChg chg="undo custSel addSld delSld modSld sldOrd modSection">
+      <pc:chgData name="Ejoel Metz" userId="4ada848ac625ad4f" providerId="LiveId" clId="{04F02BFB-8540-4D3F-A42E-FA0FEBD70A18}" dt="2024-01-28T13:57:18.809" v="227"/>
+      <pc:docMkLst>
+        <pc:docMk/>
+      </pc:docMkLst>
+      <pc:sldChg chg="modSp mod">
+        <pc:chgData name="Ejoel Metz" userId="4ada848ac625ad4f" providerId="LiveId" clId="{04F02BFB-8540-4D3F-A42E-FA0FEBD70A18}" dt="2024-01-28T12:44:58.988" v="61" actId="20577"/>
+        <pc:sldMkLst>
+          <pc:docMk/>
+          <pc:sldMk cId="328641436" sldId="256"/>
+        </pc:sldMkLst>
+        <pc:spChg chg="mod">
+          <ac:chgData name="Ejoel Metz" userId="4ada848ac625ad4f" providerId="LiveId" clId="{04F02BFB-8540-4D3F-A42E-FA0FEBD70A18}" dt="2024-01-28T12:44:58.988" v="61" actId="20577"/>
+          <ac:spMkLst>
+            <pc:docMk/>
+            <pc:sldMk cId="328641436" sldId="256"/>
+            <ac:spMk id="2" creationId="{63335B81-EBFB-1DCD-33B2-BA5263D53808}"/>
+          </ac:spMkLst>
+        </pc:spChg>
+      </pc:sldChg>
+      <pc:sldChg chg="modSp mod">
+        <pc:chgData name="Ejoel Metz" userId="4ada848ac625ad4f" providerId="LiveId" clId="{04F02BFB-8540-4D3F-A42E-FA0FEBD70A18}" dt="2024-01-28T12:45:08.413" v="78" actId="20577"/>
+        <pc:sldMkLst>
+          <pc:docMk/>
+          <pc:sldMk cId="177289374" sldId="257"/>
+        </pc:sldMkLst>
+        <pc:spChg chg="mod">
+          <ac:chgData name="Ejoel Metz" userId="4ada848ac625ad4f" providerId="LiveId" clId="{04F02BFB-8540-4D3F-A42E-FA0FEBD70A18}" dt="2024-01-28T12:45:08.413" v="78" actId="20577"/>
+          <ac:spMkLst>
+            <pc:docMk/>
+            <pc:sldMk cId="177289374" sldId="257"/>
+            <ac:spMk id="2" creationId="{33F69D05-D097-EB48-E66A-0C4CE5014032}"/>
+          </ac:spMkLst>
+        </pc:spChg>
+        <pc:spChg chg="mod">
+          <ac:chgData name="Ejoel Metz" userId="4ada848ac625ad4f" providerId="LiveId" clId="{04F02BFB-8540-4D3F-A42E-FA0FEBD70A18}" dt="2024-01-28T12:41:30.930" v="3" actId="27636"/>
+          <ac:spMkLst>
+            <pc:docMk/>
+            <pc:sldMk cId="177289374" sldId="257"/>
+            <ac:spMk id="3" creationId="{35A4F722-6D0E-48E5-8344-3B59B40E1861}"/>
+          </ac:spMkLst>
+        </pc:spChg>
+      </pc:sldChg>
+      <pc:sldChg chg="addSp delSp modSp mod">
+        <pc:chgData name="Ejoel Metz" userId="4ada848ac625ad4f" providerId="LiveId" clId="{04F02BFB-8540-4D3F-A42E-FA0FEBD70A18}" dt="2024-01-28T13:57:18.809" v="227"/>
+        <pc:sldMkLst>
+          <pc:docMk/>
+          <pc:sldMk cId="1342146163" sldId="259"/>
+        </pc:sldMkLst>
+        <pc:spChg chg="del">
+          <ac:chgData name="Ejoel Metz" userId="4ada848ac625ad4f" providerId="LiveId" clId="{04F02BFB-8540-4D3F-A42E-FA0FEBD70A18}" dt="2024-01-28T13:19:11.189" v="97" actId="3680"/>
+          <ac:spMkLst>
+            <pc:docMk/>
+            <pc:sldMk cId="1342146163" sldId="259"/>
+            <ac:spMk id="3" creationId="{6FAF56A4-A91A-8481-CE58-F09CFE9A31F7}"/>
+          </ac:spMkLst>
+        </pc:spChg>
+        <pc:spChg chg="add del">
+          <ac:chgData name="Ejoel Metz" userId="4ada848ac625ad4f" providerId="LiveId" clId="{04F02BFB-8540-4D3F-A42E-FA0FEBD70A18}" dt="2024-01-28T13:57:16.886" v="226" actId="478"/>
+          <ac:spMkLst>
+            <pc:docMk/>
+            <pc:sldMk cId="1342146163" sldId="259"/>
+            <ac:spMk id="6" creationId="{1C3BE61D-F620-9A62-A274-2C7895983BCB}"/>
+          </ac:spMkLst>
+        </pc:spChg>
+        <pc:graphicFrameChg chg="add mod ord modGraphic">
+          <ac:chgData name="Ejoel Metz" userId="4ada848ac625ad4f" providerId="LiveId" clId="{04F02BFB-8540-4D3F-A42E-FA0FEBD70A18}" dt="2024-01-28T13:57:18.809" v="227"/>
+          <ac:graphicFrameMkLst>
+            <pc:docMk/>
+            <pc:sldMk cId="1342146163" sldId="259"/>
+            <ac:graphicFrameMk id="4" creationId="{16C0BD21-FCE3-0C8A-9043-1959A40054F0}"/>
+          </ac:graphicFrameMkLst>
+        </pc:graphicFrameChg>
+      </pc:sldChg>
+      <pc:sldChg chg="modSp">
+        <pc:chgData name="Ejoel Metz" userId="4ada848ac625ad4f" providerId="LiveId" clId="{04F02BFB-8540-4D3F-A42E-FA0FEBD70A18}" dt="2024-01-28T12:41:47.452" v="5" actId="20577"/>
+        <pc:sldMkLst>
+          <pc:docMk/>
+          <pc:sldMk cId="3523129124" sldId="261"/>
+        </pc:sldMkLst>
+        <pc:spChg chg="mod">
+          <ac:chgData name="Ejoel Metz" userId="4ada848ac625ad4f" providerId="LiveId" clId="{04F02BFB-8540-4D3F-A42E-FA0FEBD70A18}" dt="2024-01-28T12:41:47.452" v="5" actId="20577"/>
+          <ac:spMkLst>
+            <pc:docMk/>
+            <pc:sldMk cId="3523129124" sldId="261"/>
+            <ac:spMk id="2" creationId="{8F4B0FED-1089-ED88-4BC9-FDE6359A4B84}"/>
+          </ac:spMkLst>
+        </pc:spChg>
+      </pc:sldChg>
+      <pc:sldChg chg="del">
+        <pc:chgData name="Ejoel Metz" userId="4ada848ac625ad4f" providerId="LiveId" clId="{04F02BFB-8540-4D3F-A42E-FA0FEBD70A18}" dt="2024-01-28T12:45:19.671" v="81" actId="2696"/>
+        <pc:sldMkLst>
+          <pc:docMk/>
+          <pc:sldMk cId="320849817" sldId="262"/>
+        </pc:sldMkLst>
+      </pc:sldChg>
+      <pc:sldChg chg="del">
+        <pc:chgData name="Ejoel Metz" userId="4ada848ac625ad4f" providerId="LiveId" clId="{04F02BFB-8540-4D3F-A42E-FA0FEBD70A18}" dt="2024-01-28T12:45:26.449" v="85" actId="2696"/>
+        <pc:sldMkLst>
+          <pc:docMk/>
+          <pc:sldMk cId="2639118066" sldId="263"/>
+        </pc:sldMkLst>
+      </pc:sldChg>
+      <pc:sldChg chg="add del">
+        <pc:chgData name="Ejoel Metz" userId="4ada848ac625ad4f" providerId="LiveId" clId="{04F02BFB-8540-4D3F-A42E-FA0FEBD70A18}" dt="2024-01-28T12:45:39.770" v="94"/>
+        <pc:sldMkLst>
+          <pc:docMk/>
+          <pc:sldMk cId="3367194422" sldId="265"/>
+        </pc:sldMkLst>
+      </pc:sldChg>
+      <pc:sldChg chg="del">
+        <pc:chgData name="Ejoel Metz" userId="4ada848ac625ad4f" providerId="LiveId" clId="{04F02BFB-8540-4D3F-A42E-FA0FEBD70A18}" dt="2024-01-28T12:45:19.665" v="80" actId="2696"/>
+        <pc:sldMkLst>
+          <pc:docMk/>
+          <pc:sldMk cId="935815750" sldId="267"/>
+        </pc:sldMkLst>
+      </pc:sldChg>
+      <pc:sldChg chg="del">
+        <pc:chgData name="Ejoel Metz" userId="4ada848ac625ad4f" providerId="LiveId" clId="{04F02BFB-8540-4D3F-A42E-FA0FEBD70A18}" dt="2024-01-28T12:45:19.658" v="79" actId="2696"/>
+        <pc:sldMkLst>
+          <pc:docMk/>
+          <pc:sldMk cId="1527955589" sldId="268"/>
+        </pc:sldMkLst>
+      </pc:sldChg>
+      <pc:sldChg chg="del">
+        <pc:chgData name="Ejoel Metz" userId="4ada848ac625ad4f" providerId="LiveId" clId="{04F02BFB-8540-4D3F-A42E-FA0FEBD70A18}" dt="2024-01-28T12:45:26.444" v="84" actId="2696"/>
+        <pc:sldMkLst>
+          <pc:docMk/>
+          <pc:sldMk cId="664258255" sldId="269"/>
+        </pc:sldMkLst>
+      </pc:sldChg>
+      <pc:sldChg chg="del">
+        <pc:chgData name="Ejoel Metz" userId="4ada848ac625ad4f" providerId="LiveId" clId="{04F02BFB-8540-4D3F-A42E-FA0FEBD70A18}" dt="2024-01-28T12:45:26.436" v="83" actId="2696"/>
+        <pc:sldMkLst>
+          <pc:docMk/>
+          <pc:sldMk cId="4055444137" sldId="270"/>
+        </pc:sldMkLst>
+      </pc:sldChg>
+      <pc:sldChg chg="add del">
+        <pc:chgData name="Ejoel Metz" userId="4ada848ac625ad4f" providerId="LiveId" clId="{04F02BFB-8540-4D3F-A42E-FA0FEBD70A18}" dt="2024-01-28T12:45:39.770" v="94"/>
+        <pc:sldMkLst>
+          <pc:docMk/>
+          <pc:sldMk cId="2668927633" sldId="272"/>
+        </pc:sldMkLst>
+      </pc:sldChg>
+      <pc:sldChg chg="add del">
+        <pc:chgData name="Ejoel Metz" userId="4ada848ac625ad4f" providerId="LiveId" clId="{04F02BFB-8540-4D3F-A42E-FA0FEBD70A18}" dt="2024-01-28T12:45:39.770" v="94"/>
+        <pc:sldMkLst>
+          <pc:docMk/>
+          <pc:sldMk cId="4232296692" sldId="273"/>
+        </pc:sldMkLst>
+      </pc:sldChg>
+      <pc:sldChg chg="modSp new mod ord">
+        <pc:chgData name="Ejoel Metz" userId="4ada848ac625ad4f" providerId="LiveId" clId="{04F02BFB-8540-4D3F-A42E-FA0FEBD70A18}" dt="2024-01-28T12:45:19.672" v="82"/>
+        <pc:sldMkLst>
+          <pc:docMk/>
+          <pc:sldMk cId="448068807" sldId="274"/>
+        </pc:sldMkLst>
+        <pc:spChg chg="mod">
+          <ac:chgData name="Ejoel Metz" userId="4ada848ac625ad4f" providerId="LiveId" clId="{04F02BFB-8540-4D3F-A42E-FA0FEBD70A18}" dt="2024-01-28T12:42:11.972" v="14" actId="20577"/>
+          <ac:spMkLst>
+            <pc:docMk/>
+            <pc:sldMk cId="448068807" sldId="274"/>
+            <ac:spMk id="2" creationId="{7A8DA27D-7109-7FEE-A237-33EAFBEC89ED}"/>
+          </ac:spMkLst>
+        </pc:spChg>
+        <pc:spChg chg="mod">
+          <ac:chgData name="Ejoel Metz" userId="4ada848ac625ad4f" providerId="LiveId" clId="{04F02BFB-8540-4D3F-A42E-FA0FEBD70A18}" dt="2024-01-28T12:45:19.672" v="82"/>
+          <ac:spMkLst>
+            <pc:docMk/>
+            <pc:sldMk cId="448068807" sldId="274"/>
+            <ac:spMk id="3" creationId="{B112DF82-0372-607D-6D93-3479A6563A5C}"/>
+          </ac:spMkLst>
+        </pc:spChg>
+      </pc:sldChg>
+      <pc:sldChg chg="modSp new mod ord">
+        <pc:chgData name="Ejoel Metz" userId="4ada848ac625ad4f" providerId="LiveId" clId="{04F02BFB-8540-4D3F-A42E-FA0FEBD70A18}" dt="2024-01-28T12:45:26.450" v="86"/>
+        <pc:sldMkLst>
+          <pc:docMk/>
+          <pc:sldMk cId="1975849648" sldId="275"/>
+        </pc:sldMkLst>
+        <pc:spChg chg="mod">
+          <ac:chgData name="Ejoel Metz" userId="4ada848ac625ad4f" providerId="LiveId" clId="{04F02BFB-8540-4D3F-A42E-FA0FEBD70A18}" dt="2024-01-28T12:42:24.349" v="28" actId="20577"/>
+          <ac:spMkLst>
+            <pc:docMk/>
+            <pc:sldMk cId="1975849648" sldId="275"/>
+            <ac:spMk id="2" creationId="{5202EDD1-71DD-E92B-935A-241FEE1BF0BE}"/>
+          </ac:spMkLst>
+        </pc:spChg>
+        <pc:spChg chg="mod">
+          <ac:chgData name="Ejoel Metz" userId="4ada848ac625ad4f" providerId="LiveId" clId="{04F02BFB-8540-4D3F-A42E-FA0FEBD70A18}" dt="2024-01-28T12:45:26.450" v="86"/>
+          <ac:spMkLst>
+            <pc:docMk/>
+            <pc:sldMk cId="1975849648" sldId="275"/>
+            <ac:spMk id="3" creationId="{FDE426BE-41A5-0C82-81ED-55C24E6F4B6F}"/>
+          </ac:spMkLst>
+        </pc:spChg>
+      </pc:sldChg>
+      <pc:sldChg chg="modSp new mod ord">
+        <pc:chgData name="Ejoel Metz" userId="4ada848ac625ad4f" providerId="LiveId" clId="{04F02BFB-8540-4D3F-A42E-FA0FEBD70A18}" dt="2024-01-28T12:45:29.774" v="90"/>
+        <pc:sldMkLst>
+          <pc:docMk/>
+          <pc:sldMk cId="2518681882" sldId="276"/>
+        </pc:sldMkLst>
+        <pc:spChg chg="mod">
+          <ac:chgData name="Ejoel Metz" userId="4ada848ac625ad4f" providerId="LiveId" clId="{04F02BFB-8540-4D3F-A42E-FA0FEBD70A18}" dt="2024-01-28T12:44:49.484" v="41" actId="20577"/>
+          <ac:spMkLst>
+            <pc:docMk/>
+            <pc:sldMk cId="2518681882" sldId="276"/>
+            <ac:spMk id="2" creationId="{279585D1-5A07-1FAB-30A2-D2CC372CE288}"/>
+          </ac:spMkLst>
+        </pc:spChg>
+        <pc:spChg chg="mod">
+          <ac:chgData name="Ejoel Metz" userId="4ada848ac625ad4f" providerId="LiveId" clId="{04F02BFB-8540-4D3F-A42E-FA0FEBD70A18}" dt="2024-01-28T12:45:29.774" v="90"/>
+          <ac:spMkLst>
+            <pc:docMk/>
+            <pc:sldMk cId="2518681882" sldId="276"/>
+            <ac:spMk id="3" creationId="{8F37F226-0BE4-D765-7F13-3BD0735E3AD4}"/>
+          </ac:spMkLst>
+        </pc:spChg>
+      </pc:sldChg>
+      <pc:sldChg chg="modSp add">
+        <pc:chgData name="Ejoel Metz" userId="4ada848ac625ad4f" providerId="LiveId" clId="{04F02BFB-8540-4D3F-A42E-FA0FEBD70A18}" dt="2024-01-28T12:45:46.529" v="95"/>
+        <pc:sldMkLst>
+          <pc:docMk/>
+          <pc:sldMk cId="1621084770" sldId="277"/>
+        </pc:sldMkLst>
+        <pc:spChg chg="mod">
+          <ac:chgData name="Ejoel Metz" userId="4ada848ac625ad4f" providerId="LiveId" clId="{04F02BFB-8540-4D3F-A42E-FA0FEBD70A18}" dt="2024-01-28T12:45:46.529" v="95"/>
+          <ac:spMkLst>
+            <pc:docMk/>
+            <pc:sldMk cId="1621084770" sldId="277"/>
+            <ac:spMk id="2" creationId="{40318531-E692-5544-45E7-97A76F86D07F}"/>
+          </ac:spMkLst>
+        </pc:spChg>
+      </pc:sldChg>
+      <pc:sldChg chg="modSp add">
+        <pc:chgData name="Ejoel Metz" userId="4ada848ac625ad4f" providerId="LiveId" clId="{04F02BFB-8540-4D3F-A42E-FA0FEBD70A18}" dt="2024-01-28T12:45:46.529" v="95"/>
+        <pc:sldMkLst>
+          <pc:docMk/>
+          <pc:sldMk cId="273281884" sldId="278"/>
+        </pc:sldMkLst>
+        <pc:spChg chg="mod">
+          <ac:chgData name="Ejoel Metz" userId="4ada848ac625ad4f" providerId="LiveId" clId="{04F02BFB-8540-4D3F-A42E-FA0FEBD70A18}" dt="2024-01-28T12:45:46.529" v="95"/>
+          <ac:spMkLst>
+            <pc:docMk/>
+            <pc:sldMk cId="273281884" sldId="278"/>
+            <ac:spMk id="2" creationId="{DEAD6A58-66CF-3A62-6733-EF26D0B25E5F}"/>
+          </ac:spMkLst>
+        </pc:spChg>
+      </pc:sldChg>
+      <pc:sldChg chg="modSp add">
+        <pc:chgData name="Ejoel Metz" userId="4ada848ac625ad4f" providerId="LiveId" clId="{04F02BFB-8540-4D3F-A42E-FA0FEBD70A18}" dt="2024-01-28T12:45:46.529" v="95"/>
+        <pc:sldMkLst>
+          <pc:docMk/>
+          <pc:sldMk cId="3882220895" sldId="279"/>
+        </pc:sldMkLst>
+        <pc:spChg chg="mod">
+          <ac:chgData name="Ejoel Metz" userId="4ada848ac625ad4f" providerId="LiveId" clId="{04F02BFB-8540-4D3F-A42E-FA0FEBD70A18}" dt="2024-01-28T12:45:46.529" v="95"/>
+          <ac:spMkLst>
+            <pc:docMk/>
+            <pc:sldMk cId="3882220895" sldId="279"/>
+            <ac:spMk id="2" creationId="{8ED3B311-27CF-10DF-B818-123450C366DE}"/>
+          </ac:spMkLst>
+        </pc:spChg>
+      </pc:sldChg>
+      <pc:sldChg chg="modSp add">
+        <pc:chgData name="Ejoel Metz" userId="4ada848ac625ad4f" providerId="LiveId" clId="{04F02BFB-8540-4D3F-A42E-FA0FEBD70A18}" dt="2024-01-28T12:45:50.295" v="96"/>
+        <pc:sldMkLst>
+          <pc:docMk/>
+          <pc:sldMk cId="2878171971" sldId="280"/>
+        </pc:sldMkLst>
+        <pc:spChg chg="mod">
+          <ac:chgData name="Ejoel Metz" userId="4ada848ac625ad4f" providerId="LiveId" clId="{04F02BFB-8540-4D3F-A42E-FA0FEBD70A18}" dt="2024-01-28T12:45:50.295" v="96"/>
+          <ac:spMkLst>
+            <pc:docMk/>
+            <pc:sldMk cId="2878171971" sldId="280"/>
+            <ac:spMk id="2" creationId="{424CEE65-D940-8357-311A-87A94C8A2221}"/>
+          </ac:spMkLst>
+        </pc:spChg>
+      </pc:sldChg>
+      <pc:sldChg chg="modSp add">
+        <pc:chgData name="Ejoel Metz" userId="4ada848ac625ad4f" providerId="LiveId" clId="{04F02BFB-8540-4D3F-A42E-FA0FEBD70A18}" dt="2024-01-28T12:45:50.295" v="96"/>
+        <pc:sldMkLst>
+          <pc:docMk/>
+          <pc:sldMk cId="572717375" sldId="281"/>
+        </pc:sldMkLst>
+        <pc:spChg chg="mod">
+          <ac:chgData name="Ejoel Metz" userId="4ada848ac625ad4f" providerId="LiveId" clId="{04F02BFB-8540-4D3F-A42E-FA0FEBD70A18}" dt="2024-01-28T12:45:50.295" v="96"/>
+          <ac:spMkLst>
+            <pc:docMk/>
+            <pc:sldMk cId="572717375" sldId="281"/>
+            <ac:spMk id="2" creationId="{D095E90B-E94E-BE72-16B5-91D116553D63}"/>
+          </ac:spMkLst>
+        </pc:spChg>
+      </pc:sldChg>
+      <pc:sldChg chg="modSp add">
+        <pc:chgData name="Ejoel Metz" userId="4ada848ac625ad4f" providerId="LiveId" clId="{04F02BFB-8540-4D3F-A42E-FA0FEBD70A18}" dt="2024-01-28T12:45:50.295" v="96"/>
+        <pc:sldMkLst>
+          <pc:docMk/>
+          <pc:sldMk cId="163745005" sldId="282"/>
+        </pc:sldMkLst>
+        <pc:spChg chg="mod">
+          <ac:chgData name="Ejoel Metz" userId="4ada848ac625ad4f" providerId="LiveId" clId="{04F02BFB-8540-4D3F-A42E-FA0FEBD70A18}" dt="2024-01-28T12:45:50.295" v="96"/>
+          <ac:spMkLst>
+            <pc:docMk/>
+            <pc:sldMk cId="163745005" sldId="282"/>
+            <ac:spMk id="2" creationId="{EFC7155D-73D2-D1E0-49C6-327809F9EBEA}"/>
+          </ac:spMkLst>
+        </pc:spChg>
+      </pc:sldChg>
+    </pc:docChg>
+  </pc:docChgLst>
+  <pc:docChgLst>
     <pc:chgData name="来宾用户" providerId="Windows Live" clId="Web-{2485899D-6837-4992-B95C-3994AC311F5B}"/>
     <pc:docChg chg="modSld">
       <pc:chgData name="来宾用户" userId="" providerId="Windows Live" clId="Web-{2485899D-6837-4992-B95C-3994AC311F5B}" dt="2024-01-31T00:15:33.501" v="250"/>
@@ -372,6 +2233,70 @@
             <pc:docMk/>
             <pc:sldMk cId="2181116833" sldId="309"/>
             <ac:graphicFrameMk id="11" creationId="{ED355ADC-8802-A874-4B58-67E88584AB0E}"/>
+          </ac:graphicFrameMkLst>
+        </pc:graphicFrameChg>
+      </pc:sldChg>
+    </pc:docChg>
+  </pc:docChgLst>
+  <pc:docChgLst>
+    <pc:chgData name="Gastbenutzer" providerId="Windows Live" clId="Web-{BAAE2856-1666-49EA-9A51-4581F51D541F}"/>
+    <pc:docChg chg="modSld">
+      <pc:chgData name="Gastbenutzer" userId="" providerId="Windows Live" clId="Web-{BAAE2856-1666-49EA-9A51-4581F51D541F}" dt="2024-01-29T18:04:07.134" v="1196" actId="20577"/>
+      <pc:docMkLst>
+        <pc:docMk/>
+      </pc:docMkLst>
+      <pc:sldChg chg="addSp delSp modSp">
+        <pc:chgData name="Gastbenutzer" userId="" providerId="Windows Live" clId="Web-{BAAE2856-1666-49EA-9A51-4581F51D541F}" dt="2024-01-29T18:04:07.134" v="1196" actId="20577"/>
+        <pc:sldMkLst>
+          <pc:docMk/>
+          <pc:sldMk cId="3523129124" sldId="261"/>
+        </pc:sldMkLst>
+        <pc:spChg chg="del mod">
+          <ac:chgData name="Gastbenutzer" userId="" providerId="Windows Live" clId="Web-{BAAE2856-1666-49EA-9A51-4581F51D541F}" dt="2024-01-29T16:59:48.414" v="1"/>
+          <ac:spMkLst>
+            <pc:docMk/>
+            <pc:sldMk cId="3523129124" sldId="261"/>
+            <ac:spMk id="3" creationId="{9F3DDA3B-D0E9-D290-CE73-809081D9E8B0}"/>
+          </ac:spMkLst>
+        </pc:spChg>
+        <pc:spChg chg="add mod">
+          <ac:chgData name="Gastbenutzer" userId="" providerId="Windows Live" clId="Web-{BAAE2856-1666-49EA-9A51-4581F51D541F}" dt="2024-01-29T18:04:07.134" v="1196" actId="20577"/>
+          <ac:spMkLst>
+            <pc:docMk/>
+            <pc:sldMk cId="3523129124" sldId="261"/>
+            <ac:spMk id="3" creationId="{DFB105B0-CC7A-98B2-5CEB-7F9B42ACD543}"/>
+          </ac:spMkLst>
+        </pc:spChg>
+        <pc:graphicFrameChg chg="add mod ord modGraphic">
+          <ac:chgData name="Gastbenutzer" userId="" providerId="Windows Live" clId="Web-{BAAE2856-1666-49EA-9A51-4581F51D541F}" dt="2024-01-29T18:01:39.769" v="1060"/>
+          <ac:graphicFrameMkLst>
+            <pc:docMk/>
+            <pc:sldMk cId="3523129124" sldId="261"/>
+            <ac:graphicFrameMk id="4" creationId="{6927C7E2-DE96-4065-C995-68146C5D86E7}"/>
+          </ac:graphicFrameMkLst>
+        </pc:graphicFrameChg>
+      </pc:sldChg>
+    </pc:docChg>
+  </pc:docChgLst>
+  <pc:docChgLst>
+    <pc:chgData name="来宾用户" providerId="Windows Live" clId="Web-{04318586-DA42-4FBD-8CD4-77008F3AAC24}"/>
+    <pc:docChg chg="modSld">
+      <pc:chgData name="来宾用户" userId="" providerId="Windows Live" clId="Web-{04318586-DA42-4FBD-8CD4-77008F3AAC24}" dt="2024-01-30T11:39:12.523" v="115"/>
+      <pc:docMkLst>
+        <pc:docMk/>
+      </pc:docMkLst>
+      <pc:sldChg chg="modSp">
+        <pc:chgData name="来宾用户" userId="" providerId="Windows Live" clId="Web-{04318586-DA42-4FBD-8CD4-77008F3AAC24}" dt="2024-01-30T11:39:12.523" v="115"/>
+        <pc:sldMkLst>
+          <pc:docMk/>
+          <pc:sldMk cId="1153620366" sldId="301"/>
+        </pc:sldMkLst>
+        <pc:graphicFrameChg chg="mod modGraphic">
+          <ac:chgData name="来宾用户" userId="" providerId="Windows Live" clId="Web-{04318586-DA42-4FBD-8CD4-77008F3AAC24}" dt="2024-01-30T11:39:12.523" v="115"/>
+          <ac:graphicFrameMkLst>
+            <pc:docMk/>
+            <pc:sldMk cId="1153620366" sldId="301"/>
+            <ac:graphicFrameMk id="4" creationId="{5E5B3BA4-84EE-44E3-9E88-10B049F8C58B}"/>
           </ac:graphicFrameMkLst>
         </pc:graphicFrameChg>
       </pc:sldChg>
@@ -2180,321 +4105,6 @@
     </pc:docChg>
   </pc:docChgLst>
   <pc:docChgLst>
-    <pc:chgData name="Ejoel Metz" userId="4ada848ac625ad4f" providerId="LiveId" clId="{04F02BFB-8540-4D3F-A42E-FA0FEBD70A18}"/>
-    <pc:docChg chg="undo custSel addSld delSld modSld sldOrd modSection">
-      <pc:chgData name="Ejoel Metz" userId="4ada848ac625ad4f" providerId="LiveId" clId="{04F02BFB-8540-4D3F-A42E-FA0FEBD70A18}" dt="2024-01-28T13:57:18.809" v="227"/>
-      <pc:docMkLst>
-        <pc:docMk/>
-      </pc:docMkLst>
-      <pc:sldChg chg="modSp mod">
-        <pc:chgData name="Ejoel Metz" userId="4ada848ac625ad4f" providerId="LiveId" clId="{04F02BFB-8540-4D3F-A42E-FA0FEBD70A18}" dt="2024-01-28T12:44:58.988" v="61" actId="20577"/>
-        <pc:sldMkLst>
-          <pc:docMk/>
-          <pc:sldMk cId="328641436" sldId="256"/>
-        </pc:sldMkLst>
-        <pc:spChg chg="mod">
-          <ac:chgData name="Ejoel Metz" userId="4ada848ac625ad4f" providerId="LiveId" clId="{04F02BFB-8540-4D3F-A42E-FA0FEBD70A18}" dt="2024-01-28T12:44:58.988" v="61" actId="20577"/>
-          <ac:spMkLst>
-            <pc:docMk/>
-            <pc:sldMk cId="328641436" sldId="256"/>
-            <ac:spMk id="2" creationId="{63335B81-EBFB-1DCD-33B2-BA5263D53808}"/>
-          </ac:spMkLst>
-        </pc:spChg>
-      </pc:sldChg>
-      <pc:sldChg chg="modSp mod">
-        <pc:chgData name="Ejoel Metz" userId="4ada848ac625ad4f" providerId="LiveId" clId="{04F02BFB-8540-4D3F-A42E-FA0FEBD70A18}" dt="2024-01-28T12:45:08.413" v="78" actId="20577"/>
-        <pc:sldMkLst>
-          <pc:docMk/>
-          <pc:sldMk cId="177289374" sldId="257"/>
-        </pc:sldMkLst>
-        <pc:spChg chg="mod">
-          <ac:chgData name="Ejoel Metz" userId="4ada848ac625ad4f" providerId="LiveId" clId="{04F02BFB-8540-4D3F-A42E-FA0FEBD70A18}" dt="2024-01-28T12:45:08.413" v="78" actId="20577"/>
-          <ac:spMkLst>
-            <pc:docMk/>
-            <pc:sldMk cId="177289374" sldId="257"/>
-            <ac:spMk id="2" creationId="{33F69D05-D097-EB48-E66A-0C4CE5014032}"/>
-          </ac:spMkLst>
-        </pc:spChg>
-        <pc:spChg chg="mod">
-          <ac:chgData name="Ejoel Metz" userId="4ada848ac625ad4f" providerId="LiveId" clId="{04F02BFB-8540-4D3F-A42E-FA0FEBD70A18}" dt="2024-01-28T12:41:30.930" v="3" actId="27636"/>
-          <ac:spMkLst>
-            <pc:docMk/>
-            <pc:sldMk cId="177289374" sldId="257"/>
-            <ac:spMk id="3" creationId="{35A4F722-6D0E-48E5-8344-3B59B40E1861}"/>
-          </ac:spMkLst>
-        </pc:spChg>
-      </pc:sldChg>
-      <pc:sldChg chg="addSp delSp modSp mod">
-        <pc:chgData name="Ejoel Metz" userId="4ada848ac625ad4f" providerId="LiveId" clId="{04F02BFB-8540-4D3F-A42E-FA0FEBD70A18}" dt="2024-01-28T13:57:18.809" v="227"/>
-        <pc:sldMkLst>
-          <pc:docMk/>
-          <pc:sldMk cId="1342146163" sldId="259"/>
-        </pc:sldMkLst>
-        <pc:spChg chg="del">
-          <ac:chgData name="Ejoel Metz" userId="4ada848ac625ad4f" providerId="LiveId" clId="{04F02BFB-8540-4D3F-A42E-FA0FEBD70A18}" dt="2024-01-28T13:19:11.189" v="97" actId="3680"/>
-          <ac:spMkLst>
-            <pc:docMk/>
-            <pc:sldMk cId="1342146163" sldId="259"/>
-            <ac:spMk id="3" creationId="{6FAF56A4-A91A-8481-CE58-F09CFE9A31F7}"/>
-          </ac:spMkLst>
-        </pc:spChg>
-        <pc:spChg chg="add del">
-          <ac:chgData name="Ejoel Metz" userId="4ada848ac625ad4f" providerId="LiveId" clId="{04F02BFB-8540-4D3F-A42E-FA0FEBD70A18}" dt="2024-01-28T13:57:16.886" v="226" actId="478"/>
-          <ac:spMkLst>
-            <pc:docMk/>
-            <pc:sldMk cId="1342146163" sldId="259"/>
-            <ac:spMk id="6" creationId="{1C3BE61D-F620-9A62-A274-2C7895983BCB}"/>
-          </ac:spMkLst>
-        </pc:spChg>
-        <pc:graphicFrameChg chg="add mod ord modGraphic">
-          <ac:chgData name="Ejoel Metz" userId="4ada848ac625ad4f" providerId="LiveId" clId="{04F02BFB-8540-4D3F-A42E-FA0FEBD70A18}" dt="2024-01-28T13:57:18.809" v="227"/>
-          <ac:graphicFrameMkLst>
-            <pc:docMk/>
-            <pc:sldMk cId="1342146163" sldId="259"/>
-            <ac:graphicFrameMk id="4" creationId="{16C0BD21-FCE3-0C8A-9043-1959A40054F0}"/>
-          </ac:graphicFrameMkLst>
-        </pc:graphicFrameChg>
-      </pc:sldChg>
-      <pc:sldChg chg="modSp">
-        <pc:chgData name="Ejoel Metz" userId="4ada848ac625ad4f" providerId="LiveId" clId="{04F02BFB-8540-4D3F-A42E-FA0FEBD70A18}" dt="2024-01-28T12:41:47.452" v="5" actId="20577"/>
-        <pc:sldMkLst>
-          <pc:docMk/>
-          <pc:sldMk cId="3523129124" sldId="261"/>
-        </pc:sldMkLst>
-        <pc:spChg chg="mod">
-          <ac:chgData name="Ejoel Metz" userId="4ada848ac625ad4f" providerId="LiveId" clId="{04F02BFB-8540-4D3F-A42E-FA0FEBD70A18}" dt="2024-01-28T12:41:47.452" v="5" actId="20577"/>
-          <ac:spMkLst>
-            <pc:docMk/>
-            <pc:sldMk cId="3523129124" sldId="261"/>
-            <ac:spMk id="2" creationId="{8F4B0FED-1089-ED88-4BC9-FDE6359A4B84}"/>
-          </ac:spMkLst>
-        </pc:spChg>
-      </pc:sldChg>
-      <pc:sldChg chg="del">
-        <pc:chgData name="Ejoel Metz" userId="4ada848ac625ad4f" providerId="LiveId" clId="{04F02BFB-8540-4D3F-A42E-FA0FEBD70A18}" dt="2024-01-28T12:45:19.671" v="81" actId="2696"/>
-        <pc:sldMkLst>
-          <pc:docMk/>
-          <pc:sldMk cId="320849817" sldId="262"/>
-        </pc:sldMkLst>
-      </pc:sldChg>
-      <pc:sldChg chg="del">
-        <pc:chgData name="Ejoel Metz" userId="4ada848ac625ad4f" providerId="LiveId" clId="{04F02BFB-8540-4D3F-A42E-FA0FEBD70A18}" dt="2024-01-28T12:45:26.449" v="85" actId="2696"/>
-        <pc:sldMkLst>
-          <pc:docMk/>
-          <pc:sldMk cId="2639118066" sldId="263"/>
-        </pc:sldMkLst>
-      </pc:sldChg>
-      <pc:sldChg chg="add del">
-        <pc:chgData name="Ejoel Metz" userId="4ada848ac625ad4f" providerId="LiveId" clId="{04F02BFB-8540-4D3F-A42E-FA0FEBD70A18}" dt="2024-01-28T12:45:39.770" v="94"/>
-        <pc:sldMkLst>
-          <pc:docMk/>
-          <pc:sldMk cId="3367194422" sldId="265"/>
-        </pc:sldMkLst>
-      </pc:sldChg>
-      <pc:sldChg chg="del">
-        <pc:chgData name="Ejoel Metz" userId="4ada848ac625ad4f" providerId="LiveId" clId="{04F02BFB-8540-4D3F-A42E-FA0FEBD70A18}" dt="2024-01-28T12:45:19.665" v="80" actId="2696"/>
-        <pc:sldMkLst>
-          <pc:docMk/>
-          <pc:sldMk cId="935815750" sldId="267"/>
-        </pc:sldMkLst>
-      </pc:sldChg>
-      <pc:sldChg chg="del">
-        <pc:chgData name="Ejoel Metz" userId="4ada848ac625ad4f" providerId="LiveId" clId="{04F02BFB-8540-4D3F-A42E-FA0FEBD70A18}" dt="2024-01-28T12:45:19.658" v="79" actId="2696"/>
-        <pc:sldMkLst>
-          <pc:docMk/>
-          <pc:sldMk cId="1527955589" sldId="268"/>
-        </pc:sldMkLst>
-      </pc:sldChg>
-      <pc:sldChg chg="del">
-        <pc:chgData name="Ejoel Metz" userId="4ada848ac625ad4f" providerId="LiveId" clId="{04F02BFB-8540-4D3F-A42E-FA0FEBD70A18}" dt="2024-01-28T12:45:26.444" v="84" actId="2696"/>
-        <pc:sldMkLst>
-          <pc:docMk/>
-          <pc:sldMk cId="664258255" sldId="269"/>
-        </pc:sldMkLst>
-      </pc:sldChg>
-      <pc:sldChg chg="del">
-        <pc:chgData name="Ejoel Metz" userId="4ada848ac625ad4f" providerId="LiveId" clId="{04F02BFB-8540-4D3F-A42E-FA0FEBD70A18}" dt="2024-01-28T12:45:26.436" v="83" actId="2696"/>
-        <pc:sldMkLst>
-          <pc:docMk/>
-          <pc:sldMk cId="4055444137" sldId="270"/>
-        </pc:sldMkLst>
-      </pc:sldChg>
-      <pc:sldChg chg="add del">
-        <pc:chgData name="Ejoel Metz" userId="4ada848ac625ad4f" providerId="LiveId" clId="{04F02BFB-8540-4D3F-A42E-FA0FEBD70A18}" dt="2024-01-28T12:45:39.770" v="94"/>
-        <pc:sldMkLst>
-          <pc:docMk/>
-          <pc:sldMk cId="2668927633" sldId="272"/>
-        </pc:sldMkLst>
-      </pc:sldChg>
-      <pc:sldChg chg="add del">
-        <pc:chgData name="Ejoel Metz" userId="4ada848ac625ad4f" providerId="LiveId" clId="{04F02BFB-8540-4D3F-A42E-FA0FEBD70A18}" dt="2024-01-28T12:45:39.770" v="94"/>
-        <pc:sldMkLst>
-          <pc:docMk/>
-          <pc:sldMk cId="4232296692" sldId="273"/>
-        </pc:sldMkLst>
-      </pc:sldChg>
-      <pc:sldChg chg="modSp new mod ord">
-        <pc:chgData name="Ejoel Metz" userId="4ada848ac625ad4f" providerId="LiveId" clId="{04F02BFB-8540-4D3F-A42E-FA0FEBD70A18}" dt="2024-01-28T12:45:19.672" v="82"/>
-        <pc:sldMkLst>
-          <pc:docMk/>
-          <pc:sldMk cId="448068807" sldId="274"/>
-        </pc:sldMkLst>
-        <pc:spChg chg="mod">
-          <ac:chgData name="Ejoel Metz" userId="4ada848ac625ad4f" providerId="LiveId" clId="{04F02BFB-8540-4D3F-A42E-FA0FEBD70A18}" dt="2024-01-28T12:42:11.972" v="14" actId="20577"/>
-          <ac:spMkLst>
-            <pc:docMk/>
-            <pc:sldMk cId="448068807" sldId="274"/>
-            <ac:spMk id="2" creationId="{7A8DA27D-7109-7FEE-A237-33EAFBEC89ED}"/>
-          </ac:spMkLst>
-        </pc:spChg>
-        <pc:spChg chg="mod">
-          <ac:chgData name="Ejoel Metz" userId="4ada848ac625ad4f" providerId="LiveId" clId="{04F02BFB-8540-4D3F-A42E-FA0FEBD70A18}" dt="2024-01-28T12:45:19.672" v="82"/>
-          <ac:spMkLst>
-            <pc:docMk/>
-            <pc:sldMk cId="448068807" sldId="274"/>
-            <ac:spMk id="3" creationId="{B112DF82-0372-607D-6D93-3479A6563A5C}"/>
-          </ac:spMkLst>
-        </pc:spChg>
-      </pc:sldChg>
-      <pc:sldChg chg="modSp new mod ord">
-        <pc:chgData name="Ejoel Metz" userId="4ada848ac625ad4f" providerId="LiveId" clId="{04F02BFB-8540-4D3F-A42E-FA0FEBD70A18}" dt="2024-01-28T12:45:26.450" v="86"/>
-        <pc:sldMkLst>
-          <pc:docMk/>
-          <pc:sldMk cId="1975849648" sldId="275"/>
-        </pc:sldMkLst>
-        <pc:spChg chg="mod">
-          <ac:chgData name="Ejoel Metz" userId="4ada848ac625ad4f" providerId="LiveId" clId="{04F02BFB-8540-4D3F-A42E-FA0FEBD70A18}" dt="2024-01-28T12:42:24.349" v="28" actId="20577"/>
-          <ac:spMkLst>
-            <pc:docMk/>
-            <pc:sldMk cId="1975849648" sldId="275"/>
-            <ac:spMk id="2" creationId="{5202EDD1-71DD-E92B-935A-241FEE1BF0BE}"/>
-          </ac:spMkLst>
-        </pc:spChg>
-        <pc:spChg chg="mod">
-          <ac:chgData name="Ejoel Metz" userId="4ada848ac625ad4f" providerId="LiveId" clId="{04F02BFB-8540-4D3F-A42E-FA0FEBD70A18}" dt="2024-01-28T12:45:26.450" v="86"/>
-          <ac:spMkLst>
-            <pc:docMk/>
-            <pc:sldMk cId="1975849648" sldId="275"/>
-            <ac:spMk id="3" creationId="{FDE426BE-41A5-0C82-81ED-55C24E6F4B6F}"/>
-          </ac:spMkLst>
-        </pc:spChg>
-      </pc:sldChg>
-      <pc:sldChg chg="modSp new mod ord">
-        <pc:chgData name="Ejoel Metz" userId="4ada848ac625ad4f" providerId="LiveId" clId="{04F02BFB-8540-4D3F-A42E-FA0FEBD70A18}" dt="2024-01-28T12:45:29.774" v="90"/>
-        <pc:sldMkLst>
-          <pc:docMk/>
-          <pc:sldMk cId="2518681882" sldId="276"/>
-        </pc:sldMkLst>
-        <pc:spChg chg="mod">
-          <ac:chgData name="Ejoel Metz" userId="4ada848ac625ad4f" providerId="LiveId" clId="{04F02BFB-8540-4D3F-A42E-FA0FEBD70A18}" dt="2024-01-28T12:44:49.484" v="41" actId="20577"/>
-          <ac:spMkLst>
-            <pc:docMk/>
-            <pc:sldMk cId="2518681882" sldId="276"/>
-            <ac:spMk id="2" creationId="{279585D1-5A07-1FAB-30A2-D2CC372CE288}"/>
-          </ac:spMkLst>
-        </pc:spChg>
-        <pc:spChg chg="mod">
-          <ac:chgData name="Ejoel Metz" userId="4ada848ac625ad4f" providerId="LiveId" clId="{04F02BFB-8540-4D3F-A42E-FA0FEBD70A18}" dt="2024-01-28T12:45:29.774" v="90"/>
-          <ac:spMkLst>
-            <pc:docMk/>
-            <pc:sldMk cId="2518681882" sldId="276"/>
-            <ac:spMk id="3" creationId="{8F37F226-0BE4-D765-7F13-3BD0735E3AD4}"/>
-          </ac:spMkLst>
-        </pc:spChg>
-      </pc:sldChg>
-      <pc:sldChg chg="modSp add">
-        <pc:chgData name="Ejoel Metz" userId="4ada848ac625ad4f" providerId="LiveId" clId="{04F02BFB-8540-4D3F-A42E-FA0FEBD70A18}" dt="2024-01-28T12:45:46.529" v="95"/>
-        <pc:sldMkLst>
-          <pc:docMk/>
-          <pc:sldMk cId="1621084770" sldId="277"/>
-        </pc:sldMkLst>
-        <pc:spChg chg="mod">
-          <ac:chgData name="Ejoel Metz" userId="4ada848ac625ad4f" providerId="LiveId" clId="{04F02BFB-8540-4D3F-A42E-FA0FEBD70A18}" dt="2024-01-28T12:45:46.529" v="95"/>
-          <ac:spMkLst>
-            <pc:docMk/>
-            <pc:sldMk cId="1621084770" sldId="277"/>
-            <ac:spMk id="2" creationId="{40318531-E692-5544-45E7-97A76F86D07F}"/>
-          </ac:spMkLst>
-        </pc:spChg>
-      </pc:sldChg>
-      <pc:sldChg chg="modSp add">
-        <pc:chgData name="Ejoel Metz" userId="4ada848ac625ad4f" providerId="LiveId" clId="{04F02BFB-8540-4D3F-A42E-FA0FEBD70A18}" dt="2024-01-28T12:45:46.529" v="95"/>
-        <pc:sldMkLst>
-          <pc:docMk/>
-          <pc:sldMk cId="273281884" sldId="278"/>
-        </pc:sldMkLst>
-        <pc:spChg chg="mod">
-          <ac:chgData name="Ejoel Metz" userId="4ada848ac625ad4f" providerId="LiveId" clId="{04F02BFB-8540-4D3F-A42E-FA0FEBD70A18}" dt="2024-01-28T12:45:46.529" v="95"/>
-          <ac:spMkLst>
-            <pc:docMk/>
-            <pc:sldMk cId="273281884" sldId="278"/>
-            <ac:spMk id="2" creationId="{DEAD6A58-66CF-3A62-6733-EF26D0B25E5F}"/>
-          </ac:spMkLst>
-        </pc:spChg>
-      </pc:sldChg>
-      <pc:sldChg chg="modSp add">
-        <pc:chgData name="Ejoel Metz" userId="4ada848ac625ad4f" providerId="LiveId" clId="{04F02BFB-8540-4D3F-A42E-FA0FEBD70A18}" dt="2024-01-28T12:45:46.529" v="95"/>
-        <pc:sldMkLst>
-          <pc:docMk/>
-          <pc:sldMk cId="3882220895" sldId="279"/>
-        </pc:sldMkLst>
-        <pc:spChg chg="mod">
-          <ac:chgData name="Ejoel Metz" userId="4ada848ac625ad4f" providerId="LiveId" clId="{04F02BFB-8540-4D3F-A42E-FA0FEBD70A18}" dt="2024-01-28T12:45:46.529" v="95"/>
-          <ac:spMkLst>
-            <pc:docMk/>
-            <pc:sldMk cId="3882220895" sldId="279"/>
-            <ac:spMk id="2" creationId="{8ED3B311-27CF-10DF-B818-123450C366DE}"/>
-          </ac:spMkLst>
-        </pc:spChg>
-      </pc:sldChg>
-      <pc:sldChg chg="modSp add">
-        <pc:chgData name="Ejoel Metz" userId="4ada848ac625ad4f" providerId="LiveId" clId="{04F02BFB-8540-4D3F-A42E-FA0FEBD70A18}" dt="2024-01-28T12:45:50.295" v="96"/>
-        <pc:sldMkLst>
-          <pc:docMk/>
-          <pc:sldMk cId="2878171971" sldId="280"/>
-        </pc:sldMkLst>
-        <pc:spChg chg="mod">
-          <ac:chgData name="Ejoel Metz" userId="4ada848ac625ad4f" providerId="LiveId" clId="{04F02BFB-8540-4D3F-A42E-FA0FEBD70A18}" dt="2024-01-28T12:45:50.295" v="96"/>
-          <ac:spMkLst>
-            <pc:docMk/>
-            <pc:sldMk cId="2878171971" sldId="280"/>
-            <ac:spMk id="2" creationId="{424CEE65-D940-8357-311A-87A94C8A2221}"/>
-          </ac:spMkLst>
-        </pc:spChg>
-      </pc:sldChg>
-      <pc:sldChg chg="modSp add">
-        <pc:chgData name="Ejoel Metz" userId="4ada848ac625ad4f" providerId="LiveId" clId="{04F02BFB-8540-4D3F-A42E-FA0FEBD70A18}" dt="2024-01-28T12:45:50.295" v="96"/>
-        <pc:sldMkLst>
-          <pc:docMk/>
-          <pc:sldMk cId="572717375" sldId="281"/>
-        </pc:sldMkLst>
-        <pc:spChg chg="mod">
-          <ac:chgData name="Ejoel Metz" userId="4ada848ac625ad4f" providerId="LiveId" clId="{04F02BFB-8540-4D3F-A42E-FA0FEBD70A18}" dt="2024-01-28T12:45:50.295" v="96"/>
-          <ac:spMkLst>
-            <pc:docMk/>
-            <pc:sldMk cId="572717375" sldId="281"/>
-            <ac:spMk id="2" creationId="{D095E90B-E94E-BE72-16B5-91D116553D63}"/>
-          </ac:spMkLst>
-        </pc:spChg>
-      </pc:sldChg>
-      <pc:sldChg chg="modSp add">
-        <pc:chgData name="Ejoel Metz" userId="4ada848ac625ad4f" providerId="LiveId" clId="{04F02BFB-8540-4D3F-A42E-FA0FEBD70A18}" dt="2024-01-28T12:45:50.295" v="96"/>
-        <pc:sldMkLst>
-          <pc:docMk/>
-          <pc:sldMk cId="163745005" sldId="282"/>
-        </pc:sldMkLst>
-        <pc:spChg chg="mod">
-          <ac:chgData name="Ejoel Metz" userId="4ada848ac625ad4f" providerId="LiveId" clId="{04F02BFB-8540-4D3F-A42E-FA0FEBD70A18}" dt="2024-01-28T12:45:50.295" v="96"/>
-          <ac:spMkLst>
-            <pc:docMk/>
-            <pc:sldMk cId="163745005" sldId="282"/>
-            <ac:spMk id="2" creationId="{EFC7155D-73D2-D1E0-49C6-327809F9EBEA}"/>
-          </ac:spMkLst>
-        </pc:spChg>
-      </pc:sldChg>
-    </pc:docChg>
-  </pc:docChgLst>
-  <pc:docChgLst>
     <pc:chgData name="来宾用户" providerId="Windows Live" clId="Web-{BA4722F0-0DEF-4FF5-8A2F-8C420D018ABB}"/>
     <pc:docChg chg="modSld">
       <pc:chgData name="来宾用户" userId="" providerId="Windows Live" clId="Web-{BA4722F0-0DEF-4FF5-8A2F-8C420D018ABB}" dt="2024-01-30T11:43:13.647" v="10"/>
@@ -2513,30 +4123,6 @@
             <pc:docMk/>
             <pc:sldMk cId="3882220895" sldId="279"/>
             <ac:graphicFrameMk id="4" creationId="{415DC09B-AEE3-9318-5168-F85B2A8D77FC}"/>
-          </ac:graphicFrameMkLst>
-        </pc:graphicFrameChg>
-      </pc:sldChg>
-    </pc:docChg>
-  </pc:docChgLst>
-  <pc:docChgLst>
-    <pc:chgData name="来宾用户" providerId="Windows Live" clId="Web-{04318586-DA42-4FBD-8CD4-77008F3AAC24}"/>
-    <pc:docChg chg="modSld">
-      <pc:chgData name="来宾用户" userId="" providerId="Windows Live" clId="Web-{04318586-DA42-4FBD-8CD4-77008F3AAC24}" dt="2024-01-30T11:39:12.523" v="115"/>
-      <pc:docMkLst>
-        <pc:docMk/>
-      </pc:docMkLst>
-      <pc:sldChg chg="modSp">
-        <pc:chgData name="来宾用户" userId="" providerId="Windows Live" clId="Web-{04318586-DA42-4FBD-8CD4-77008F3AAC24}" dt="2024-01-30T11:39:12.523" v="115"/>
-        <pc:sldMkLst>
-          <pc:docMk/>
-          <pc:sldMk cId="1153620366" sldId="301"/>
-        </pc:sldMkLst>
-        <pc:graphicFrameChg chg="mod modGraphic">
-          <ac:chgData name="来宾用户" userId="" providerId="Windows Live" clId="Web-{04318586-DA42-4FBD-8CD4-77008F3AAC24}" dt="2024-01-30T11:39:12.523" v="115"/>
-          <ac:graphicFrameMkLst>
-            <pc:docMk/>
-            <pc:sldMk cId="1153620366" sldId="301"/>
-            <ac:graphicFrameMk id="4" creationId="{5E5B3BA4-84EE-44E3-9E88-10B049F8C58B}"/>
           </ac:graphicFrameMkLst>
         </pc:graphicFrameChg>
       </pc:sldChg>
@@ -2563,1592 +4149,6 @@
             <ac:spMk id="5" creationId="{D7A18C71-63F2-F816-2E97-1424A9B2CDCF}"/>
           </ac:spMkLst>
         </pc:spChg>
-      </pc:sldChg>
-    </pc:docChg>
-  </pc:docChgLst>
-  <pc:docChgLst>
-    <pc:chgData name="Kai Paulsen" userId="0e7ab43caa599588" providerId="Windows Live" clId="Web-{058C723E-7391-4602-B96F-C0EA0BDE424C}"/>
-    <pc:docChg chg="modSld">
-      <pc:chgData name="Kai Paulsen" userId="0e7ab43caa599588" providerId="Windows Live" clId="Web-{058C723E-7391-4602-B96F-C0EA0BDE424C}" dt="2024-01-30T18:17:18.428" v="0" actId="1076"/>
-      <pc:docMkLst>
-        <pc:docMk/>
-      </pc:docMkLst>
-      <pc:sldChg chg="modSp">
-        <pc:chgData name="Kai Paulsen" userId="0e7ab43caa599588" providerId="Windows Live" clId="Web-{058C723E-7391-4602-B96F-C0EA0BDE424C}" dt="2024-01-30T18:17:18.428" v="0" actId="1076"/>
-        <pc:sldMkLst>
-          <pc:docMk/>
-          <pc:sldMk cId="4194784703" sldId="283"/>
-        </pc:sldMkLst>
-        <pc:picChg chg="mod">
-          <ac:chgData name="Kai Paulsen" userId="0e7ab43caa599588" providerId="Windows Live" clId="Web-{058C723E-7391-4602-B96F-C0EA0BDE424C}" dt="2024-01-30T18:17:18.428" v="0" actId="1076"/>
-          <ac:picMkLst>
-            <pc:docMk/>
-            <pc:sldMk cId="4194784703" sldId="283"/>
-            <ac:picMk id="4" creationId="{14E72038-E4C3-3A0F-7A43-08B0C3D93F23}"/>
-          </ac:picMkLst>
-        </pc:picChg>
-      </pc:sldChg>
-    </pc:docChg>
-  </pc:docChgLst>
-  <pc:docChgLst>
-    <pc:chgData name="Gastbenutzer" providerId="Windows Live" clId="Web-{BAAE2856-1666-49EA-9A51-4581F51D541F}"/>
-    <pc:docChg chg="modSld">
-      <pc:chgData name="Gastbenutzer" userId="" providerId="Windows Live" clId="Web-{BAAE2856-1666-49EA-9A51-4581F51D541F}" dt="2024-01-29T18:04:07.134" v="1196" actId="20577"/>
-      <pc:docMkLst>
-        <pc:docMk/>
-      </pc:docMkLst>
-      <pc:sldChg chg="addSp delSp modSp">
-        <pc:chgData name="Gastbenutzer" userId="" providerId="Windows Live" clId="Web-{BAAE2856-1666-49EA-9A51-4581F51D541F}" dt="2024-01-29T18:04:07.134" v="1196" actId="20577"/>
-        <pc:sldMkLst>
-          <pc:docMk/>
-          <pc:sldMk cId="3523129124" sldId="261"/>
-        </pc:sldMkLst>
-        <pc:spChg chg="del mod">
-          <ac:chgData name="Gastbenutzer" userId="" providerId="Windows Live" clId="Web-{BAAE2856-1666-49EA-9A51-4581F51D541F}" dt="2024-01-29T16:59:48.414" v="1"/>
-          <ac:spMkLst>
-            <pc:docMk/>
-            <pc:sldMk cId="3523129124" sldId="261"/>
-            <ac:spMk id="3" creationId="{9F3DDA3B-D0E9-D290-CE73-809081D9E8B0}"/>
-          </ac:spMkLst>
-        </pc:spChg>
-        <pc:spChg chg="add mod">
-          <ac:chgData name="Gastbenutzer" userId="" providerId="Windows Live" clId="Web-{BAAE2856-1666-49EA-9A51-4581F51D541F}" dt="2024-01-29T18:04:07.134" v="1196" actId="20577"/>
-          <ac:spMkLst>
-            <pc:docMk/>
-            <pc:sldMk cId="3523129124" sldId="261"/>
-            <ac:spMk id="3" creationId="{DFB105B0-CC7A-98B2-5CEB-7F9B42ACD543}"/>
-          </ac:spMkLst>
-        </pc:spChg>
-        <pc:graphicFrameChg chg="add mod ord modGraphic">
-          <ac:chgData name="Gastbenutzer" userId="" providerId="Windows Live" clId="Web-{BAAE2856-1666-49EA-9A51-4581F51D541F}" dt="2024-01-29T18:01:39.769" v="1060"/>
-          <ac:graphicFrameMkLst>
-            <pc:docMk/>
-            <pc:sldMk cId="3523129124" sldId="261"/>
-            <ac:graphicFrameMk id="4" creationId="{6927C7E2-DE96-4065-C995-68146C5D86E7}"/>
-          </ac:graphicFrameMkLst>
-        </pc:graphicFrameChg>
-      </pc:sldChg>
-    </pc:docChg>
-  </pc:docChgLst>
-  <pc:docChgLst>
-    <pc:chgData name="Kai Paulsen" userId="0e7ab43caa599588" providerId="LiveId" clId="{6BB60726-6C07-42DA-8B7F-0E8393888FEB}"/>
-    <pc:docChg chg="undo custSel modSld">
-      <pc:chgData name="Kai Paulsen" userId="0e7ab43caa599588" providerId="LiveId" clId="{6BB60726-6C07-42DA-8B7F-0E8393888FEB}" dt="2024-01-31T14:43:28.696" v="1584" actId="20577"/>
-      <pc:docMkLst>
-        <pc:docMk/>
-      </pc:docMkLst>
-      <pc:sldChg chg="modSp mod">
-        <pc:chgData name="Kai Paulsen" userId="0e7ab43caa599588" providerId="LiveId" clId="{6BB60726-6C07-42DA-8B7F-0E8393888FEB}" dt="2024-01-31T14:43:28.696" v="1584" actId="20577"/>
-        <pc:sldMkLst>
-          <pc:docMk/>
-          <pc:sldMk cId="2963796953" sldId="258"/>
-        </pc:sldMkLst>
-        <pc:spChg chg="mod">
-          <ac:chgData name="Kai Paulsen" userId="0e7ab43caa599588" providerId="LiveId" clId="{6BB60726-6C07-42DA-8B7F-0E8393888FEB}" dt="2024-01-31T14:43:28.696" v="1584" actId="20577"/>
-          <ac:spMkLst>
-            <pc:docMk/>
-            <pc:sldMk cId="2963796953" sldId="258"/>
-            <ac:spMk id="3" creationId="{ECEE91E5-D454-E410-F4F4-5F9DA10AAFC1}"/>
-          </ac:spMkLst>
-        </pc:spChg>
-      </pc:sldChg>
-      <pc:sldChg chg="modSp mod addCm modCm">
-        <pc:chgData name="Kai Paulsen" userId="0e7ab43caa599588" providerId="LiveId" clId="{6BB60726-6C07-42DA-8B7F-0E8393888FEB}" dt="2024-01-30T18:22:52.312" v="40"/>
-        <pc:sldMkLst>
-          <pc:docMk/>
-          <pc:sldMk cId="448068807" sldId="274"/>
-        </pc:sldMkLst>
-        <pc:spChg chg="mod">
-          <ac:chgData name="Kai Paulsen" userId="0e7ab43caa599588" providerId="LiveId" clId="{6BB60726-6C07-42DA-8B7F-0E8393888FEB}" dt="2024-01-30T18:19:31.981" v="36" actId="20577"/>
-          <ac:spMkLst>
-            <pc:docMk/>
-            <pc:sldMk cId="448068807" sldId="274"/>
-            <ac:spMk id="10" creationId="{093778C6-CE89-8779-CB62-63719B5B5277}"/>
-          </ac:spMkLst>
-        </pc:spChg>
-        <pc:extLst>
-          <p:ext xmlns:p="http://schemas.openxmlformats.org/presentationml/2006/main" uri="{D6D511B9-2390-475A-947B-AFAB55BFBCF1}">
-            <pc226:cmChg xmlns:pc226="http://schemas.microsoft.com/office/powerpoint/2022/06/main/command" chg="mod modRxn">
-              <pc226:chgData name="Kai Paulsen" userId="0e7ab43caa599588" providerId="LiveId" clId="{6BB60726-6C07-42DA-8B7F-0E8393888FEB}" dt="2024-01-30T18:22:52.312" v="40"/>
-              <pc2:cmMkLst xmlns:pc2="http://schemas.microsoft.com/office/powerpoint/2019/9/main/command">
-                <pc:docMk/>
-                <pc:sldMk cId="448068807" sldId="274"/>
-                <pc2:cmMk id="{8148741C-DBBE-4C05-8365-E2C100A666AD}"/>
-              </pc2:cmMkLst>
-            </pc226:cmChg>
-            <pc226:cmChg xmlns:pc226="http://schemas.microsoft.com/office/powerpoint/2022/06/main/command" chg="add mod">
-              <pc226:chgData name="Kai Paulsen" userId="0e7ab43caa599588" providerId="LiveId" clId="{6BB60726-6C07-42DA-8B7F-0E8393888FEB}" dt="2024-01-30T18:22:05.658" v="39"/>
-              <pc2:cmMkLst xmlns:pc2="http://schemas.microsoft.com/office/powerpoint/2019/9/main/command">
-                <pc:docMk/>
-                <pc:sldMk cId="448068807" sldId="274"/>
-                <pc2:cmMk id="{6D797C2C-EB3E-4033-9609-1A14CFCF7E72}"/>
-              </pc2:cmMkLst>
-            </pc226:cmChg>
-          </p:ext>
-        </pc:extLst>
-      </pc:sldChg>
-      <pc:sldChg chg="modSp mod">
-        <pc:chgData name="Kai Paulsen" userId="0e7ab43caa599588" providerId="LiveId" clId="{6BB60726-6C07-42DA-8B7F-0E8393888FEB}" dt="2024-01-30T22:27:16.675" v="1473" actId="20577"/>
-        <pc:sldMkLst>
-          <pc:docMk/>
-          <pc:sldMk cId="2518681882" sldId="276"/>
-        </pc:sldMkLst>
-        <pc:spChg chg="mod">
-          <ac:chgData name="Kai Paulsen" userId="0e7ab43caa599588" providerId="LiveId" clId="{6BB60726-6C07-42DA-8B7F-0E8393888FEB}" dt="2024-01-30T22:27:16.675" v="1473" actId="20577"/>
-          <ac:spMkLst>
-            <pc:docMk/>
-            <pc:sldMk cId="2518681882" sldId="276"/>
-            <ac:spMk id="3" creationId="{8F37F226-0BE4-D765-7F13-3BD0735E3AD4}"/>
-          </ac:spMkLst>
-        </pc:spChg>
-      </pc:sldChg>
-      <pc:sldChg chg="addSp delSp modSp mod">
-        <pc:chgData name="Kai Paulsen" userId="0e7ab43caa599588" providerId="LiveId" clId="{6BB60726-6C07-42DA-8B7F-0E8393888FEB}" dt="2024-01-31T07:52:06.329" v="1548" actId="20577"/>
-        <pc:sldMkLst>
-          <pc:docMk/>
-          <pc:sldMk cId="3882220895" sldId="279"/>
-        </pc:sldMkLst>
-        <pc:spChg chg="mod">
-          <ac:chgData name="Kai Paulsen" userId="0e7ab43caa599588" providerId="LiveId" clId="{6BB60726-6C07-42DA-8B7F-0E8393888FEB}" dt="2024-01-30T21:48:34.691" v="805" actId="20577"/>
-          <ac:spMkLst>
-            <pc:docMk/>
-            <pc:sldMk cId="3882220895" sldId="279"/>
-            <ac:spMk id="2" creationId="{8ED3B311-27CF-10DF-B818-123450C366DE}"/>
-          </ac:spMkLst>
-        </pc:spChg>
-        <pc:spChg chg="del mod">
-          <ac:chgData name="Kai Paulsen" userId="0e7ab43caa599588" providerId="LiveId" clId="{6BB60726-6C07-42DA-8B7F-0E8393888FEB}" dt="2024-01-30T21:15:15.344" v="591" actId="478"/>
-          <ac:spMkLst>
-            <pc:docMk/>
-            <pc:sldMk cId="3882220895" sldId="279"/>
-            <ac:spMk id="5" creationId="{518656DB-2AF9-A3C8-4BFC-04FCB367206B}"/>
-          </ac:spMkLst>
-        </pc:spChg>
-        <pc:graphicFrameChg chg="mod modGraphic">
-          <ac:chgData name="Kai Paulsen" userId="0e7ab43caa599588" providerId="LiveId" clId="{6BB60726-6C07-42DA-8B7F-0E8393888FEB}" dt="2024-01-31T07:52:06.329" v="1548" actId="20577"/>
-          <ac:graphicFrameMkLst>
-            <pc:docMk/>
-            <pc:sldMk cId="3882220895" sldId="279"/>
-            <ac:graphicFrameMk id="4" creationId="{415DC09B-AEE3-9318-5168-F85B2A8D77FC}"/>
-          </ac:graphicFrameMkLst>
-        </pc:graphicFrameChg>
-        <pc:graphicFrameChg chg="add mod">
-          <ac:chgData name="Kai Paulsen" userId="0e7ab43caa599588" providerId="LiveId" clId="{6BB60726-6C07-42DA-8B7F-0E8393888FEB}" dt="2024-01-30T21:23:47.277" v="750" actId="1957"/>
-          <ac:graphicFrameMkLst>
-            <pc:docMk/>
-            <pc:sldMk cId="3882220895" sldId="279"/>
-            <ac:graphicFrameMk id="7" creationId="{F285F11C-F5BF-5DEA-A36B-78898603F018}"/>
-          </ac:graphicFrameMkLst>
-        </pc:graphicFrameChg>
-      </pc:sldChg>
-      <pc:sldChg chg="addSp modSp mod modCm">
-        <pc:chgData name="Kai Paulsen" userId="0e7ab43caa599588" providerId="LiveId" clId="{6BB60726-6C07-42DA-8B7F-0E8393888FEB}" dt="2024-01-30T19:00:34.611" v="232" actId="1076"/>
-        <pc:sldMkLst>
-          <pc:docMk/>
-          <pc:sldMk cId="593199557" sldId="300"/>
-        </pc:sldMkLst>
-        <pc:spChg chg="mod">
-          <ac:chgData name="Kai Paulsen" userId="0e7ab43caa599588" providerId="LiveId" clId="{6BB60726-6C07-42DA-8B7F-0E8393888FEB}" dt="2024-01-30T18:56:58.771" v="226" actId="20577"/>
-          <ac:spMkLst>
-            <pc:docMk/>
-            <pc:sldMk cId="593199557" sldId="300"/>
-            <ac:spMk id="3" creationId="{AAA152DA-D9EA-A019-4C12-C8F1C8EF86D6}"/>
-          </ac:spMkLst>
-        </pc:spChg>
-        <pc:picChg chg="mod">
-          <ac:chgData name="Kai Paulsen" userId="0e7ab43caa599588" providerId="LiveId" clId="{6BB60726-6C07-42DA-8B7F-0E8393888FEB}" dt="2024-01-30T19:00:24.340" v="229" actId="1076"/>
-          <ac:picMkLst>
-            <pc:docMk/>
-            <pc:sldMk cId="593199557" sldId="300"/>
-            <ac:picMk id="5" creationId="{78CBB5AC-FB0B-DB58-1B64-59E2A1ECC6D7}"/>
-          </ac:picMkLst>
-        </pc:picChg>
-        <pc:picChg chg="add mod">
-          <ac:chgData name="Kai Paulsen" userId="0e7ab43caa599588" providerId="LiveId" clId="{6BB60726-6C07-42DA-8B7F-0E8393888FEB}" dt="2024-01-30T19:00:34.611" v="232" actId="1076"/>
-          <ac:picMkLst>
-            <pc:docMk/>
-            <pc:sldMk cId="593199557" sldId="300"/>
-            <ac:picMk id="1026" creationId="{9B3ABE8F-FD50-1D2A-EECA-783121143A4A}"/>
-          </ac:picMkLst>
-        </pc:picChg>
-        <pc:extLst>
-          <p:ext xmlns:p="http://schemas.openxmlformats.org/presentationml/2006/main" uri="{D6D511B9-2390-475A-947B-AFAB55BFBCF1}">
-            <pc226:cmChg xmlns:pc226="http://schemas.microsoft.com/office/powerpoint/2022/06/main/command" chg="mod modRxn">
-              <pc226:chgData name="Kai Paulsen" userId="0e7ab43caa599588" providerId="LiveId" clId="{6BB60726-6C07-42DA-8B7F-0E8393888FEB}" dt="2024-01-30T18:56:58.771" v="226" actId="20577"/>
-              <pc2:cmMkLst xmlns:pc2="http://schemas.microsoft.com/office/powerpoint/2019/9/main/command">
-                <pc:docMk/>
-                <pc:sldMk cId="593199557" sldId="300"/>
-                <pc2:cmMk id="{8C89E2DA-1DF0-4849-8054-EB56B4EC9F3D}"/>
-              </pc2:cmMkLst>
-            </pc226:cmChg>
-          </p:ext>
-        </pc:extLst>
-      </pc:sldChg>
-      <pc:sldChg chg="modSp mod">
-        <pc:chgData name="Kai Paulsen" userId="0e7ab43caa599588" providerId="LiveId" clId="{6BB60726-6C07-42DA-8B7F-0E8393888FEB}" dt="2024-01-30T21:54:34.962" v="940" actId="20577"/>
-        <pc:sldMkLst>
-          <pc:docMk/>
-          <pc:sldMk cId="1153620366" sldId="301"/>
-        </pc:sldMkLst>
-        <pc:graphicFrameChg chg="mod modGraphic">
-          <ac:chgData name="Kai Paulsen" userId="0e7ab43caa599588" providerId="LiveId" clId="{6BB60726-6C07-42DA-8B7F-0E8393888FEB}" dt="2024-01-30T21:54:34.962" v="940" actId="20577"/>
-          <ac:graphicFrameMkLst>
-            <pc:docMk/>
-            <pc:sldMk cId="1153620366" sldId="301"/>
-            <ac:graphicFrameMk id="4" creationId="{5E5B3BA4-84EE-44E3-9E88-10B049F8C58B}"/>
-          </ac:graphicFrameMkLst>
-        </pc:graphicFrameChg>
-      </pc:sldChg>
-      <pc:sldChg chg="modSp mod">
-        <pc:chgData name="Kai Paulsen" userId="0e7ab43caa599588" providerId="LiveId" clId="{6BB60726-6C07-42DA-8B7F-0E8393888FEB}" dt="2024-01-30T21:05:20.914" v="537" actId="20577"/>
-        <pc:sldMkLst>
-          <pc:docMk/>
-          <pc:sldMk cId="1964343491" sldId="313"/>
-        </pc:sldMkLst>
-        <pc:graphicFrameChg chg="modGraphic">
-          <ac:chgData name="Kai Paulsen" userId="0e7ab43caa599588" providerId="LiveId" clId="{6BB60726-6C07-42DA-8B7F-0E8393888FEB}" dt="2024-01-30T21:05:20.914" v="537" actId="20577"/>
-          <ac:graphicFrameMkLst>
-            <pc:docMk/>
-            <pc:sldMk cId="1964343491" sldId="313"/>
-            <ac:graphicFrameMk id="13" creationId="{FC071977-0650-5BB8-0EFC-17FB00EFC4A8}"/>
-          </ac:graphicFrameMkLst>
-        </pc:graphicFrameChg>
-      </pc:sldChg>
-      <pc:sldChg chg="addSp delSp modSp mod">
-        <pc:chgData name="Kai Paulsen" userId="0e7ab43caa599588" providerId="LiveId" clId="{6BB60726-6C07-42DA-8B7F-0E8393888FEB}" dt="2024-01-31T09:35:40.321" v="1583" actId="1076"/>
-        <pc:sldMkLst>
-          <pc:docMk/>
-          <pc:sldMk cId="513038929" sldId="314"/>
-        </pc:sldMkLst>
-        <pc:spChg chg="del">
-          <ac:chgData name="Kai Paulsen" userId="0e7ab43caa599588" providerId="LiveId" clId="{6BB60726-6C07-42DA-8B7F-0E8393888FEB}" dt="2024-01-30T21:12:26.072" v="538" actId="478"/>
-          <ac:spMkLst>
-            <pc:docMk/>
-            <pc:sldMk cId="513038929" sldId="314"/>
-            <ac:spMk id="4" creationId="{61B23186-987B-5E59-FC59-63B31186C26D}"/>
-          </ac:spMkLst>
-        </pc:spChg>
-        <pc:spChg chg="add mod">
-          <ac:chgData name="Kai Paulsen" userId="0e7ab43caa599588" providerId="LiveId" clId="{6BB60726-6C07-42DA-8B7F-0E8393888FEB}" dt="2024-01-31T09:32:23.916" v="1550" actId="1076"/>
-          <ac:spMkLst>
-            <pc:docMk/>
-            <pc:sldMk cId="513038929" sldId="314"/>
-            <ac:spMk id="6" creationId="{AE636F81-00D4-F9B8-51E3-6A75B61A1C60}"/>
-          </ac:spMkLst>
-        </pc:spChg>
-        <pc:picChg chg="add mod">
-          <ac:chgData name="Kai Paulsen" userId="0e7ab43caa599588" providerId="LiveId" clId="{6BB60726-6C07-42DA-8B7F-0E8393888FEB}" dt="2024-01-31T09:35:06.030" v="1577" actId="1076"/>
-          <ac:picMkLst>
-            <pc:docMk/>
-            <pc:sldMk cId="513038929" sldId="314"/>
-            <ac:picMk id="7" creationId="{803CBA2C-EDBB-5BC9-B90E-B9E4C07374F7}"/>
-          </ac:picMkLst>
-        </pc:picChg>
-        <pc:picChg chg="add del mod">
-          <ac:chgData name="Kai Paulsen" userId="0e7ab43caa599588" providerId="LiveId" clId="{6BB60726-6C07-42DA-8B7F-0E8393888FEB}" dt="2024-01-31T09:35:32.803" v="1578" actId="478"/>
-          <ac:picMkLst>
-            <pc:docMk/>
-            <pc:sldMk cId="513038929" sldId="314"/>
-            <ac:picMk id="9" creationId="{85E7E9B8-75FD-0EAB-54D1-A8B00B2714D5}"/>
-          </ac:picMkLst>
-        </pc:picChg>
-        <pc:picChg chg="add mod">
-          <ac:chgData name="Kai Paulsen" userId="0e7ab43caa599588" providerId="LiveId" clId="{6BB60726-6C07-42DA-8B7F-0E8393888FEB}" dt="2024-01-31T09:35:40.321" v="1583" actId="1076"/>
-          <ac:picMkLst>
-            <pc:docMk/>
-            <pc:sldMk cId="513038929" sldId="314"/>
-            <ac:picMk id="11" creationId="{C2DD9410-78C7-025C-C130-5D4BB0C0975C}"/>
-          </ac:picMkLst>
-        </pc:picChg>
-      </pc:sldChg>
-      <pc:sldChg chg="addSp delSp modSp mod modShow">
-        <pc:chgData name="Kai Paulsen" userId="0e7ab43caa599588" providerId="LiveId" clId="{6BB60726-6C07-42DA-8B7F-0E8393888FEB}" dt="2024-01-30T22:12:24.232" v="1437" actId="20577"/>
-        <pc:sldMkLst>
-          <pc:docMk/>
-          <pc:sldMk cId="1758365103" sldId="315"/>
-        </pc:sldMkLst>
-        <pc:spChg chg="mod">
-          <ac:chgData name="Kai Paulsen" userId="0e7ab43caa599588" providerId="LiveId" clId="{6BB60726-6C07-42DA-8B7F-0E8393888FEB}" dt="2024-01-30T22:12:24.232" v="1437" actId="20577"/>
-          <ac:spMkLst>
-            <pc:docMk/>
-            <pc:sldMk cId="1758365103" sldId="315"/>
-            <ac:spMk id="3" creationId="{5EA6194D-DDBB-A688-9E26-CD7A6C75E90A}"/>
-          </ac:spMkLst>
-        </pc:spChg>
-        <pc:spChg chg="add del mod">
-          <ac:chgData name="Kai Paulsen" userId="0e7ab43caa599588" providerId="LiveId" clId="{6BB60726-6C07-42DA-8B7F-0E8393888FEB}" dt="2024-01-30T22:10:57.998" v="1214"/>
-          <ac:spMkLst>
-            <pc:docMk/>
-            <pc:sldMk cId="1758365103" sldId="315"/>
-            <ac:spMk id="4" creationId="{BD7B769F-A442-5CFA-8520-20154CD2FEA4}"/>
-          </ac:spMkLst>
-        </pc:spChg>
-      </pc:sldChg>
-    </pc:docChg>
-  </pc:docChgLst>
-  <pc:docChgLst>
-    <pc:chgData name="Gastbenutzer" providerId="Windows Live" clId="Web-{A72A59E3-C61A-4367-82C4-5F4421D262F4}"/>
-    <pc:docChg chg="modSld">
-      <pc:chgData name="Gastbenutzer" userId="" providerId="Windows Live" clId="Web-{A72A59E3-C61A-4367-82C4-5F4421D262F4}" dt="2024-01-29T21:54:42.276" v="1024" actId="1076"/>
-      <pc:docMkLst>
-        <pc:docMk/>
-      </pc:docMkLst>
-      <pc:sldChg chg="addSp delSp modSp mod setBg">
-        <pc:chgData name="Gastbenutzer" userId="" providerId="Windows Live" clId="Web-{A72A59E3-C61A-4367-82C4-5F4421D262F4}" dt="2024-01-29T19:11:29.109" v="947" actId="14100"/>
-        <pc:sldMkLst>
-          <pc:docMk/>
-          <pc:sldMk cId="3523129124" sldId="261"/>
-        </pc:sldMkLst>
-        <pc:spChg chg="mod">
-          <ac:chgData name="Gastbenutzer" userId="" providerId="Windows Live" clId="Web-{A72A59E3-C61A-4367-82C4-5F4421D262F4}" dt="2024-01-29T18:12:18.760" v="96"/>
-          <ac:spMkLst>
-            <pc:docMk/>
-            <pc:sldMk cId="3523129124" sldId="261"/>
-            <ac:spMk id="2" creationId="{8F4B0FED-1089-ED88-4BC9-FDE6359A4B84}"/>
-          </ac:spMkLst>
-        </pc:spChg>
-        <pc:spChg chg="mod">
-          <ac:chgData name="Gastbenutzer" userId="" providerId="Windows Live" clId="Web-{A72A59E3-C61A-4367-82C4-5F4421D262F4}" dt="2024-01-29T18:48:16.843" v="890" actId="20577"/>
-          <ac:spMkLst>
-            <pc:docMk/>
-            <pc:sldMk cId="3523129124" sldId="261"/>
-            <ac:spMk id="3" creationId="{DFB105B0-CC7A-98B2-5CEB-7F9B42ACD543}"/>
-          </ac:spMkLst>
-        </pc:spChg>
-        <pc:spChg chg="add del">
-          <ac:chgData name="Gastbenutzer" userId="" providerId="Windows Live" clId="Web-{A72A59E3-C61A-4367-82C4-5F4421D262F4}" dt="2024-01-29T18:12:18.760" v="96"/>
-          <ac:spMkLst>
-            <pc:docMk/>
-            <pc:sldMk cId="3523129124" sldId="261"/>
-            <ac:spMk id="11" creationId="{84DF55BE-B4AB-4BA1-BDE1-E9F7FB3F110A}"/>
-          </ac:spMkLst>
-        </pc:spChg>
-        <pc:graphicFrameChg chg="mod ord modGraphic">
-          <ac:chgData name="Gastbenutzer" userId="" providerId="Windows Live" clId="Web-{A72A59E3-C61A-4367-82C4-5F4421D262F4}" dt="2024-01-29T18:12:18.760" v="96"/>
-          <ac:graphicFrameMkLst>
-            <pc:docMk/>
-            <pc:sldMk cId="3523129124" sldId="261"/>
-            <ac:graphicFrameMk id="4" creationId="{6927C7E2-DE96-4065-C995-68146C5D86E7}"/>
-          </ac:graphicFrameMkLst>
-        </pc:graphicFrameChg>
-        <pc:picChg chg="add del mod">
-          <ac:chgData name="Gastbenutzer" userId="" providerId="Windows Live" clId="Web-{A72A59E3-C61A-4367-82C4-5F4421D262F4}" dt="2024-01-29T18:11:09.179" v="90"/>
-          <ac:picMkLst>
-            <pc:docMk/>
-            <pc:sldMk cId="3523129124" sldId="261"/>
-            <ac:picMk id="5" creationId="{081CA860-41CB-CC69-7ACF-14F8CFA82701}"/>
-          </ac:picMkLst>
-        </pc:picChg>
-        <pc:picChg chg="add mod">
-          <ac:chgData name="Gastbenutzer" userId="" providerId="Windows Live" clId="Web-{A72A59E3-C61A-4367-82C4-5F4421D262F4}" dt="2024-01-29T18:12:18.760" v="96"/>
-          <ac:picMkLst>
-            <pc:docMk/>
-            <pc:sldMk cId="3523129124" sldId="261"/>
-            <ac:picMk id="6" creationId="{9F4BD5DC-7EA6-9BA2-4927-F4F4CA8445AF}"/>
-          </ac:picMkLst>
-        </pc:picChg>
-        <pc:picChg chg="add mod">
-          <ac:chgData name="Gastbenutzer" userId="" providerId="Windows Live" clId="Web-{A72A59E3-C61A-4367-82C4-5F4421D262F4}" dt="2024-01-29T18:50:39.052" v="899" actId="1076"/>
-          <ac:picMkLst>
-            <pc:docMk/>
-            <pc:sldMk cId="3523129124" sldId="261"/>
-            <ac:picMk id="7" creationId="{AFD9CC8C-99A5-8213-6471-01FC1869599E}"/>
-          </ac:picMkLst>
-        </pc:picChg>
-        <pc:picChg chg="add mod">
-          <ac:chgData name="Gastbenutzer" userId="" providerId="Windows Live" clId="Web-{A72A59E3-C61A-4367-82C4-5F4421D262F4}" dt="2024-01-29T19:11:29.109" v="947" actId="14100"/>
-          <ac:picMkLst>
-            <pc:docMk/>
-            <pc:sldMk cId="3523129124" sldId="261"/>
-            <ac:picMk id="8" creationId="{085861C0-6642-C42D-C197-C9C5B4878C5B}"/>
-          </ac:picMkLst>
-        </pc:picChg>
-      </pc:sldChg>
-      <pc:sldChg chg="modSp">
-        <pc:chgData name="Gastbenutzer" userId="" providerId="Windows Live" clId="Web-{A72A59E3-C61A-4367-82C4-5F4421D262F4}" dt="2024-01-29T20:49:59.207" v="1020" actId="20577"/>
-        <pc:sldMkLst>
-          <pc:docMk/>
-          <pc:sldMk cId="1274738910" sldId="264"/>
-        </pc:sldMkLst>
-        <pc:spChg chg="mod">
-          <ac:chgData name="Gastbenutzer" userId="" providerId="Windows Live" clId="Web-{A72A59E3-C61A-4367-82C4-5F4421D262F4}" dt="2024-01-29T20:49:59.207" v="1020" actId="20577"/>
-          <ac:spMkLst>
-            <pc:docMk/>
-            <pc:sldMk cId="1274738910" sldId="264"/>
-            <ac:spMk id="3" creationId="{9E26FB3A-B6B0-94F5-E87B-CD2CB4E0F597}"/>
-          </ac:spMkLst>
-        </pc:spChg>
-      </pc:sldChg>
-      <pc:sldChg chg="addSp modSp">
-        <pc:chgData name="Gastbenutzer" userId="" providerId="Windows Live" clId="Web-{A72A59E3-C61A-4367-82C4-5F4421D262F4}" dt="2024-01-29T20:44:10.761" v="997" actId="20577"/>
-        <pc:sldMkLst>
-          <pc:docMk/>
-          <pc:sldMk cId="448068807" sldId="274"/>
-        </pc:sldMkLst>
-        <pc:spChg chg="mod">
-          <ac:chgData name="Gastbenutzer" userId="" providerId="Windows Live" clId="Web-{A72A59E3-C61A-4367-82C4-5F4421D262F4}" dt="2024-01-29T18:12:57.293" v="98" actId="20577"/>
-          <ac:spMkLst>
-            <pc:docMk/>
-            <pc:sldMk cId="448068807" sldId="274"/>
-            <ac:spMk id="2" creationId="{7A8DA27D-7109-7FEE-A237-33EAFBEC89ED}"/>
-          </ac:spMkLst>
-        </pc:spChg>
-        <pc:spChg chg="mod">
-          <ac:chgData name="Gastbenutzer" userId="" providerId="Windows Live" clId="Web-{A72A59E3-C61A-4367-82C4-5F4421D262F4}" dt="2024-01-29T20:44:10.761" v="997" actId="20577"/>
-          <ac:spMkLst>
-            <pc:docMk/>
-            <pc:sldMk cId="448068807" sldId="274"/>
-            <ac:spMk id="3" creationId="{B112DF82-0372-607D-6D93-3479A6563A5C}"/>
-          </ac:spMkLst>
-        </pc:spChg>
-        <pc:graphicFrameChg chg="add mod modGraphic">
-          <ac:chgData name="Gastbenutzer" userId="" providerId="Windows Live" clId="Web-{A72A59E3-C61A-4367-82C4-5F4421D262F4}" dt="2024-01-29T20:43:47.713" v="994"/>
-          <ac:graphicFrameMkLst>
-            <pc:docMk/>
-            <pc:sldMk cId="448068807" sldId="274"/>
-            <ac:graphicFrameMk id="5" creationId="{875BF3BA-846B-0FE1-BCA8-8BABAF6EB44F}"/>
-          </ac:graphicFrameMkLst>
-        </pc:graphicFrameChg>
-        <pc:picChg chg="add mod">
-          <ac:chgData name="Gastbenutzer" userId="" providerId="Windows Live" clId="Web-{A72A59E3-C61A-4367-82C4-5F4421D262F4}" dt="2024-01-29T18:48:51.078" v="896" actId="1076"/>
-          <ac:picMkLst>
-            <pc:docMk/>
-            <pc:sldMk cId="448068807" sldId="274"/>
-            <ac:picMk id="6" creationId="{9D258C9D-DD61-F3F1-6013-E5E8A24139B3}"/>
-          </ac:picMkLst>
-        </pc:picChg>
-        <pc:picChg chg="add mod">
-          <ac:chgData name="Gastbenutzer" userId="" providerId="Windows Live" clId="Web-{A72A59E3-C61A-4367-82C4-5F4421D262F4}" dt="2024-01-29T18:48:49.344" v="895" actId="1076"/>
-          <ac:picMkLst>
-            <pc:docMk/>
-            <pc:sldMk cId="448068807" sldId="274"/>
-            <ac:picMk id="7" creationId="{FD2D6A0E-3A44-19AD-C99A-D1D977EA281D}"/>
-          </ac:picMkLst>
-        </pc:picChg>
-        <pc:picChg chg="add mod">
-          <ac:chgData name="Gastbenutzer" userId="" providerId="Windows Live" clId="Web-{A72A59E3-C61A-4367-82C4-5F4421D262F4}" dt="2024-01-29T19:14:18.007" v="954" actId="1076"/>
-          <ac:picMkLst>
-            <pc:docMk/>
-            <pc:sldMk cId="448068807" sldId="274"/>
-            <ac:picMk id="8" creationId="{14E72038-E4C3-3A0F-7A43-08B0C3D93F23}"/>
-          </ac:picMkLst>
-        </pc:picChg>
-      </pc:sldChg>
-      <pc:sldChg chg="addSp modSp">
-        <pc:chgData name="Gastbenutzer" userId="" providerId="Windows Live" clId="Web-{A72A59E3-C61A-4367-82C4-5F4421D262F4}" dt="2024-01-29T19:01:44.348" v="942" actId="1076"/>
-        <pc:sldMkLst>
-          <pc:docMk/>
-          <pc:sldMk cId="163745005" sldId="282"/>
-        </pc:sldMkLst>
-        <pc:spChg chg="mod">
-          <ac:chgData name="Gastbenutzer" userId="" providerId="Windows Live" clId="Web-{A72A59E3-C61A-4367-82C4-5F4421D262F4}" dt="2024-01-29T18:14:42.985" v="109" actId="20577"/>
-          <ac:spMkLst>
-            <pc:docMk/>
-            <pc:sldMk cId="163745005" sldId="282"/>
-            <ac:spMk id="2" creationId="{EFC7155D-73D2-D1E0-49C6-327809F9EBEA}"/>
-          </ac:spMkLst>
-        </pc:spChg>
-        <pc:spChg chg="mod">
-          <ac:chgData name="Gastbenutzer" userId="" providerId="Windows Live" clId="Web-{A72A59E3-C61A-4367-82C4-5F4421D262F4}" dt="2024-01-29T18:44:10.691" v="688" actId="14100"/>
-          <ac:spMkLst>
-            <pc:docMk/>
-            <pc:sldMk cId="163745005" sldId="282"/>
-            <ac:spMk id="3" creationId="{E9FCA4B2-9998-9DBE-004B-CDCF6F273C3D}"/>
-          </ac:spMkLst>
-        </pc:spChg>
-        <pc:graphicFrameChg chg="add mod modGraphic">
-          <ac:chgData name="Gastbenutzer" userId="" providerId="Windows Live" clId="Web-{A72A59E3-C61A-4367-82C4-5F4421D262F4}" dt="2024-01-29T18:59:28.154" v="937"/>
-          <ac:graphicFrameMkLst>
-            <pc:docMk/>
-            <pc:sldMk cId="163745005" sldId="282"/>
-            <ac:graphicFrameMk id="5" creationId="{9F0935ED-27AE-6623-E5F9-E320C8A68577}"/>
-          </ac:graphicFrameMkLst>
-        </pc:graphicFrameChg>
-        <pc:picChg chg="add mod">
-          <ac:chgData name="Gastbenutzer" userId="" providerId="Windows Live" clId="Web-{A72A59E3-C61A-4367-82C4-5F4421D262F4}" dt="2024-01-29T19:01:44.348" v="942" actId="1076"/>
-          <ac:picMkLst>
-            <pc:docMk/>
-            <pc:sldMk cId="163745005" sldId="282"/>
-            <ac:picMk id="6" creationId="{1EEE7D98-6A95-89CD-D7F3-E29E02F521A1}"/>
-          </ac:picMkLst>
-        </pc:picChg>
-      </pc:sldChg>
-      <pc:sldChg chg="addSp delSp modSp">
-        <pc:chgData name="Gastbenutzer" userId="" providerId="Windows Live" clId="Web-{A72A59E3-C61A-4367-82C4-5F4421D262F4}" dt="2024-01-29T21:54:42.276" v="1024" actId="1076"/>
-        <pc:sldMkLst>
-          <pc:docMk/>
-          <pc:sldMk cId="3215288702" sldId="287"/>
-        </pc:sldMkLst>
-        <pc:spChg chg="del">
-          <ac:chgData name="Gastbenutzer" userId="" providerId="Windows Live" clId="Web-{A72A59E3-C61A-4367-82C4-5F4421D262F4}" dt="2024-01-29T21:53:24.945" v="1021"/>
-          <ac:spMkLst>
-            <pc:docMk/>
-            <pc:sldMk cId="3215288702" sldId="287"/>
-            <ac:spMk id="3" creationId="{6ADC3A88-49E9-F008-8088-020FEB025B03}"/>
-          </ac:spMkLst>
-        </pc:spChg>
-        <pc:spChg chg="del">
-          <ac:chgData name="Gastbenutzer" userId="" providerId="Windows Live" clId="Web-{A72A59E3-C61A-4367-82C4-5F4421D262F4}" dt="2024-01-29T21:53:34.945" v="1023"/>
-          <ac:spMkLst>
-            <pc:docMk/>
-            <pc:sldMk cId="3215288702" sldId="287"/>
-            <ac:spMk id="4" creationId="{5018D367-C16F-01A4-AA8C-3339EEAE6350}"/>
-          </ac:spMkLst>
-        </pc:spChg>
-        <pc:picChg chg="add mod ord">
-          <ac:chgData name="Gastbenutzer" userId="" providerId="Windows Live" clId="Web-{A72A59E3-C61A-4367-82C4-5F4421D262F4}" dt="2024-01-29T21:54:42.276" v="1024" actId="1076"/>
-          <ac:picMkLst>
-            <pc:docMk/>
-            <pc:sldMk cId="3215288702" sldId="287"/>
-            <ac:picMk id="5" creationId="{DC04271E-A58A-FD65-613E-3628868E663E}"/>
-          </ac:picMkLst>
-        </pc:picChg>
-      </pc:sldChg>
-    </pc:docChg>
-  </pc:docChgLst>
-  <pc:docChgLst>
-    <pc:chgData name="Ejoel Metz" userId="4ada848ac625ad4f" providerId="LiveId" clId="{2FA20157-E94F-48A0-9B17-A348EC1C688C}"/>
-    <pc:docChg chg="custSel addSld delSld modSld modSection">
-      <pc:chgData name="Ejoel Metz" userId="4ada848ac625ad4f" providerId="LiveId" clId="{2FA20157-E94F-48A0-9B17-A348EC1C688C}" dt="2024-01-31T17:08:08.762" v="207" actId="20577"/>
-      <pc:docMkLst>
-        <pc:docMk/>
-      </pc:docMkLst>
-      <pc:sldChg chg="delSp mod">
-        <pc:chgData name="Ejoel Metz" userId="4ada848ac625ad4f" providerId="LiveId" clId="{2FA20157-E94F-48A0-9B17-A348EC1C688C}" dt="2024-01-31T15:36:12.621" v="0" actId="478"/>
-        <pc:sldMkLst>
-          <pc:docMk/>
-          <pc:sldMk cId="328641436" sldId="256"/>
-        </pc:sldMkLst>
-        <pc:spChg chg="del">
-          <ac:chgData name="Ejoel Metz" userId="4ada848ac625ad4f" providerId="LiveId" clId="{2FA20157-E94F-48A0-9B17-A348EC1C688C}" dt="2024-01-31T15:36:12.621" v="0" actId="478"/>
-          <ac:spMkLst>
-            <pc:docMk/>
-            <pc:sldMk cId="328641436" sldId="256"/>
-            <ac:spMk id="6" creationId="{5B598F3D-A829-38CF-9FB5-AB77DFE037E2}"/>
-          </ac:spMkLst>
-        </pc:spChg>
-      </pc:sldChg>
-      <pc:sldChg chg="del">
-        <pc:chgData name="Ejoel Metz" userId="4ada848ac625ad4f" providerId="LiveId" clId="{2FA20157-E94F-48A0-9B17-A348EC1C688C}" dt="2024-01-31T15:37:57.515" v="19" actId="2696"/>
-        <pc:sldMkLst>
-          <pc:docMk/>
-          <pc:sldMk cId="177289374" sldId="257"/>
-        </pc:sldMkLst>
-      </pc:sldChg>
-      <pc:sldChg chg="delSp mod">
-        <pc:chgData name="Ejoel Metz" userId="4ada848ac625ad4f" providerId="LiveId" clId="{2FA20157-E94F-48A0-9B17-A348EC1C688C}" dt="2024-01-31T15:36:15.974" v="1" actId="478"/>
-        <pc:sldMkLst>
-          <pc:docMk/>
-          <pc:sldMk cId="2963796953" sldId="258"/>
-        </pc:sldMkLst>
-        <pc:spChg chg="del">
-          <ac:chgData name="Ejoel Metz" userId="4ada848ac625ad4f" providerId="LiveId" clId="{2FA20157-E94F-48A0-9B17-A348EC1C688C}" dt="2024-01-31T15:36:15.974" v="1" actId="478"/>
-          <ac:spMkLst>
-            <pc:docMk/>
-            <pc:sldMk cId="2963796953" sldId="258"/>
-            <ac:spMk id="6" creationId="{C034B9F6-DCA3-DBFC-9BAA-61C0953AFEA8}"/>
-          </ac:spMkLst>
-        </pc:spChg>
-      </pc:sldChg>
-      <pc:sldChg chg="delSp mod">
-        <pc:chgData name="Ejoel Metz" userId="4ada848ac625ad4f" providerId="LiveId" clId="{2FA20157-E94F-48A0-9B17-A348EC1C688C}" dt="2024-01-31T15:36:18.345" v="2" actId="478"/>
-        <pc:sldMkLst>
-          <pc:docMk/>
-          <pc:sldMk cId="1342146163" sldId="259"/>
-        </pc:sldMkLst>
-        <pc:spChg chg="del">
-          <ac:chgData name="Ejoel Metz" userId="4ada848ac625ad4f" providerId="LiveId" clId="{2FA20157-E94F-48A0-9B17-A348EC1C688C}" dt="2024-01-31T15:36:18.345" v="2" actId="478"/>
-          <ac:spMkLst>
-            <pc:docMk/>
-            <pc:sldMk cId="1342146163" sldId="259"/>
-            <ac:spMk id="6" creationId="{8A60F2CB-CBA7-105E-D364-8129D2C24C01}"/>
-          </ac:spMkLst>
-        </pc:spChg>
-      </pc:sldChg>
-      <pc:sldChg chg="delSp modSp mod">
-        <pc:chgData name="Ejoel Metz" userId="4ada848ac625ad4f" providerId="LiveId" clId="{2FA20157-E94F-48A0-9B17-A348EC1C688C}" dt="2024-01-31T15:36:24.480" v="4" actId="478"/>
-        <pc:sldMkLst>
-          <pc:docMk/>
-          <pc:sldMk cId="656741815" sldId="260"/>
-        </pc:sldMkLst>
-        <pc:spChg chg="del mod">
-          <ac:chgData name="Ejoel Metz" userId="4ada848ac625ad4f" providerId="LiveId" clId="{2FA20157-E94F-48A0-9B17-A348EC1C688C}" dt="2024-01-31T15:36:24.480" v="4" actId="478"/>
-          <ac:spMkLst>
-            <pc:docMk/>
-            <pc:sldMk cId="656741815" sldId="260"/>
-            <ac:spMk id="6" creationId="{DB503709-8955-E292-1C4B-FDAFB47A361D}"/>
-          </ac:spMkLst>
-        </pc:spChg>
-      </pc:sldChg>
-      <pc:sldChg chg="del">
-        <pc:chgData name="Ejoel Metz" userId="4ada848ac625ad4f" providerId="LiveId" clId="{2FA20157-E94F-48A0-9B17-A348EC1C688C}" dt="2024-01-31T15:37:31.144" v="14" actId="2696"/>
-        <pc:sldMkLst>
-          <pc:docMk/>
-          <pc:sldMk cId="1274738910" sldId="264"/>
-        </pc:sldMkLst>
-      </pc:sldChg>
-      <pc:sldChg chg="delSp mod">
-        <pc:chgData name="Ejoel Metz" userId="4ada848ac625ad4f" providerId="LiveId" clId="{2FA20157-E94F-48A0-9B17-A348EC1C688C}" dt="2024-01-31T15:37:00.565" v="13" actId="478"/>
-        <pc:sldMkLst>
-          <pc:docMk/>
-          <pc:sldMk cId="1690311310" sldId="266"/>
-        </pc:sldMkLst>
-        <pc:spChg chg="del">
-          <ac:chgData name="Ejoel Metz" userId="4ada848ac625ad4f" providerId="LiveId" clId="{2FA20157-E94F-48A0-9B17-A348EC1C688C}" dt="2024-01-31T15:37:00.565" v="13" actId="478"/>
-          <ac:spMkLst>
-            <pc:docMk/>
-            <pc:sldMk cId="1690311310" sldId="266"/>
-            <ac:spMk id="6" creationId="{068190F7-FCE5-B803-E48B-B8EA39BFF16C}"/>
-          </ac:spMkLst>
-        </pc:spChg>
-      </pc:sldChg>
-      <pc:sldChg chg="del">
-        <pc:chgData name="Ejoel Metz" userId="4ada848ac625ad4f" providerId="LiveId" clId="{2FA20157-E94F-48A0-9B17-A348EC1C688C}" dt="2024-01-31T15:37:44.162" v="16" actId="2696"/>
-        <pc:sldMkLst>
-          <pc:docMk/>
-          <pc:sldMk cId="448068807" sldId="274"/>
-        </pc:sldMkLst>
-      </pc:sldChg>
-      <pc:sldChg chg="del">
-        <pc:chgData name="Ejoel Metz" userId="4ada848ac625ad4f" providerId="LiveId" clId="{2FA20157-E94F-48A0-9B17-A348EC1C688C}" dt="2024-01-31T15:37:31.144" v="14" actId="2696"/>
-        <pc:sldMkLst>
-          <pc:docMk/>
-          <pc:sldMk cId="1975849648" sldId="275"/>
-        </pc:sldMkLst>
-      </pc:sldChg>
-      <pc:sldChg chg="delSp mod delCm">
-        <pc:chgData name="Ejoel Metz" userId="4ada848ac625ad4f" providerId="LiveId" clId="{2FA20157-E94F-48A0-9B17-A348EC1C688C}" dt="2024-01-31T15:38:09.284" v="20"/>
-        <pc:sldMkLst>
-          <pc:docMk/>
-          <pc:sldMk cId="2518681882" sldId="276"/>
-        </pc:sldMkLst>
-        <pc:spChg chg="del">
-          <ac:chgData name="Ejoel Metz" userId="4ada848ac625ad4f" providerId="LiveId" clId="{2FA20157-E94F-48A0-9B17-A348EC1C688C}" dt="2024-01-31T15:36:56.752" v="12" actId="478"/>
-          <ac:spMkLst>
-            <pc:docMk/>
-            <pc:sldMk cId="2518681882" sldId="276"/>
-            <ac:spMk id="6" creationId="{F53C3E74-BFB8-992F-268C-3BFD7F1E57DB}"/>
-          </ac:spMkLst>
-        </pc:spChg>
-        <pc:extLst>
-          <p:ext xmlns:p="http://schemas.openxmlformats.org/presentationml/2006/main" uri="{D6D511B9-2390-475A-947B-AFAB55BFBCF1}">
-            <pc226:cmChg xmlns:pc226="http://schemas.microsoft.com/office/powerpoint/2022/06/main/command" chg="del">
-              <pc226:chgData name="Ejoel Metz" userId="4ada848ac625ad4f" providerId="LiveId" clId="{2FA20157-E94F-48A0-9B17-A348EC1C688C}" dt="2024-01-31T15:38:09.284" v="20"/>
-              <pc2:cmMkLst xmlns:pc2="http://schemas.microsoft.com/office/powerpoint/2019/9/main/command">
-                <pc:docMk/>
-                <pc:sldMk cId="2518681882" sldId="276"/>
-                <pc2:cmMk id="{34CE1540-DF4D-4A23-B1F0-7E299BCB5F6B}"/>
-              </pc2:cmMkLst>
-            </pc226:cmChg>
-          </p:ext>
-        </pc:extLst>
-      </pc:sldChg>
-      <pc:sldChg chg="delSp mod">
-        <pc:chgData name="Ejoel Metz" userId="4ada848ac625ad4f" providerId="LiveId" clId="{2FA20157-E94F-48A0-9B17-A348EC1C688C}" dt="2024-01-31T15:36:49.313" v="10" actId="478"/>
-        <pc:sldMkLst>
-          <pc:docMk/>
-          <pc:sldMk cId="3882220895" sldId="279"/>
-        </pc:sldMkLst>
-        <pc:spChg chg="del">
-          <ac:chgData name="Ejoel Metz" userId="4ada848ac625ad4f" providerId="LiveId" clId="{2FA20157-E94F-48A0-9B17-A348EC1C688C}" dt="2024-01-31T15:36:49.313" v="10" actId="478"/>
-          <ac:spMkLst>
-            <pc:docMk/>
-            <pc:sldMk cId="3882220895" sldId="279"/>
-            <ac:spMk id="6" creationId="{8519CD55-C570-42BA-408C-0713E663E563}"/>
-          </ac:spMkLst>
-        </pc:spChg>
-      </pc:sldChg>
-      <pc:sldChg chg="del">
-        <pc:chgData name="Ejoel Metz" userId="4ada848ac625ad4f" providerId="LiveId" clId="{2FA20157-E94F-48A0-9B17-A348EC1C688C}" dt="2024-01-31T15:37:38.166" v="15" actId="2696"/>
-        <pc:sldMkLst>
-          <pc:docMk/>
-          <pc:sldMk cId="2878171971" sldId="280"/>
-        </pc:sldMkLst>
-      </pc:sldChg>
-      <pc:sldChg chg="del">
-        <pc:chgData name="Ejoel Metz" userId="4ada848ac625ad4f" providerId="LiveId" clId="{2FA20157-E94F-48A0-9B17-A348EC1C688C}" dt="2024-01-31T15:37:38.166" v="15" actId="2696"/>
-        <pc:sldMkLst>
-          <pc:docMk/>
-          <pc:sldMk cId="572717375" sldId="281"/>
-        </pc:sldMkLst>
-      </pc:sldChg>
-      <pc:sldChg chg="del">
-        <pc:chgData name="Ejoel Metz" userId="4ada848ac625ad4f" providerId="LiveId" clId="{2FA20157-E94F-48A0-9B17-A348EC1C688C}" dt="2024-01-31T15:37:44.162" v="16" actId="2696"/>
-        <pc:sldMkLst>
-          <pc:docMk/>
-          <pc:sldMk cId="4194784703" sldId="283"/>
-        </pc:sldMkLst>
-      </pc:sldChg>
-      <pc:sldChg chg="delSp modSp mod">
-        <pc:chgData name="Ejoel Metz" userId="4ada848ac625ad4f" providerId="LiveId" clId="{2FA20157-E94F-48A0-9B17-A348EC1C688C}" dt="2024-01-31T15:38:42.187" v="28" actId="20577"/>
-        <pc:sldMkLst>
-          <pc:docMk/>
-          <pc:sldMk cId="2579595441" sldId="285"/>
-        </pc:sldMkLst>
-        <pc:spChg chg="mod">
-          <ac:chgData name="Ejoel Metz" userId="4ada848ac625ad4f" providerId="LiveId" clId="{2FA20157-E94F-48A0-9B17-A348EC1C688C}" dt="2024-01-31T15:38:42.187" v="28" actId="20577"/>
-          <ac:spMkLst>
-            <pc:docMk/>
-            <pc:sldMk cId="2579595441" sldId="285"/>
-            <ac:spMk id="5" creationId="{26613AAA-6582-5B4F-E423-F6047C7F99C1}"/>
-          </ac:spMkLst>
-        </pc:spChg>
-        <pc:spChg chg="del">
-          <ac:chgData name="Ejoel Metz" userId="4ada848ac625ad4f" providerId="LiveId" clId="{2FA20157-E94F-48A0-9B17-A348EC1C688C}" dt="2024-01-31T15:36:28.221" v="5" actId="478"/>
-          <ac:spMkLst>
-            <pc:docMk/>
-            <pc:sldMk cId="2579595441" sldId="285"/>
-            <ac:spMk id="6" creationId="{598640D2-D077-DD2E-44FA-391B6CEAEEB5}"/>
-          </ac:spMkLst>
-        </pc:spChg>
-      </pc:sldChg>
-      <pc:sldChg chg="del">
-        <pc:chgData name="Ejoel Metz" userId="4ada848ac625ad4f" providerId="LiveId" clId="{2FA20157-E94F-48A0-9B17-A348EC1C688C}" dt="2024-01-31T15:37:50.637" v="17" actId="2696"/>
-        <pc:sldMkLst>
-          <pc:docMk/>
-          <pc:sldMk cId="1308439251" sldId="286"/>
-        </pc:sldMkLst>
-      </pc:sldChg>
-      <pc:sldChg chg="del">
-        <pc:chgData name="Ejoel Metz" userId="4ada848ac625ad4f" providerId="LiveId" clId="{2FA20157-E94F-48A0-9B17-A348EC1C688C}" dt="2024-01-31T15:37:50.637" v="17" actId="2696"/>
-        <pc:sldMkLst>
-          <pc:docMk/>
-          <pc:sldMk cId="3215288702" sldId="287"/>
-        </pc:sldMkLst>
-      </pc:sldChg>
-      <pc:sldChg chg="del">
-        <pc:chgData name="Ejoel Metz" userId="4ada848ac625ad4f" providerId="LiveId" clId="{2FA20157-E94F-48A0-9B17-A348EC1C688C}" dt="2024-01-31T15:37:50.637" v="17" actId="2696"/>
-        <pc:sldMkLst>
-          <pc:docMk/>
-          <pc:sldMk cId="2093416994" sldId="288"/>
-        </pc:sldMkLst>
-      </pc:sldChg>
-      <pc:sldChg chg="del">
-        <pc:chgData name="Ejoel Metz" userId="4ada848ac625ad4f" providerId="LiveId" clId="{2FA20157-E94F-48A0-9B17-A348EC1C688C}" dt="2024-01-31T15:37:50.637" v="17" actId="2696"/>
-        <pc:sldMkLst>
-          <pc:docMk/>
-          <pc:sldMk cId="800171112" sldId="289"/>
-        </pc:sldMkLst>
-      </pc:sldChg>
-      <pc:sldChg chg="del">
-        <pc:chgData name="Ejoel Metz" userId="4ada848ac625ad4f" providerId="LiveId" clId="{2FA20157-E94F-48A0-9B17-A348EC1C688C}" dt="2024-01-31T15:37:50.637" v="17" actId="2696"/>
-        <pc:sldMkLst>
-          <pc:docMk/>
-          <pc:sldMk cId="2645587466" sldId="290"/>
-        </pc:sldMkLst>
-      </pc:sldChg>
-      <pc:sldChg chg="del">
-        <pc:chgData name="Ejoel Metz" userId="4ada848ac625ad4f" providerId="LiveId" clId="{2FA20157-E94F-48A0-9B17-A348EC1C688C}" dt="2024-01-31T15:37:53.668" v="18" actId="2696"/>
-        <pc:sldMkLst>
-          <pc:docMk/>
-          <pc:sldMk cId="2477646115" sldId="291"/>
-        </pc:sldMkLst>
-      </pc:sldChg>
-      <pc:sldChg chg="del">
-        <pc:chgData name="Ejoel Metz" userId="4ada848ac625ad4f" providerId="LiveId" clId="{2FA20157-E94F-48A0-9B17-A348EC1C688C}" dt="2024-01-31T15:37:44.162" v="16" actId="2696"/>
-        <pc:sldMkLst>
-          <pc:docMk/>
-          <pc:sldMk cId="2900167316" sldId="292"/>
-        </pc:sldMkLst>
-      </pc:sldChg>
-      <pc:sldChg chg="del">
-        <pc:chgData name="Ejoel Metz" userId="4ada848ac625ad4f" providerId="LiveId" clId="{2FA20157-E94F-48A0-9B17-A348EC1C688C}" dt="2024-01-31T15:37:44.162" v="16" actId="2696"/>
-        <pc:sldMkLst>
-          <pc:docMk/>
-          <pc:sldMk cId="709420364" sldId="293"/>
-        </pc:sldMkLst>
-      </pc:sldChg>
-      <pc:sldChg chg="del">
-        <pc:chgData name="Ejoel Metz" userId="4ada848ac625ad4f" providerId="LiveId" clId="{2FA20157-E94F-48A0-9B17-A348EC1C688C}" dt="2024-01-31T15:37:44.162" v="16" actId="2696"/>
-        <pc:sldMkLst>
-          <pc:docMk/>
-          <pc:sldMk cId="3200367933" sldId="294"/>
-        </pc:sldMkLst>
-      </pc:sldChg>
-      <pc:sldChg chg="del">
-        <pc:chgData name="Ejoel Metz" userId="4ada848ac625ad4f" providerId="LiveId" clId="{2FA20157-E94F-48A0-9B17-A348EC1C688C}" dt="2024-01-31T15:37:44.162" v="16" actId="2696"/>
-        <pc:sldMkLst>
-          <pc:docMk/>
-          <pc:sldMk cId="2165229615" sldId="295"/>
-        </pc:sldMkLst>
-      </pc:sldChg>
-      <pc:sldChg chg="del">
-        <pc:chgData name="Ejoel Metz" userId="4ada848ac625ad4f" providerId="LiveId" clId="{2FA20157-E94F-48A0-9B17-A348EC1C688C}" dt="2024-01-31T15:37:38.166" v="15" actId="2696"/>
-        <pc:sldMkLst>
-          <pc:docMk/>
-          <pc:sldMk cId="1079043620" sldId="296"/>
-        </pc:sldMkLst>
-      </pc:sldChg>
-      <pc:sldChg chg="del">
-        <pc:chgData name="Ejoel Metz" userId="4ada848ac625ad4f" providerId="LiveId" clId="{2FA20157-E94F-48A0-9B17-A348EC1C688C}" dt="2024-01-31T15:37:38.166" v="15" actId="2696"/>
-        <pc:sldMkLst>
-          <pc:docMk/>
-          <pc:sldMk cId="3106446470" sldId="297"/>
-        </pc:sldMkLst>
-      </pc:sldChg>
-      <pc:sldChg chg="del">
-        <pc:chgData name="Ejoel Metz" userId="4ada848ac625ad4f" providerId="LiveId" clId="{2FA20157-E94F-48A0-9B17-A348EC1C688C}" dt="2024-01-31T15:37:44.162" v="16" actId="2696"/>
-        <pc:sldMkLst>
-          <pc:docMk/>
-          <pc:sldMk cId="4270388761" sldId="298"/>
-        </pc:sldMkLst>
-      </pc:sldChg>
-      <pc:sldChg chg="del">
-        <pc:chgData name="Ejoel Metz" userId="4ada848ac625ad4f" providerId="LiveId" clId="{2FA20157-E94F-48A0-9B17-A348EC1C688C}" dt="2024-01-31T15:37:38.166" v="15" actId="2696"/>
-        <pc:sldMkLst>
-          <pc:docMk/>
-          <pc:sldMk cId="2391416282" sldId="299"/>
-        </pc:sldMkLst>
-      </pc:sldChg>
-      <pc:sldChg chg="del">
-        <pc:chgData name="Ejoel Metz" userId="4ada848ac625ad4f" providerId="LiveId" clId="{2FA20157-E94F-48A0-9B17-A348EC1C688C}" dt="2024-01-31T15:37:38.166" v="15" actId="2696"/>
-        <pc:sldMkLst>
-          <pc:docMk/>
-          <pc:sldMk cId="593199557" sldId="300"/>
-        </pc:sldMkLst>
-      </pc:sldChg>
-      <pc:sldChg chg="delSp mod delCm modCm">
-        <pc:chgData name="Ejoel Metz" userId="4ada848ac625ad4f" providerId="LiveId" clId="{2FA20157-E94F-48A0-9B17-A348EC1C688C}" dt="2024-01-31T15:38:18.136" v="23"/>
-        <pc:sldMkLst>
-          <pc:docMk/>
-          <pc:sldMk cId="1153620366" sldId="301"/>
-        </pc:sldMkLst>
-        <pc:spChg chg="del">
-          <ac:chgData name="Ejoel Metz" userId="4ada848ac625ad4f" providerId="LiveId" clId="{2FA20157-E94F-48A0-9B17-A348EC1C688C}" dt="2024-01-31T15:36:53.287" v="11" actId="478"/>
-          <ac:spMkLst>
-            <pc:docMk/>
-            <pc:sldMk cId="1153620366" sldId="301"/>
-            <ac:spMk id="3" creationId="{6857A72C-D5A9-4298-1E45-003349318A8C}"/>
-          </ac:spMkLst>
-        </pc:spChg>
-        <pc:extLst>
-          <p:ext xmlns:p="http://schemas.openxmlformats.org/presentationml/2006/main" uri="{D6D511B9-2390-475A-947B-AFAB55BFBCF1}">
-            <pc226:cmChg xmlns:pc226="http://schemas.microsoft.com/office/powerpoint/2022/06/main/command" chg="del">
-              <pc226:chgData name="Ejoel Metz" userId="4ada848ac625ad4f" providerId="LiveId" clId="{2FA20157-E94F-48A0-9B17-A348EC1C688C}" dt="2024-01-31T15:38:18.136" v="23"/>
-              <pc2:cmMkLst xmlns:pc2="http://schemas.microsoft.com/office/powerpoint/2019/9/main/command">
-                <pc:docMk/>
-                <pc:sldMk cId="1153620366" sldId="301"/>
-                <pc2:cmMk id="{0725BC69-2774-494A-8251-0873F063EBE7}"/>
-              </pc2:cmMkLst>
-            </pc226:cmChg>
-            <pc226:cmChg xmlns:pc226="http://schemas.microsoft.com/office/powerpoint/2022/06/main/command" chg="del mod">
-              <pc226:chgData name="Ejoel Metz" userId="4ada848ac625ad4f" providerId="LiveId" clId="{2FA20157-E94F-48A0-9B17-A348EC1C688C}" dt="2024-01-31T15:38:16.203" v="22"/>
-              <pc2:cmMkLst xmlns:pc2="http://schemas.microsoft.com/office/powerpoint/2019/9/main/command">
-                <pc:docMk/>
-                <pc:sldMk cId="1153620366" sldId="301"/>
-                <pc2:cmMk id="{F01FEFE6-C5FE-449A-9236-9F710BF0EE57}"/>
-              </pc2:cmMkLst>
-            </pc226:cmChg>
-          </p:ext>
-        </pc:extLst>
-      </pc:sldChg>
-      <pc:sldChg chg="del">
-        <pc:chgData name="Ejoel Metz" userId="4ada848ac625ad4f" providerId="LiveId" clId="{2FA20157-E94F-48A0-9B17-A348EC1C688C}" dt="2024-01-31T15:37:38.166" v="15" actId="2696"/>
-        <pc:sldMkLst>
-          <pc:docMk/>
-          <pc:sldMk cId="3778260291" sldId="302"/>
-        </pc:sldMkLst>
-      </pc:sldChg>
-      <pc:sldChg chg="del">
-        <pc:chgData name="Ejoel Metz" userId="4ada848ac625ad4f" providerId="LiveId" clId="{2FA20157-E94F-48A0-9B17-A348EC1C688C}" dt="2024-01-31T15:37:38.166" v="15" actId="2696"/>
-        <pc:sldMkLst>
-          <pc:docMk/>
-          <pc:sldMk cId="2922833108" sldId="303"/>
-        </pc:sldMkLst>
-      </pc:sldChg>
-      <pc:sldChg chg="del">
-        <pc:chgData name="Ejoel Metz" userId="4ada848ac625ad4f" providerId="LiveId" clId="{2FA20157-E94F-48A0-9B17-A348EC1C688C}" dt="2024-01-31T15:37:31.144" v="14" actId="2696"/>
-        <pc:sldMkLst>
-          <pc:docMk/>
-          <pc:sldMk cId="3891013853" sldId="304"/>
-        </pc:sldMkLst>
-      </pc:sldChg>
-      <pc:sldChg chg="del">
-        <pc:chgData name="Ejoel Metz" userId="4ada848ac625ad4f" providerId="LiveId" clId="{2FA20157-E94F-48A0-9B17-A348EC1C688C}" dt="2024-01-31T15:37:31.144" v="14" actId="2696"/>
-        <pc:sldMkLst>
-          <pc:docMk/>
-          <pc:sldMk cId="3565572942" sldId="305"/>
-        </pc:sldMkLst>
-      </pc:sldChg>
-      <pc:sldChg chg="del">
-        <pc:chgData name="Ejoel Metz" userId="4ada848ac625ad4f" providerId="LiveId" clId="{2FA20157-E94F-48A0-9B17-A348EC1C688C}" dt="2024-01-31T15:37:31.144" v="14" actId="2696"/>
-        <pc:sldMkLst>
-          <pc:docMk/>
-          <pc:sldMk cId="3887204146" sldId="306"/>
-        </pc:sldMkLst>
-      </pc:sldChg>
-      <pc:sldChg chg="del">
-        <pc:chgData name="Ejoel Metz" userId="4ada848ac625ad4f" providerId="LiveId" clId="{2FA20157-E94F-48A0-9B17-A348EC1C688C}" dt="2024-01-31T15:37:31.144" v="14" actId="2696"/>
-        <pc:sldMkLst>
-          <pc:docMk/>
-          <pc:sldMk cId="1687668371" sldId="308"/>
-        </pc:sldMkLst>
-      </pc:sldChg>
-      <pc:sldChg chg="del">
-        <pc:chgData name="Ejoel Metz" userId="4ada848ac625ad4f" providerId="LiveId" clId="{2FA20157-E94F-48A0-9B17-A348EC1C688C}" dt="2024-01-31T15:37:31.144" v="14" actId="2696"/>
-        <pc:sldMkLst>
-          <pc:docMk/>
-          <pc:sldMk cId="2181116833" sldId="309"/>
-        </pc:sldMkLst>
-      </pc:sldChg>
-      <pc:sldChg chg="del">
-        <pc:chgData name="Ejoel Metz" userId="4ada848ac625ad4f" providerId="LiveId" clId="{2FA20157-E94F-48A0-9B17-A348EC1C688C}" dt="2024-01-31T15:37:31.144" v="14" actId="2696"/>
-        <pc:sldMkLst>
-          <pc:docMk/>
-          <pc:sldMk cId="978952510" sldId="310"/>
-        </pc:sldMkLst>
-      </pc:sldChg>
-      <pc:sldChg chg="del">
-        <pc:chgData name="Ejoel Metz" userId="4ada848ac625ad4f" providerId="LiveId" clId="{2FA20157-E94F-48A0-9B17-A348EC1C688C}" dt="2024-01-31T15:37:31.144" v="14" actId="2696"/>
-        <pc:sldMkLst>
-          <pc:docMk/>
-          <pc:sldMk cId="4117523037" sldId="311"/>
-        </pc:sldMkLst>
-      </pc:sldChg>
-      <pc:sldChg chg="delSp mod">
-        <pc:chgData name="Ejoel Metz" userId="4ada848ac625ad4f" providerId="LiveId" clId="{2FA20157-E94F-48A0-9B17-A348EC1C688C}" dt="2024-01-31T15:36:33.210" v="6" actId="478"/>
-        <pc:sldMkLst>
-          <pc:docMk/>
-          <pc:sldMk cId="1121658624" sldId="312"/>
-        </pc:sldMkLst>
-        <pc:spChg chg="del">
-          <ac:chgData name="Ejoel Metz" userId="4ada848ac625ad4f" providerId="LiveId" clId="{2FA20157-E94F-48A0-9B17-A348EC1C688C}" dt="2024-01-31T15:36:33.210" v="6" actId="478"/>
-          <ac:spMkLst>
-            <pc:docMk/>
-            <pc:sldMk cId="1121658624" sldId="312"/>
-            <ac:spMk id="4" creationId="{BB46838B-2FF2-1154-D817-8F6746375AD5}"/>
-          </ac:spMkLst>
-        </pc:spChg>
-      </pc:sldChg>
-      <pc:sldChg chg="delSp mod">
-        <pc:chgData name="Ejoel Metz" userId="4ada848ac625ad4f" providerId="LiveId" clId="{2FA20157-E94F-48A0-9B17-A348EC1C688C}" dt="2024-01-31T15:36:36.182" v="7" actId="478"/>
-        <pc:sldMkLst>
-          <pc:docMk/>
-          <pc:sldMk cId="1964343491" sldId="313"/>
-        </pc:sldMkLst>
-        <pc:spChg chg="del">
-          <ac:chgData name="Ejoel Metz" userId="4ada848ac625ad4f" providerId="LiveId" clId="{2FA20157-E94F-48A0-9B17-A348EC1C688C}" dt="2024-01-31T15:36:36.182" v="7" actId="478"/>
-          <ac:spMkLst>
-            <pc:docMk/>
-            <pc:sldMk cId="1964343491" sldId="313"/>
-            <ac:spMk id="2" creationId="{344BBCFB-BFB6-F325-8267-D6E91E616F5E}"/>
-          </ac:spMkLst>
-        </pc:spChg>
-      </pc:sldChg>
-      <pc:sldChg chg="delSp mod">
-        <pc:chgData name="Ejoel Metz" userId="4ada848ac625ad4f" providerId="LiveId" clId="{2FA20157-E94F-48A0-9B17-A348EC1C688C}" dt="2024-01-31T15:36:39.055" v="8" actId="478"/>
-        <pc:sldMkLst>
-          <pc:docMk/>
-          <pc:sldMk cId="513038929" sldId="314"/>
-        </pc:sldMkLst>
-        <pc:spChg chg="del">
-          <ac:chgData name="Ejoel Metz" userId="4ada848ac625ad4f" providerId="LiveId" clId="{2FA20157-E94F-48A0-9B17-A348EC1C688C}" dt="2024-01-31T15:36:39.055" v="8" actId="478"/>
-          <ac:spMkLst>
-            <pc:docMk/>
-            <pc:sldMk cId="513038929" sldId="314"/>
-            <ac:spMk id="3" creationId="{FC32146B-0728-7283-9B2B-41FE83614356}"/>
-          </ac:spMkLst>
-        </pc:spChg>
-      </pc:sldChg>
-      <pc:sldChg chg="del">
-        <pc:chgData name="Ejoel Metz" userId="4ada848ac625ad4f" providerId="LiveId" clId="{2FA20157-E94F-48A0-9B17-A348EC1C688C}" dt="2024-01-31T15:37:31.144" v="14" actId="2696"/>
-        <pc:sldMkLst>
-          <pc:docMk/>
-          <pc:sldMk cId="1758365103" sldId="315"/>
-        </pc:sldMkLst>
-      </pc:sldChg>
-      <pc:sldChg chg="delSp mod">
-        <pc:chgData name="Ejoel Metz" userId="4ada848ac625ad4f" providerId="LiveId" clId="{2FA20157-E94F-48A0-9B17-A348EC1C688C}" dt="2024-01-31T15:36:44.687" v="9" actId="478"/>
-        <pc:sldMkLst>
-          <pc:docMk/>
-          <pc:sldMk cId="1242795397" sldId="316"/>
-        </pc:sldMkLst>
-        <pc:spChg chg="del">
-          <ac:chgData name="Ejoel Metz" userId="4ada848ac625ad4f" providerId="LiveId" clId="{2FA20157-E94F-48A0-9B17-A348EC1C688C}" dt="2024-01-31T15:36:44.687" v="9" actId="478"/>
-          <ac:spMkLst>
-            <pc:docMk/>
-            <pc:sldMk cId="1242795397" sldId="316"/>
-            <ac:spMk id="5" creationId="{057FB622-917F-A7D7-9536-08A39BF8CAA1}"/>
-          </ac:spMkLst>
-        </pc:spChg>
-      </pc:sldChg>
-      <pc:sldChg chg="addSp delSp modSp new mod">
-        <pc:chgData name="Ejoel Metz" userId="4ada848ac625ad4f" providerId="LiveId" clId="{2FA20157-E94F-48A0-9B17-A348EC1C688C}" dt="2024-01-31T17:08:08.762" v="207" actId="20577"/>
-        <pc:sldMkLst>
-          <pc:docMk/>
-          <pc:sldMk cId="3327221666" sldId="317"/>
-        </pc:sldMkLst>
-        <pc:spChg chg="mod">
-          <ac:chgData name="Ejoel Metz" userId="4ada848ac625ad4f" providerId="LiveId" clId="{2FA20157-E94F-48A0-9B17-A348EC1C688C}" dt="2024-01-31T17:08:08.762" v="207" actId="20577"/>
-          <ac:spMkLst>
-            <pc:docMk/>
-            <pc:sldMk cId="3327221666" sldId="317"/>
-            <ac:spMk id="2" creationId="{DA250A9C-777F-DFB7-91DB-8859FDCBD9BE}"/>
-          </ac:spMkLst>
-        </pc:spChg>
-        <pc:spChg chg="add del mod">
-          <ac:chgData name="Ejoel Metz" userId="4ada848ac625ad4f" providerId="LiveId" clId="{2FA20157-E94F-48A0-9B17-A348EC1C688C}" dt="2024-01-31T17:07:59.704" v="205" actId="27636"/>
-          <ac:spMkLst>
-            <pc:docMk/>
-            <pc:sldMk cId="3327221666" sldId="317"/>
-            <ac:spMk id="3" creationId="{F2D5CB4E-44BB-BD99-ECA4-82D990078949}"/>
-          </ac:spMkLst>
-        </pc:spChg>
-      </pc:sldChg>
-    </pc:docChg>
-  </pc:docChgLst>
-  <pc:docChgLst>
-    <pc:chgData name="来宾用户" providerId="Windows Live" clId="Web-{58F3B869-5993-4D29-A1FA-481C16B6B497}"/>
-    <pc:docChg chg="addSld delSld modSld sldOrd modSection">
-      <pc:chgData name="来宾用户" userId="" providerId="Windows Live" clId="Web-{58F3B869-5993-4D29-A1FA-481C16B6B497}" dt="2024-01-30T11:19:27.643" v="805"/>
-      <pc:docMkLst>
-        <pc:docMk/>
-      </pc:docMkLst>
-      <pc:sldChg chg="addSp delSp modSp">
-        <pc:chgData name="来宾用户" userId="" providerId="Windows Live" clId="Web-{58F3B869-5993-4D29-A1FA-481C16B6B497}" dt="2024-01-30T11:19:27.643" v="805"/>
-        <pc:sldMkLst>
-          <pc:docMk/>
-          <pc:sldMk cId="3882220895" sldId="279"/>
-        </pc:sldMkLst>
-        <pc:spChg chg="mod">
-          <ac:chgData name="来宾用户" userId="" providerId="Windows Live" clId="Web-{58F3B869-5993-4D29-A1FA-481C16B6B497}" dt="2024-01-30T11:16:02.075" v="631" actId="1076"/>
-          <ac:spMkLst>
-            <pc:docMk/>
-            <pc:sldMk cId="3882220895" sldId="279"/>
-            <ac:spMk id="5" creationId="{518656DB-2AF9-A3C8-4BFC-04FCB367206B}"/>
-          </ac:spMkLst>
-        </pc:spChg>
-        <pc:graphicFrameChg chg="add del mod modGraphic">
-          <ac:chgData name="来宾用户" userId="" providerId="Windows Live" clId="Web-{58F3B869-5993-4D29-A1FA-481C16B6B497}" dt="2024-01-30T11:12:50.773" v="600"/>
-          <ac:graphicFrameMkLst>
-            <pc:docMk/>
-            <pc:sldMk cId="3882220895" sldId="279"/>
-            <ac:graphicFrameMk id="3" creationId="{D449F675-9CEE-898A-5153-F4EE51971B5B}"/>
-          </ac:graphicFrameMkLst>
-        </pc:graphicFrameChg>
-        <pc:graphicFrameChg chg="mod modGraphic">
-          <ac:chgData name="来宾用户" userId="" providerId="Windows Live" clId="Web-{58F3B869-5993-4D29-A1FA-481C16B6B497}" dt="2024-01-30T11:19:21.439" v="804"/>
-          <ac:graphicFrameMkLst>
-            <pc:docMk/>
-            <pc:sldMk cId="3882220895" sldId="279"/>
-            <ac:graphicFrameMk id="4" creationId="{415DC09B-AEE3-9318-5168-F85B2A8D77FC}"/>
-          </ac:graphicFrameMkLst>
-        </pc:graphicFrameChg>
-        <pc:graphicFrameChg chg="add del mod modGraphic">
-          <ac:chgData name="来宾用户" userId="" providerId="Windows Live" clId="Web-{58F3B869-5993-4D29-A1FA-481C16B6B497}" dt="2024-01-30T11:19:27.643" v="805"/>
-          <ac:graphicFrameMkLst>
-            <pc:docMk/>
-            <pc:sldMk cId="3882220895" sldId="279"/>
-            <ac:graphicFrameMk id="7" creationId="{18D6FDF1-E4E5-F91A-1E9B-BACF76077F26}"/>
-          </ac:graphicFrameMkLst>
-        </pc:graphicFrameChg>
-      </pc:sldChg>
-      <pc:sldChg chg="addSp delSp modSp add replId">
-        <pc:chgData name="来宾用户" userId="" providerId="Windows Live" clId="Web-{58F3B869-5993-4D29-A1FA-481C16B6B497}" dt="2024-01-30T09:15:01.604" v="38"/>
-        <pc:sldMkLst>
-          <pc:docMk/>
-          <pc:sldMk cId="3778260291" sldId="302"/>
-        </pc:sldMkLst>
-        <pc:spChg chg="add del mod">
-          <ac:chgData name="来宾用户" userId="" providerId="Windows Live" clId="Web-{58F3B869-5993-4D29-A1FA-481C16B6B497}" dt="2024-01-30T09:15:01.604" v="38"/>
-          <ac:spMkLst>
-            <pc:docMk/>
-            <pc:sldMk cId="3778260291" sldId="302"/>
-            <ac:spMk id="2" creationId="{92F1256C-EAF2-2FEC-798F-3E6585070C33}"/>
-          </ac:spMkLst>
-        </pc:spChg>
-        <pc:spChg chg="mod">
-          <ac:chgData name="来宾用户" userId="" providerId="Windows Live" clId="Web-{58F3B869-5993-4D29-A1FA-481C16B6B497}" dt="2024-01-30T09:09:31.419" v="11" actId="20577"/>
-          <ac:spMkLst>
-            <pc:docMk/>
-            <pc:sldMk cId="3778260291" sldId="302"/>
-            <ac:spMk id="5" creationId="{9CACAFA3-1535-C2CA-F7A1-0D980DCE854C}"/>
-          </ac:spMkLst>
-        </pc:spChg>
-      </pc:sldChg>
-      <pc:sldChg chg="modSp add del replId">
-        <pc:chgData name="来宾用户" userId="" providerId="Windows Live" clId="Web-{58F3B869-5993-4D29-A1FA-481C16B6B497}" dt="2024-01-30T09:16:01.544" v="51"/>
-        <pc:sldMkLst>
-          <pc:docMk/>
-          <pc:sldMk cId="1997617536" sldId="303"/>
-        </pc:sldMkLst>
-        <pc:spChg chg="mod">
-          <ac:chgData name="来宾用户" userId="" providerId="Windows Live" clId="Web-{58F3B869-5993-4D29-A1FA-481C16B6B497}" dt="2024-01-30T09:15:28.995" v="45" actId="20577"/>
-          <ac:spMkLst>
-            <pc:docMk/>
-            <pc:sldMk cId="1997617536" sldId="303"/>
-            <ac:spMk id="2" creationId="{05C8C424-C3DD-B97A-504F-F41474DFBD6E}"/>
-          </ac:spMkLst>
-        </pc:spChg>
-        <pc:spChg chg="mod">
-          <ac:chgData name="来宾用户" userId="" providerId="Windows Live" clId="Web-{58F3B869-5993-4D29-A1FA-481C16B6B497}" dt="2024-01-30T09:15:58.137" v="50" actId="20577"/>
-          <ac:spMkLst>
-            <pc:docMk/>
-            <pc:sldMk cId="1997617536" sldId="303"/>
-            <ac:spMk id="3" creationId="{EFD8F625-7A9E-2A38-4EDC-F98F8369152D}"/>
-          </ac:spMkLst>
-        </pc:spChg>
-      </pc:sldChg>
-      <pc:sldChg chg="addSp delSp modSp new">
-        <pc:chgData name="来宾用户" userId="" providerId="Windows Live" clId="Web-{58F3B869-5993-4D29-A1FA-481C16B6B497}" dt="2024-01-30T10:29:25.062" v="99" actId="20577"/>
-        <pc:sldMkLst>
-          <pc:docMk/>
-          <pc:sldMk cId="2922833108" sldId="303"/>
-        </pc:sldMkLst>
-        <pc:spChg chg="add del mod">
-          <ac:chgData name="来宾用户" userId="" providerId="Windows Live" clId="Web-{58F3B869-5993-4D29-A1FA-481C16B6B497}" dt="2024-01-30T10:13:57.241" v="56"/>
-          <ac:spMkLst>
-            <pc:docMk/>
-            <pc:sldMk cId="2922833108" sldId="303"/>
-            <ac:spMk id="2" creationId="{487DBD57-E4A6-7CE0-CE20-17B620B0B0F2}"/>
-          </ac:spMkLst>
-        </pc:spChg>
-        <pc:spChg chg="add del mod">
-          <ac:chgData name="来宾用户" userId="" providerId="Windows Live" clId="Web-{58F3B869-5993-4D29-A1FA-481C16B6B497}" dt="2024-01-30T10:14:18.226" v="60"/>
-          <ac:spMkLst>
-            <pc:docMk/>
-            <pc:sldMk cId="2922833108" sldId="303"/>
-            <ac:spMk id="3" creationId="{2D513C73-9D40-0E48-5E7D-A4734D0DE572}"/>
-          </ac:spMkLst>
-        </pc:spChg>
-        <pc:spChg chg="add mod">
-          <ac:chgData name="来宾用户" userId="" providerId="Windows Live" clId="Web-{58F3B869-5993-4D29-A1FA-481C16B6B497}" dt="2024-01-30T10:29:25.062" v="99" actId="20577"/>
-          <ac:spMkLst>
-            <pc:docMk/>
-            <pc:sldMk cId="2922833108" sldId="303"/>
-            <ac:spMk id="4" creationId="{B5004A2F-2E7F-B79A-D714-1DC36C7B7E25}"/>
-          </ac:spMkLst>
-        </pc:spChg>
-        <pc:spChg chg="add del mod">
-          <ac:chgData name="来宾用户" userId="" providerId="Windows Live" clId="Web-{58F3B869-5993-4D29-A1FA-481C16B6B497}" dt="2024-01-30T10:26:03.916" v="77"/>
-          <ac:spMkLst>
-            <pc:docMk/>
-            <pc:sldMk cId="2922833108" sldId="303"/>
-            <ac:spMk id="5" creationId="{BE8C0C62-C665-B4AD-5E8D-DD552FAE4624}"/>
-          </ac:spMkLst>
-        </pc:spChg>
-        <pc:spChg chg="add mod">
-          <ac:chgData name="来宾用户" userId="" providerId="Windows Live" clId="Web-{58F3B869-5993-4D29-A1FA-481C16B6B497}" dt="2024-01-30T10:27:13.309" v="87" actId="14100"/>
-          <ac:spMkLst>
-            <pc:docMk/>
-            <pc:sldMk cId="2922833108" sldId="303"/>
-            <ac:spMk id="7" creationId="{5EDD3713-AC99-8234-BBD5-BC9FB66A5DB9}"/>
-          </ac:spMkLst>
-        </pc:spChg>
-      </pc:sldChg>
-      <pc:sldChg chg="delSp modSp add del replId delCm modCm">
-        <pc:chgData name="来宾用户" userId="" providerId="Windows Live" clId="Web-{58F3B869-5993-4D29-A1FA-481C16B6B497}" dt="2024-01-30T09:12:20.879" v="24"/>
-        <pc:sldMkLst>
-          <pc:docMk/>
-          <pc:sldMk cId="3620744590" sldId="303"/>
-        </pc:sldMkLst>
-        <pc:spChg chg="mod">
-          <ac:chgData name="来宾用户" userId="" providerId="Windows Live" clId="Web-{58F3B869-5993-4D29-A1FA-481C16B6B497}" dt="2024-01-30T09:10:11.061" v="15" actId="20577"/>
-          <ac:spMkLst>
-            <pc:docMk/>
-            <pc:sldMk cId="3620744590" sldId="303"/>
-            <ac:spMk id="2" creationId="{465F5823-76DB-FB82-5FDD-3E7A0BBB9CD3}"/>
-          </ac:spMkLst>
-        </pc:spChg>
-        <pc:spChg chg="del mod">
-          <ac:chgData name="来宾用户" userId="" providerId="Windows Live" clId="Web-{58F3B869-5993-4D29-A1FA-481C16B6B497}" dt="2024-01-30T09:11:36.580" v="19"/>
-          <ac:spMkLst>
-            <pc:docMk/>
-            <pc:sldMk cId="3620744590" sldId="303"/>
-            <ac:spMk id="10" creationId="{9DB80246-52CC-898C-6453-42C27A968A10}"/>
-          </ac:spMkLst>
-        </pc:spChg>
-        <pc:graphicFrameChg chg="del">
-          <ac:chgData name="来宾用户" userId="" providerId="Windows Live" clId="Web-{58F3B869-5993-4D29-A1FA-481C16B6B497}" dt="2024-01-30T09:11:39.940" v="20"/>
-          <ac:graphicFrameMkLst>
-            <pc:docMk/>
-            <pc:sldMk cId="3620744590" sldId="303"/>
-            <ac:graphicFrameMk id="11" creationId="{A2D5D5F8-D1F5-E637-2CE0-9BBDB0B3E381}"/>
-          </ac:graphicFrameMkLst>
-        </pc:graphicFrameChg>
-        <pc:extLst>
-          <p:ext xmlns:p="http://schemas.openxmlformats.org/presentationml/2006/main" uri="{D6D511B9-2390-475A-947B-AFAB55BFBCF1}">
-            <pc226:cmChg xmlns:pc226="http://schemas.microsoft.com/office/powerpoint/2022/06/main/command" chg="del mod">
-              <pc226:chgData name="来宾用户" userId="" providerId="Windows Live" clId="Web-{58F3B869-5993-4D29-A1FA-481C16B6B497}" dt="2024-01-30T09:11:16.751" v="16"/>
-              <pc2:cmMkLst xmlns:pc2="http://schemas.microsoft.com/office/powerpoint/2019/9/main/command">
-                <pc:docMk/>
-                <pc:sldMk cId="3620744590" sldId="303"/>
-                <pc2:cmMk id="{45BFBECC-CB14-4B05-8722-924F43C88A5D}"/>
-              </pc2:cmMkLst>
-            </pc226:cmChg>
-          </p:ext>
-        </pc:extLst>
-      </pc:sldChg>
-      <pc:sldChg chg="delSp modSp add del replId delCm modCm">
-        <pc:chgData name="来宾用户" userId="" providerId="Windows Live" clId="Web-{58F3B869-5993-4D29-A1FA-481C16B6B497}" dt="2024-01-30T09:13:34.850" v="34"/>
-        <pc:sldMkLst>
-          <pc:docMk/>
-          <pc:sldMk cId="2928165767" sldId="304"/>
-        </pc:sldMkLst>
-        <pc:spChg chg="mod">
-          <ac:chgData name="来宾用户" userId="" providerId="Windows Live" clId="Web-{58F3B869-5993-4D29-A1FA-481C16B6B497}" dt="2024-01-30T09:12:25.410" v="28" actId="20577"/>
-          <ac:spMkLst>
-            <pc:docMk/>
-            <pc:sldMk cId="2928165767" sldId="304"/>
-            <ac:spMk id="2" creationId="{4A9144FD-55FF-CA1E-3BB2-2EC11AF812F9}"/>
-          </ac:spMkLst>
-        </pc:spChg>
-        <pc:spChg chg="mod">
-          <ac:chgData name="来宾用户" userId="" providerId="Windows Live" clId="Web-{58F3B869-5993-4D29-A1FA-481C16B6B497}" dt="2024-01-30T09:13:19.897" v="32" actId="20577"/>
-          <ac:spMkLst>
-            <pc:docMk/>
-            <pc:sldMk cId="2928165767" sldId="304"/>
-            <ac:spMk id="3" creationId="{1EE51E40-A01C-1244-62DC-108202F8ED9F}"/>
-          </ac:spMkLst>
-        </pc:spChg>
-        <pc:picChg chg="del">
-          <ac:chgData name="来宾用户" userId="" providerId="Windows Live" clId="Web-{58F3B869-5993-4D29-A1FA-481C16B6B497}" dt="2024-01-30T09:12:41.723" v="30"/>
-          <ac:picMkLst>
-            <pc:docMk/>
-            <pc:sldMk cId="2928165767" sldId="304"/>
-            <ac:picMk id="5" creationId="{24957FA9-9DE7-3F01-B17C-92305581F5D4}"/>
-          </ac:picMkLst>
-        </pc:picChg>
-        <pc:extLst>
-          <p:ext xmlns:p="http://schemas.openxmlformats.org/presentationml/2006/main" uri="{D6D511B9-2390-475A-947B-AFAB55BFBCF1}">
-            <pc226:cmChg xmlns:pc226="http://schemas.microsoft.com/office/powerpoint/2022/06/main/command" chg="del mod">
-              <pc226:chgData name="来宾用户" userId="" providerId="Windows Live" clId="Web-{58F3B869-5993-4D29-A1FA-481C16B6B497}" dt="2024-01-30T09:13:20.084" v="33"/>
-              <pc2:cmMkLst xmlns:pc2="http://schemas.microsoft.com/office/powerpoint/2019/9/main/command">
-                <pc:docMk/>
-                <pc:sldMk cId="2928165767" sldId="304"/>
-                <pc2:cmMk id="{90905FE1-E45D-47EA-97CE-89404D4D7566}"/>
-              </pc2:cmMkLst>
-            </pc226:cmChg>
-          </p:ext>
-        </pc:extLst>
-      </pc:sldChg>
-      <pc:sldChg chg="addSp delSp modSp add replId">
-        <pc:chgData name="来宾用户" userId="" providerId="Windows Live" clId="Web-{58F3B869-5993-4D29-A1FA-481C16B6B497}" dt="2024-01-30T10:56:55.200" v="393" actId="1076"/>
-        <pc:sldMkLst>
-          <pc:docMk/>
-          <pc:sldMk cId="3891013853" sldId="304"/>
-        </pc:sldMkLst>
-        <pc:spChg chg="add mod">
-          <ac:chgData name="来宾用户" userId="" providerId="Windows Live" clId="Web-{58F3B869-5993-4D29-A1FA-481C16B6B497}" dt="2024-01-30T10:47:36.810" v="147" actId="20577"/>
-          <ac:spMkLst>
-            <pc:docMk/>
-            <pc:sldMk cId="3891013853" sldId="304"/>
-            <ac:spMk id="2" creationId="{C928120A-51B9-0849-789F-8A28F57D0E2C}"/>
-          </ac:spMkLst>
-        </pc:spChg>
-        <pc:spChg chg="add mod">
-          <ac:chgData name="来宾用户" userId="" providerId="Windows Live" clId="Web-{58F3B869-5993-4D29-A1FA-481C16B6B497}" dt="2024-01-30T10:56:45.997" v="392" actId="14100"/>
-          <ac:spMkLst>
-            <pc:docMk/>
-            <pc:sldMk cId="3891013853" sldId="304"/>
-            <ac:spMk id="3" creationId="{3D993058-699D-2C61-0C00-6A7EDDEED4BE}"/>
-          </ac:spMkLst>
-        </pc:spChg>
-        <pc:spChg chg="del">
-          <ac:chgData name="来宾用户" userId="" providerId="Windows Live" clId="Web-{58F3B869-5993-4D29-A1FA-481C16B6B497}" dt="2024-01-30T10:29:49.063" v="101"/>
-          <ac:spMkLst>
-            <pc:docMk/>
-            <pc:sldMk cId="3891013853" sldId="304"/>
-            <ac:spMk id="4" creationId="{12093AB3-4B17-91D6-202E-A2C58D8CBFD4}"/>
-          </ac:spMkLst>
-        </pc:spChg>
-        <pc:spChg chg="add mod">
-          <ac:chgData name="来宾用户" userId="" providerId="Windows Live" clId="Web-{58F3B869-5993-4D29-A1FA-481C16B6B497}" dt="2024-01-30T10:56:55.200" v="393" actId="1076"/>
-          <ac:spMkLst>
-            <pc:docMk/>
-            <pc:sldMk cId="3891013853" sldId="304"/>
-            <ac:spMk id="8" creationId="{8733BBFE-7EF5-D49D-3352-BA766927C16E}"/>
-          </ac:spMkLst>
-        </pc:spChg>
-        <pc:graphicFrameChg chg="add mod modGraphic">
-          <ac:chgData name="来宾用户" userId="" providerId="Windows Live" clId="Web-{58F3B869-5993-4D29-A1FA-481C16B6B497}" dt="2024-01-30T10:56:40.543" v="391"/>
-          <ac:graphicFrameMkLst>
-            <pc:docMk/>
-            <pc:sldMk cId="3891013853" sldId="304"/>
-            <ac:graphicFrameMk id="6" creationId="{A9EB1D2C-3F52-F214-8A6B-67CD78233008}"/>
-          </ac:graphicFrameMkLst>
-        </pc:graphicFrameChg>
-      </pc:sldChg>
-      <pc:sldChg chg="addSp delSp modSp add replId">
-        <pc:chgData name="来宾用户" userId="" providerId="Windows Live" clId="Web-{58F3B869-5993-4D29-A1FA-481C16B6B497}" dt="2024-01-30T10:56:28.637" v="390" actId="14100"/>
-        <pc:sldMkLst>
-          <pc:docMk/>
-          <pc:sldMk cId="3565572942" sldId="305"/>
-        </pc:sldMkLst>
-        <pc:spChg chg="add mod">
-          <ac:chgData name="来宾用户" userId="" providerId="Windows Live" clId="Web-{58F3B869-5993-4D29-A1FA-481C16B6B497}" dt="2024-01-30T10:56:28.637" v="390" actId="14100"/>
-          <ac:spMkLst>
-            <pc:docMk/>
-            <pc:sldMk cId="3565572942" sldId="305"/>
-            <ac:spMk id="3" creationId="{FB703850-14CD-531B-E522-4333583277D3}"/>
-          </ac:spMkLst>
-        </pc:spChg>
-        <pc:spChg chg="add mod">
-          <ac:chgData name="来宾用户" userId="" providerId="Windows Live" clId="Web-{58F3B869-5993-4D29-A1FA-481C16B6B497}" dt="2024-01-30T10:50:24.987" v="242" actId="20577"/>
-          <ac:spMkLst>
-            <pc:docMk/>
-            <pc:sldMk cId="3565572942" sldId="305"/>
-            <ac:spMk id="8" creationId="{D8C25E34-957A-DF4A-6C87-D8DBBF72097D}"/>
-          </ac:spMkLst>
-        </pc:spChg>
-        <pc:spChg chg="add del">
-          <ac:chgData name="来宾用户" userId="" providerId="Windows Live" clId="Web-{58F3B869-5993-4D29-A1FA-481C16B6B497}" dt="2024-01-30T10:51:48.051" v="244"/>
-          <ac:spMkLst>
-            <pc:docMk/>
-            <pc:sldMk cId="3565572942" sldId="305"/>
-            <ac:spMk id="10" creationId="{BFEBA61A-6770-DA04-6577-3DF75B2F0AD6}"/>
-          </ac:spMkLst>
-        </pc:spChg>
-        <pc:spChg chg="add mod">
-          <ac:chgData name="来宾用户" userId="" providerId="Windows Live" clId="Web-{58F3B869-5993-4D29-A1FA-481C16B6B497}" dt="2024-01-30T10:56:15.980" v="388" actId="1076"/>
-          <ac:spMkLst>
-            <pc:docMk/>
-            <pc:sldMk cId="3565572942" sldId="305"/>
-            <ac:spMk id="18" creationId="{A52F6F7D-7BBE-22DD-E69D-0541087BA4B8}"/>
-          </ac:spMkLst>
-        </pc:spChg>
-        <pc:graphicFrameChg chg="add mod modGraphic">
-          <ac:chgData name="来宾用户" userId="" providerId="Windows Live" clId="Web-{58F3B869-5993-4D29-A1FA-481C16B6B497}" dt="2024-01-30T10:49:41.595" v="199"/>
-          <ac:graphicFrameMkLst>
-            <pc:docMk/>
-            <pc:sldMk cId="3565572942" sldId="305"/>
-            <ac:graphicFrameMk id="5" creationId="{B488B678-362B-B2E6-CDCB-69725D3CFAC6}"/>
-          </ac:graphicFrameMkLst>
-        </pc:graphicFrameChg>
-        <pc:graphicFrameChg chg="add mod modGraphic">
-          <ac:chgData name="来宾用户" userId="" providerId="Windows Live" clId="Web-{58F3B869-5993-4D29-A1FA-481C16B6B497}" dt="2024-01-30T10:56:20.684" v="389" actId="1076"/>
-          <ac:graphicFrameMkLst>
-            <pc:docMk/>
-            <pc:sldMk cId="3565572942" sldId="305"/>
-            <ac:graphicFrameMk id="11" creationId="{CA66AFCB-F001-5829-4C24-ED6C80ACEFDA}"/>
-          </ac:graphicFrameMkLst>
-        </pc:graphicFrameChg>
-        <pc:graphicFrameChg chg="add del mod">
-          <ac:chgData name="来宾用户" userId="" providerId="Windows Live" clId="Web-{58F3B869-5993-4D29-A1FA-481C16B6B497}" dt="2024-01-30T10:52:49.147" v="257"/>
-          <ac:graphicFrameMkLst>
-            <pc:docMk/>
-            <pc:sldMk cId="3565572942" sldId="305"/>
-            <ac:graphicFrameMk id="13" creationId="{B6C0B29F-353B-744C-821B-4478B02A3A9F}"/>
-          </ac:graphicFrameMkLst>
-        </pc:graphicFrameChg>
-        <pc:graphicFrameChg chg="add del mod">
-          <ac:chgData name="来宾用户" userId="" providerId="Windows Live" clId="Web-{58F3B869-5993-4D29-A1FA-481C16B6B497}" dt="2024-01-30T10:52:45.975" v="256"/>
-          <ac:graphicFrameMkLst>
-            <pc:docMk/>
-            <pc:sldMk cId="3565572942" sldId="305"/>
-            <ac:graphicFrameMk id="15" creationId="{00D6F421-9BEF-2C59-67B1-050A7D9FAB5D}"/>
-          </ac:graphicFrameMkLst>
-        </pc:graphicFrameChg>
-        <pc:graphicFrameChg chg="add del mod modGraphic">
-          <ac:chgData name="来宾用户" userId="" providerId="Windows Live" clId="Web-{58F3B869-5993-4D29-A1FA-481C16B6B497}" dt="2024-01-30T10:53:13.382" v="261"/>
-          <ac:graphicFrameMkLst>
-            <pc:docMk/>
-            <pc:sldMk cId="3565572942" sldId="305"/>
-            <ac:graphicFrameMk id="17" creationId="{BA58AAE6-EC99-1486-E935-E92C86A51880}"/>
-          </ac:graphicFrameMkLst>
-        </pc:graphicFrameChg>
-      </pc:sldChg>
-      <pc:sldChg chg="addSp modSp add replId">
-        <pc:chgData name="来宾用户" userId="" providerId="Windows Live" clId="Web-{58F3B869-5993-4D29-A1FA-481C16B6B497}" dt="2024-01-30T10:59:07.626" v="418" actId="1076"/>
-        <pc:sldMkLst>
-          <pc:docMk/>
-          <pc:sldMk cId="3887204146" sldId="306"/>
-        </pc:sldMkLst>
-        <pc:spChg chg="add mod">
-          <ac:chgData name="来宾用户" userId="" providerId="Windows Live" clId="Web-{58F3B869-5993-4D29-A1FA-481C16B6B497}" dt="2024-01-30T10:59:07.626" v="418" actId="1076"/>
-          <ac:spMkLst>
-            <pc:docMk/>
-            <pc:sldMk cId="3887204146" sldId="306"/>
-            <ac:spMk id="3" creationId="{F56F9294-3587-9372-9D3E-6070626392BC}"/>
-          </ac:spMkLst>
-        </pc:spChg>
-        <pc:spChg chg="add mod">
-          <ac:chgData name="来宾用户" userId="" providerId="Windows Live" clId="Web-{58F3B869-5993-4D29-A1FA-481C16B6B497}" dt="2024-01-30T10:59:02.079" v="417" actId="1076"/>
-          <ac:spMkLst>
-            <pc:docMk/>
-            <pc:sldMk cId="3887204146" sldId="306"/>
-            <ac:spMk id="4" creationId="{13A696F8-EFBC-6E06-6C6F-6CC575BE358D}"/>
-          </ac:spMkLst>
-        </pc:spChg>
-        <pc:picChg chg="add mod">
-          <ac:chgData name="来宾用户" userId="" providerId="Windows Live" clId="Web-{58F3B869-5993-4D29-A1FA-481C16B6B497}" dt="2024-01-30T10:58:26.078" v="409" actId="1076"/>
-          <ac:picMkLst>
-            <pc:docMk/>
-            <pc:sldMk cId="3887204146" sldId="306"/>
-            <ac:picMk id="2" creationId="{21C4192E-EF39-2B5B-6039-0B8BAB8D0373}"/>
-          </ac:picMkLst>
-        </pc:picChg>
-      </pc:sldChg>
-      <pc:sldChg chg="addSp add del replId">
-        <pc:chgData name="来宾用户" userId="" providerId="Windows Live" clId="Web-{58F3B869-5993-4D29-A1FA-481C16B6B497}" dt="2024-01-30T11:07:59.452" v="550"/>
-        <pc:sldMkLst>
-          <pc:docMk/>
-          <pc:sldMk cId="978952510" sldId="307"/>
-        </pc:sldMkLst>
-        <pc:spChg chg="add">
-          <ac:chgData name="来宾用户" userId="" providerId="Windows Live" clId="Web-{58F3B869-5993-4D29-A1FA-481C16B6B497}" dt="2024-01-30T11:01:45.739" v="438"/>
-          <ac:spMkLst>
-            <pc:docMk/>
-            <pc:sldMk cId="978952510" sldId="307"/>
-            <ac:spMk id="3" creationId="{CA626799-3C0F-C8A5-D770-BEF6A7544CC0}"/>
-          </ac:spMkLst>
-        </pc:spChg>
-      </pc:sldChg>
-      <pc:sldChg chg="addSp delSp modSp add replId">
-        <pc:chgData name="来宾用户" userId="" providerId="Windows Live" clId="Web-{58F3B869-5993-4D29-A1FA-481C16B6B497}" dt="2024-01-30T11:02:27.897" v="448" actId="1076"/>
-        <pc:sldMkLst>
-          <pc:docMk/>
-          <pc:sldMk cId="1687668371" sldId="308"/>
-        </pc:sldMkLst>
-        <pc:spChg chg="add mod">
-          <ac:chgData name="来宾用户" userId="" providerId="Windows Live" clId="Web-{58F3B869-5993-4D29-A1FA-481C16B6B497}" dt="2024-01-30T11:02:11.490" v="445" actId="1076"/>
-          <ac:spMkLst>
-            <pc:docMk/>
-            <pc:sldMk cId="1687668371" sldId="308"/>
-            <ac:spMk id="2" creationId="{B8F738D0-E83F-96F5-FD04-66388C3C223B}"/>
-          </ac:spMkLst>
-        </pc:spChg>
-        <pc:spChg chg="add del mod">
-          <ac:chgData name="来宾用户" userId="" providerId="Windows Live" clId="Web-{58F3B869-5993-4D29-A1FA-481C16B6B497}" dt="2024-01-30T11:01:54.911" v="441"/>
-          <ac:spMkLst>
-            <pc:docMk/>
-            <pc:sldMk cId="1687668371" sldId="308"/>
-            <ac:spMk id="4" creationId="{111B9032-9A43-AF64-39AE-E9402BE7510E}"/>
-          </ac:spMkLst>
-        </pc:spChg>
-        <pc:picChg chg="add mod">
-          <ac:chgData name="来宾用户" userId="" providerId="Windows Live" clId="Web-{58F3B869-5993-4D29-A1FA-481C16B6B497}" dt="2024-01-30T11:02:27.897" v="448" actId="1076"/>
-          <ac:picMkLst>
-            <pc:docMk/>
-            <pc:sldMk cId="1687668371" sldId="308"/>
-            <ac:picMk id="3" creationId="{662046C8-D900-2A2E-2974-E182F2591EE5}"/>
-          </ac:picMkLst>
-        </pc:picChg>
-      </pc:sldChg>
-      <pc:sldChg chg="addSp delSp modSp add ord replId">
-        <pc:chgData name="来宾用户" userId="" providerId="Windows Live" clId="Web-{58F3B869-5993-4D29-A1FA-481C16B6B497}" dt="2024-01-30T11:07:52.874" v="549"/>
-        <pc:sldMkLst>
-          <pc:docMk/>
-          <pc:sldMk cId="2181116833" sldId="309"/>
-        </pc:sldMkLst>
-        <pc:spChg chg="mod">
-          <ac:chgData name="来宾用户" userId="" providerId="Windows Live" clId="Web-{58F3B869-5993-4D29-A1FA-481C16B6B497}" dt="2024-01-30T11:05:44.074" v="517" actId="1076"/>
-          <ac:spMkLst>
-            <pc:docMk/>
-            <pc:sldMk cId="2181116833" sldId="309"/>
-            <ac:spMk id="3" creationId="{2B6FB66E-F377-7DC7-145C-CDE4BABF54C8}"/>
-          </ac:spMkLst>
-        </pc:spChg>
-        <pc:spChg chg="add mod">
-          <ac:chgData name="来宾用户" userId="" providerId="Windows Live" clId="Web-{58F3B869-5993-4D29-A1FA-481C16B6B497}" dt="2024-01-30T11:07:33.920" v="548" actId="1076"/>
-          <ac:spMkLst>
-            <pc:docMk/>
-            <pc:sldMk cId="2181116833" sldId="309"/>
-            <ac:spMk id="9" creationId="{7D104112-F522-F6F4-D4FB-C509D5148EFA}"/>
-          </ac:spMkLst>
-        </pc:spChg>
-        <pc:spChg chg="add del">
-          <ac:chgData name="来宾用户" userId="" providerId="Windows Live" clId="Web-{58F3B869-5993-4D29-A1FA-481C16B6B497}" dt="2024-01-30T11:06:47.607" v="534"/>
-          <ac:spMkLst>
-            <pc:docMk/>
-            <pc:sldMk cId="2181116833" sldId="309"/>
-            <ac:spMk id="12" creationId="{B629F4DF-4654-C80D-2DA1-6C6BE2FAC526}"/>
-          </ac:spMkLst>
-        </pc:spChg>
-        <pc:spChg chg="add mod">
-          <ac:chgData name="来宾用户" userId="" providerId="Windows Live" clId="Web-{58F3B869-5993-4D29-A1FA-481C16B6B497}" dt="2024-01-30T11:07:10.982" v="546" actId="14100"/>
-          <ac:spMkLst>
-            <pc:docMk/>
-            <pc:sldMk cId="2181116833" sldId="309"/>
-            <ac:spMk id="13" creationId="{C002E180-44F4-1B32-128F-A56F30DA75B8}"/>
-          </ac:spMkLst>
-        </pc:spChg>
-        <pc:graphicFrameChg chg="add del mod modGraphic">
-          <ac:chgData name="来宾用户" userId="" providerId="Windows Live" clId="Web-{58F3B869-5993-4D29-A1FA-481C16B6B497}" dt="2024-01-30T11:03:11.851" v="453"/>
-          <ac:graphicFrameMkLst>
-            <pc:docMk/>
-            <pc:sldMk cId="2181116833" sldId="309"/>
-            <ac:graphicFrameMk id="4" creationId="{09A6B55D-7115-0503-CB0D-2E3FF17C4173}"/>
-          </ac:graphicFrameMkLst>
-        </pc:graphicFrameChg>
-        <pc:graphicFrameChg chg="add mod modGraphic">
-          <ac:chgData name="来宾用户" userId="" providerId="Windows Live" clId="Web-{58F3B869-5993-4D29-A1FA-481C16B6B497}" dt="2024-01-30T11:05:03.041" v="512"/>
-          <ac:graphicFrameMkLst>
-            <pc:docMk/>
-            <pc:sldMk cId="2181116833" sldId="309"/>
-            <ac:graphicFrameMk id="6" creationId="{E997810B-EA51-98A4-663F-3BBE428FC0BE}"/>
-          </ac:graphicFrameMkLst>
-        </pc:graphicFrameChg>
-        <pc:graphicFrameChg chg="add mod modGraphic">
-          <ac:chgData name="来宾用户" userId="" providerId="Windows Live" clId="Web-{58F3B869-5993-4D29-A1FA-481C16B6B497}" dt="2024-01-30T11:07:19.545" v="547" actId="1076"/>
-          <ac:graphicFrameMkLst>
-            <pc:docMk/>
-            <pc:sldMk cId="2181116833" sldId="309"/>
-            <ac:graphicFrameMk id="11" creationId="{ED355ADC-8802-A874-4B58-67E88584AB0E}"/>
-          </ac:graphicFrameMkLst>
-        </pc:graphicFrameChg>
-      </pc:sldChg>
-      <pc:sldChg chg="addSp delSp modSp add">
-        <pc:chgData name="来宾用户" userId="" providerId="Windows Live" clId="Web-{58F3B869-5993-4D29-A1FA-481C16B6B497}" dt="2024-01-30T11:09:43.799" v="569" actId="14100"/>
-        <pc:sldMkLst>
-          <pc:docMk/>
-          <pc:sldMk cId="978952510" sldId="310"/>
-        </pc:sldMkLst>
-        <pc:spChg chg="add mod">
-          <ac:chgData name="来宾用户" userId="" providerId="Windows Live" clId="Web-{58F3B869-5993-4D29-A1FA-481C16B6B497}" dt="2024-01-30T11:09:36.549" v="568" actId="1076"/>
-          <ac:spMkLst>
-            <pc:docMk/>
-            <pc:sldMk cId="978952510" sldId="310"/>
-            <ac:spMk id="2" creationId="{D5097F2A-D4AD-4FB7-6B63-236F610F1613}"/>
-          </ac:spMkLst>
-        </pc:spChg>
-        <pc:spChg chg="del">
-          <ac:chgData name="来宾用户" userId="" providerId="Windows Live" clId="Web-{58F3B869-5993-4D29-A1FA-481C16B6B497}" dt="2024-01-30T11:08:06.624" v="552"/>
-          <ac:spMkLst>
-            <pc:docMk/>
-            <pc:sldMk cId="978952510" sldId="310"/>
-            <ac:spMk id="3" creationId="{CA626799-3C0F-C8A5-D770-BEF6A7544CC0}"/>
-          </ac:spMkLst>
-        </pc:spChg>
-        <pc:picChg chg="add mod">
-          <ac:chgData name="来宾用户" userId="" providerId="Windows Live" clId="Web-{58F3B869-5993-4D29-A1FA-481C16B6B497}" dt="2024-01-30T11:09:43.799" v="569" actId="14100"/>
-          <ac:picMkLst>
-            <pc:docMk/>
-            <pc:sldMk cId="978952510" sldId="310"/>
-            <ac:picMk id="4" creationId="{2A3BDA09-59AF-4894-09E7-036ECE4A779B}"/>
-          </ac:picMkLst>
-        </pc:picChg>
-      </pc:sldChg>
-      <pc:sldChg chg="addSp modSp add replId">
-        <pc:chgData name="来宾用户" userId="" providerId="Windows Live" clId="Web-{58F3B869-5993-4D29-A1FA-481C16B6B497}" dt="2024-01-30T11:11:44.208" v="596" actId="1076"/>
-        <pc:sldMkLst>
-          <pc:docMk/>
-          <pc:sldMk cId="4117523037" sldId="311"/>
-        </pc:sldMkLst>
-        <pc:spChg chg="add mod">
-          <ac:chgData name="来宾用户" userId="" providerId="Windows Live" clId="Web-{58F3B869-5993-4D29-A1FA-481C16B6B497}" dt="2024-01-30T11:11:44.208" v="596" actId="1076"/>
-          <ac:spMkLst>
-            <pc:docMk/>
-            <pc:sldMk cId="4117523037" sldId="311"/>
-            <ac:spMk id="2" creationId="{F7BF9DD0-599F-C18B-9ED7-86F14647FAA9}"/>
-          </ac:spMkLst>
-        </pc:spChg>
-        <pc:spChg chg="add mod">
-          <ac:chgData name="来宾用户" userId="" providerId="Windows Live" clId="Web-{58F3B869-5993-4D29-A1FA-481C16B6B497}" dt="2024-01-30T11:11:39.958" v="595" actId="1076"/>
-          <ac:spMkLst>
-            <pc:docMk/>
-            <pc:sldMk cId="4117523037" sldId="311"/>
-            <ac:spMk id="4" creationId="{72CBE77D-7115-DA77-B42B-5CAD727F19BE}"/>
-          </ac:spMkLst>
-        </pc:spChg>
-        <pc:picChg chg="add mod">
-          <ac:chgData name="来宾用户" userId="" providerId="Windows Live" clId="Web-{58F3B869-5993-4D29-A1FA-481C16B6B497}" dt="2024-01-30T11:11:00.676" v="584" actId="14100"/>
-          <ac:picMkLst>
-            <pc:docMk/>
-            <pc:sldMk cId="4117523037" sldId="311"/>
-            <ac:picMk id="3" creationId="{35EAF632-AA1C-E0F3-B631-80B65CEBFE52}"/>
-          </ac:picMkLst>
-        </pc:picChg>
       </pc:sldChg>
     </pc:docChg>
   </pc:docChgLst>
@@ -4249,7 +4249,7 @@
           <a:p>
             <a:fld id="{928B425F-260E-4639-9703-CC298CCF4561}" type="datetimeFigureOut">
               <a:rPr lang="sv-SE" smtClean="0"/>
-              <a:t>2024-01-31</a:t>
+              <a:t>2024-02-29</a:t>
             </a:fld>
             <a:endParaRPr lang="sv-SE"/>
           </a:p>
@@ -4327,7 +4327,7 @@
           <a:p>
             <a:fld id="{2DB7ACDD-686E-4BCE-913E-B406F26244E4}" type="slidenum">
               <a:rPr lang="sv-SE" smtClean="0"/>
-              <a:t>‹#›</a:t>
+              <a:t>‹Nr.›</a:t>
             </a:fld>
             <a:endParaRPr lang="sv-SE"/>
           </a:p>
@@ -4426,7 +4426,7 @@
           <a:p>
             <a:fld id="{C2A950E2-06A7-4917-A786-A39AE24C7860}" type="datetimeFigureOut">
               <a:rPr lang="sv-SE" smtClean="0"/>
-              <a:t>2024-01-31</a:t>
+              <a:t>2024-02-29</a:t>
             </a:fld>
             <a:endParaRPr lang="sv-SE"/>
           </a:p>
@@ -4585,7 +4585,7 @@
           <a:p>
             <a:fld id="{DF6E41BA-B2F4-4189-959A-2CEBA0073372}" type="slidenum">
               <a:rPr lang="sv-SE" smtClean="0"/>
-              <a:t>‹#›</a:t>
+              <a:t>‹Nr.›</a:t>
             </a:fld>
             <a:endParaRPr lang="sv-SE"/>
           </a:p>
@@ -5938,7 +5938,7 @@
           <a:p>
             <a:fld id="{4B0A12C9-1B8D-4400-85FE-C1753C856C12}" type="datetime1">
               <a:rPr lang="sv-SE" smtClean="0"/>
-              <a:t>2024-01-31</a:t>
+              <a:t>2024-02-29</a:t>
             </a:fld>
             <a:endParaRPr lang="sv-SE"/>
           </a:p>
@@ -5992,7 +5992,7 @@
           <a:p>
             <a:fld id="{CB94A38A-2643-40DB-9042-1440F96F7870}" type="slidenum">
               <a:rPr lang="sv-SE" smtClean="0"/>
-              <a:t>‹#›</a:t>
+              <a:t>‹Nr.›</a:t>
             </a:fld>
             <a:endParaRPr lang="sv-SE"/>
           </a:p>
@@ -6138,7 +6138,7 @@
           <a:p>
             <a:fld id="{4C881752-C72E-4E7C-BBBA-1CE5B868DCCC}" type="datetime1">
               <a:rPr lang="sv-SE" smtClean="0"/>
-              <a:t>2024-01-31</a:t>
+              <a:t>2024-02-29</a:t>
             </a:fld>
             <a:endParaRPr lang="sv-SE"/>
           </a:p>
@@ -6192,7 +6192,7 @@
           <a:p>
             <a:fld id="{CB94A38A-2643-40DB-9042-1440F96F7870}" type="slidenum">
               <a:rPr lang="sv-SE" smtClean="0"/>
-              <a:t>‹#›</a:t>
+              <a:t>‹Nr.›</a:t>
             </a:fld>
             <a:endParaRPr lang="sv-SE"/>
           </a:p>
@@ -6348,7 +6348,7 @@
           <a:p>
             <a:fld id="{9F82C28F-F751-489C-92E4-6DEC4CC50835}" type="datetime1">
               <a:rPr lang="sv-SE" smtClean="0"/>
-              <a:t>2024-01-31</a:t>
+              <a:t>2024-02-29</a:t>
             </a:fld>
             <a:endParaRPr lang="sv-SE"/>
           </a:p>
@@ -6402,7 +6402,7 @@
           <a:p>
             <a:fld id="{CB94A38A-2643-40DB-9042-1440F96F7870}" type="slidenum">
               <a:rPr lang="sv-SE" smtClean="0"/>
-              <a:t>‹#›</a:t>
+              <a:t>‹Nr.›</a:t>
             </a:fld>
             <a:endParaRPr lang="sv-SE"/>
           </a:p>
@@ -6548,7 +6548,7 @@
           <a:p>
             <a:fld id="{290FE1A2-E377-484A-8889-4DF2574BE202}" type="datetime1">
               <a:rPr lang="sv-SE" smtClean="0"/>
-              <a:t>2024-01-31</a:t>
+              <a:t>2024-02-29</a:t>
             </a:fld>
             <a:endParaRPr lang="sv-SE"/>
           </a:p>
@@ -6602,7 +6602,7 @@
           <a:p>
             <a:fld id="{CB94A38A-2643-40DB-9042-1440F96F7870}" type="slidenum">
               <a:rPr lang="sv-SE" smtClean="0"/>
-              <a:t>‹#›</a:t>
+              <a:t>‹Nr.›</a:t>
             </a:fld>
             <a:endParaRPr lang="sv-SE"/>
           </a:p>
@@ -6840,7 +6840,7 @@
           <a:p>
             <a:fld id="{EA0442CA-4E03-4984-9DB7-9D52A6F0DD13}" type="datetime1">
               <a:rPr lang="sv-SE" smtClean="0"/>
-              <a:t>2024-01-31</a:t>
+              <a:t>2024-02-29</a:t>
             </a:fld>
             <a:endParaRPr lang="sv-SE"/>
           </a:p>
@@ -6894,7 +6894,7 @@
           <a:p>
             <a:fld id="{CB94A38A-2643-40DB-9042-1440F96F7870}" type="slidenum">
               <a:rPr lang="sv-SE" smtClean="0"/>
-              <a:t>‹#›</a:t>
+              <a:t>‹Nr.›</a:t>
             </a:fld>
             <a:endParaRPr lang="sv-SE"/>
           </a:p>
@@ -7124,7 +7124,7 @@
           <a:p>
             <a:fld id="{BDE05434-D1B9-4147-8F1F-04A57BBF97BA}" type="datetime1">
               <a:rPr lang="sv-SE" smtClean="0"/>
-              <a:t>2024-01-31</a:t>
+              <a:t>2024-02-29</a:t>
             </a:fld>
             <a:endParaRPr lang="sv-SE"/>
           </a:p>
@@ -7178,7 +7178,7 @@
           <a:p>
             <a:fld id="{CB94A38A-2643-40DB-9042-1440F96F7870}" type="slidenum">
               <a:rPr lang="sv-SE" smtClean="0"/>
-              <a:t>‹#›</a:t>
+              <a:t>‹Nr.›</a:t>
             </a:fld>
             <a:endParaRPr lang="sv-SE"/>
           </a:p>
@@ -7555,7 +7555,7 @@
           <a:p>
             <a:fld id="{43DDBBF7-F45F-42F8-97E6-02E3FC338D54}" type="datetime1">
               <a:rPr lang="sv-SE" smtClean="0"/>
-              <a:t>2024-01-31</a:t>
+              <a:t>2024-02-29</a:t>
             </a:fld>
             <a:endParaRPr lang="sv-SE"/>
           </a:p>
@@ -7609,7 +7609,7 @@
           <a:p>
             <a:fld id="{CB94A38A-2643-40DB-9042-1440F96F7870}" type="slidenum">
               <a:rPr lang="sv-SE" smtClean="0"/>
-              <a:t>‹#›</a:t>
+              <a:t>‹Nr.›</a:t>
             </a:fld>
             <a:endParaRPr lang="sv-SE"/>
           </a:p>
@@ -7713,7 +7713,7 @@
           <a:p>
             <a:fld id="{DD885D62-6044-48DE-A2EB-846DE31E61B1}" type="datetime1">
               <a:rPr lang="sv-SE" smtClean="0"/>
-              <a:t>2024-01-31</a:t>
+              <a:t>2024-02-29</a:t>
             </a:fld>
             <a:endParaRPr lang="sv-SE"/>
           </a:p>
@@ -7767,7 +7767,7 @@
           <a:p>
             <a:fld id="{CB94A38A-2643-40DB-9042-1440F96F7870}" type="slidenum">
               <a:rPr lang="sv-SE" smtClean="0"/>
-              <a:t>‹#›</a:t>
+              <a:t>‹Nr.›</a:t>
             </a:fld>
             <a:endParaRPr lang="sv-SE"/>
           </a:p>
@@ -7842,7 +7842,7 @@
           <a:p>
             <a:fld id="{E5E140FF-4EF9-486D-B8CB-64F02F2E0A06}" type="datetime1">
               <a:rPr lang="sv-SE" smtClean="0"/>
-              <a:t>2024-01-31</a:t>
+              <a:t>2024-02-29</a:t>
             </a:fld>
             <a:endParaRPr lang="sv-SE"/>
           </a:p>
@@ -7896,7 +7896,7 @@
           <a:p>
             <a:fld id="{CB94A38A-2643-40DB-9042-1440F96F7870}" type="slidenum">
               <a:rPr lang="sv-SE" smtClean="0"/>
-              <a:t>‹#›</a:t>
+              <a:t>‹Nr.›</a:t>
             </a:fld>
             <a:endParaRPr lang="sv-SE"/>
           </a:p>
@@ -8155,7 +8155,7 @@
           <a:p>
             <a:fld id="{F91A2655-4911-4FFD-A564-0C2AB361CBD7}" type="datetime1">
               <a:rPr lang="sv-SE" smtClean="0"/>
-              <a:t>2024-01-31</a:t>
+              <a:t>2024-02-29</a:t>
             </a:fld>
             <a:endParaRPr lang="sv-SE"/>
           </a:p>
@@ -8209,7 +8209,7 @@
           <a:p>
             <a:fld id="{CB94A38A-2643-40DB-9042-1440F96F7870}" type="slidenum">
               <a:rPr lang="sv-SE" smtClean="0"/>
-              <a:t>‹#›</a:t>
+              <a:t>‹Nr.›</a:t>
             </a:fld>
             <a:endParaRPr lang="sv-SE"/>
           </a:p>
@@ -8444,7 +8444,7 @@
           <a:p>
             <a:fld id="{CD14A6A0-A386-4A16-A0F6-16AE60AEC52D}" type="datetime1">
               <a:rPr lang="sv-SE" smtClean="0"/>
-              <a:t>2024-01-31</a:t>
+              <a:t>2024-02-29</a:t>
             </a:fld>
             <a:endParaRPr lang="sv-SE"/>
           </a:p>
@@ -8498,7 +8498,7 @@
           <a:p>
             <a:fld id="{CB94A38A-2643-40DB-9042-1440F96F7870}" type="slidenum">
               <a:rPr lang="sv-SE" smtClean="0"/>
-              <a:t>‹#›</a:t>
+              <a:t>‹Nr.›</a:t>
             </a:fld>
             <a:endParaRPr lang="sv-SE"/>
           </a:p>
@@ -8687,7 +8687,7 @@
           <a:p>
             <a:fld id="{DE1D8398-AF61-45AC-833E-888219155710}" type="datetime1">
               <a:rPr lang="sv-SE" smtClean="0"/>
-              <a:t>2024-01-31</a:t>
+              <a:t>2024-02-29</a:t>
             </a:fld>
             <a:endParaRPr lang="sv-SE"/>
           </a:p>
@@ -8778,7 +8778,7 @@
             <a:fld id="{1E004830-9485-4CC0-8E3A-573A880784DB}" type="slidenum">
               <a:rPr lang="sv-SE" smtClean="0"/>
               <a:pPr/>
-              <a:t>‹#›</a:t>
+              <a:t>‹Nr.›</a:t>
             </a:fld>
             <a:endParaRPr lang="sv-SE"/>
           </a:p>
@@ -9523,7 +9523,7 @@
           <p:nvPr>
             <p:extLst>
               <p:ext uri="{D42A27DB-BD31-4B8C-83A1-F6EECF244321}">
-                <p14:modId xmlns:p14="http://schemas.microsoft.com/office/powerpoint/2010/main" val="894200186"/>
+                <p14:modId xmlns:p14="http://schemas.microsoft.com/office/powerpoint/2010/main" val="3239431547"/>
               </p:ext>
             </p:extLst>
           </p:nvPr>
@@ -10080,15 +10080,15 @@
                     <a:p>
                       <a:pPr algn="l" rtl="0" fontAlgn="ctr"/>
                       <a:r>
-                        <a:rPr lang="sv-SE" sz="1800" b="0" u="none" strike="noStrike">
+                        <a:rPr lang="sv-SE" sz="1800" b="0" u="none" strike="noStrike" dirty="0">
                           <a:solidFill>
                             <a:srgbClr val="000000"/>
                           </a:solidFill>
                           <a:effectLst/>
                         </a:rPr>
-                        <a:t>11,395.96</a:t>
-                      </a:r>
-                      <a:endParaRPr lang="sv-SE" sz="1800" b="0" i="0" u="none" strike="noStrike">
+                        <a:t>12,891.63</a:t>
+                      </a:r>
+                      <a:endParaRPr lang="sv-SE" sz="1800" b="0" i="0" u="none" strike="noStrike" dirty="0">
                         <a:solidFill>
                           <a:srgbClr val="000000"/>
                         </a:solidFill>
@@ -10112,15 +10112,15 @@
                     <a:p>
                       <a:pPr algn="l" rtl="0" fontAlgn="ctr"/>
                       <a:r>
-                        <a:rPr lang="sv-SE" sz="1800" b="0" u="none" strike="noStrike">
+                        <a:rPr lang="sv-SE" sz="1800" b="0" u="none" strike="noStrike" dirty="0">
                           <a:solidFill>
                             <a:srgbClr val="000000"/>
                           </a:solidFill>
                           <a:effectLst/>
                         </a:rPr>
-                        <a:t>1.750059e+08</a:t>
-                      </a:r>
-                      <a:endParaRPr lang="sv-SE" sz="1800" b="0" i="0" u="none" strike="noStrike">
+                        <a:t>2.572657+08</a:t>
+                      </a:r>
+                      <a:endParaRPr lang="sv-SE" sz="1800" b="0" i="0" u="none" strike="noStrike" dirty="0">
                         <a:solidFill>
                           <a:srgbClr val="000000"/>
                         </a:solidFill>
@@ -10144,15 +10144,15 @@
                     <a:p>
                       <a:pPr algn="l" rtl="0" fontAlgn="ctr"/>
                       <a:r>
-                        <a:rPr lang="sv-SE" sz="1800" b="0" u="none" strike="noStrike">
+                        <a:rPr lang="sv-SE" sz="1800" b="0" u="none" strike="noStrike" dirty="0">
                           <a:solidFill>
                             <a:srgbClr val="000000"/>
                           </a:solidFill>
                           <a:effectLst/>
                         </a:rPr>
-                        <a:t>13,228.98</a:t>
-                      </a:r>
-                      <a:endParaRPr lang="sv-SE" sz="1800" b="0" i="0" u="none" strike="noStrike">
+                        <a:t>16,039.5</a:t>
+                      </a:r>
+                      <a:endParaRPr lang="sv-SE" sz="1800" b="0" i="0" u="none" strike="noStrike" dirty="0">
                         <a:solidFill>
                           <a:srgbClr val="000000"/>
                         </a:solidFill>
@@ -10176,15 +10176,15 @@
                     <a:p>
                       <a:pPr algn="l" rtl="0" fontAlgn="ctr"/>
                       <a:r>
-                        <a:rPr lang="sv-SE" sz="1800" b="0" u="none" strike="noStrike">
+                        <a:rPr lang="sv-SE" sz="1800" b="0" u="none" strike="noStrike" dirty="0">
                           <a:solidFill>
                             <a:srgbClr val="000000"/>
                           </a:solidFill>
                           <a:effectLst/>
                         </a:rPr>
-                        <a:t>4.91</a:t>
-                      </a:r>
-                      <a:endParaRPr lang="sv-SE" sz="1800" b="0" i="0" u="none" strike="noStrike">
+                        <a:t>6.59</a:t>
+                      </a:r>
+                      <a:endParaRPr lang="sv-SE" sz="1800" b="0" i="0" u="none" strike="noStrike" dirty="0">
                         <a:solidFill>
                           <a:srgbClr val="000000"/>
                         </a:solidFill>
@@ -10208,15 +10208,15 @@
                     <a:p>
                       <a:pPr algn="l" rtl="0" fontAlgn="ctr"/>
                       <a:r>
-                        <a:rPr lang="sv-SE" sz="1800" b="0" u="none" strike="noStrike">
+                        <a:rPr lang="sv-SE" sz="1800" b="0" u="none" strike="noStrike" dirty="0">
                           <a:solidFill>
                             <a:srgbClr val="000000"/>
                           </a:solidFill>
                           <a:effectLst/>
                         </a:rPr>
-                        <a:t>90.55</a:t>
-                      </a:r>
-                      <a:endParaRPr lang="sv-SE" sz="1800" b="0" i="0" u="none" strike="noStrike">
+                        <a:t>78.34</a:t>
+                      </a:r>
+                      <a:endParaRPr lang="sv-SE" sz="1800" b="0" i="0" u="none" strike="noStrike" dirty="0">
                         <a:solidFill>
                           <a:srgbClr val="000000"/>
                         </a:solidFill>
@@ -10273,15 +10273,15 @@
                     <a:p>
                       <a:pPr algn="l" rtl="0" fontAlgn="ctr"/>
                       <a:r>
-                        <a:rPr lang="sv-SE" sz="1800" b="0" u="none" strike="noStrike">
+                        <a:rPr lang="sv-SE" sz="1800" b="0" u="none" strike="noStrike" dirty="0">
                           <a:solidFill>
                             <a:srgbClr val="000000"/>
                           </a:solidFill>
                           <a:effectLst/>
                         </a:rPr>
-                        <a:t>3,657.1</a:t>
-                      </a:r>
-                      <a:endParaRPr lang="sv-SE" sz="1800" b="0" i="0" u="none" strike="noStrike">
+                        <a:t>3,513.16</a:t>
+                      </a:r>
+                      <a:endParaRPr lang="sv-SE" sz="1800" b="0" i="0" u="none" strike="noStrike" dirty="0">
                         <a:solidFill>
                           <a:srgbClr val="000000"/>
                         </a:solidFill>
@@ -10299,15 +10299,15 @@
                     <a:p>
                       <a:pPr algn="l" rtl="0" fontAlgn="ctr"/>
                       <a:r>
-                        <a:rPr lang="sv-SE" sz="1800" b="0" u="none" strike="noStrike">
+                        <a:rPr lang="sv-SE" sz="1800" b="0" u="none" strike="noStrike" dirty="0">
                           <a:solidFill>
                             <a:srgbClr val="000000"/>
                           </a:solidFill>
                           <a:effectLst/>
                         </a:rPr>
-                        <a:t>24,275,557.76</a:t>
-                      </a:r>
-                      <a:endParaRPr lang="sv-SE" sz="1800" b="0" i="0" u="none" strike="noStrike">
+                        <a:t>2.908014e+07</a:t>
+                      </a:r>
+                      <a:endParaRPr lang="sv-SE" sz="1800" b="0" i="0" u="none" strike="noStrike" dirty="0">
                         <a:solidFill>
                           <a:srgbClr val="000000"/>
                         </a:solidFill>
@@ -10325,15 +10325,15 @@
                     <a:p>
                       <a:pPr algn="l" rtl="0" fontAlgn="ctr"/>
                       <a:r>
-                        <a:rPr lang="sv-SE" sz="1800" b="0" u="none" strike="noStrike">
+                        <a:rPr lang="sv-SE" sz="1800" b="0" u="none" strike="noStrike" dirty="0">
                           <a:solidFill>
                             <a:srgbClr val="000000"/>
                           </a:solidFill>
                           <a:effectLst/>
                         </a:rPr>
-                        <a:t>4,927.02</a:t>
-                      </a:r>
-                      <a:endParaRPr lang="sv-SE" sz="1800" b="0" i="0" u="none" strike="noStrike">
+                        <a:t>5,392.6</a:t>
+                      </a:r>
+                      <a:endParaRPr lang="sv-SE" sz="1800" b="0" i="0" u="none" strike="noStrike" dirty="0">
                         <a:solidFill>
                           <a:srgbClr val="000000"/>
                         </a:solidFill>
@@ -10351,15 +10351,15 @@
                     <a:p>
                       <a:pPr algn="l" rtl="0" fontAlgn="ctr"/>
                       <a:r>
-                        <a:rPr lang="sv-SE" sz="1800" b="0" u="none" strike="noStrike">
+                        <a:rPr lang="sv-SE" sz="1800" b="0" u="none" strike="noStrike" dirty="0">
                           <a:solidFill>
                             <a:srgbClr val="000000"/>
                           </a:solidFill>
                           <a:effectLst/>
                         </a:rPr>
-                        <a:t>1.44</a:t>
-                      </a:r>
-                      <a:endParaRPr lang="sv-SE" sz="1800" b="0" i="0" u="none" strike="noStrike">
+                        <a:t>1.6</a:t>
+                      </a:r>
+                      <a:endParaRPr lang="sv-SE" sz="1800" b="0" i="0" u="none" strike="noStrike" dirty="0">
                         <a:solidFill>
                           <a:srgbClr val="000000"/>
                         </a:solidFill>
@@ -10377,15 +10377,15 @@
                     <a:p>
                       <a:pPr algn="l" rtl="0" fontAlgn="ctr"/>
                       <a:r>
-                        <a:rPr lang="sv-SE" sz="1800" b="0" u="none" strike="noStrike">
+                        <a:rPr lang="sv-SE" sz="1800" b="0" u="none" strike="noStrike" dirty="0">
                           <a:solidFill>
                             <a:srgbClr val="000000"/>
                           </a:solidFill>
                           <a:effectLst/>
                         </a:rPr>
-                        <a:t>97.9</a:t>
-                      </a:r>
-                      <a:endParaRPr lang="sv-SE" sz="1800" b="0" i="0" u="none" strike="noStrike">
+                        <a:t>98.18</a:t>
+                      </a:r>
+                      <a:endParaRPr lang="sv-SE" sz="1800" b="0" i="0" u="none" strike="noStrike" dirty="0">
                         <a:solidFill>
                           <a:srgbClr val="000000"/>
                         </a:solidFill>
@@ -10795,7 +10795,7 @@
                         <a:buNone/>
                       </a:pPr>
                       <a:r>
-                        <a:rPr lang="sv-SE" sz="1800" b="0" u="none" strike="noStrike">
+                        <a:rPr lang="sv-SE" sz="1800" b="0" u="none" strike="noStrike" dirty="0">
                           <a:solidFill>
                             <a:srgbClr val="000000"/>
                           </a:solidFill>
@@ -10803,7 +10803,7 @@
                         </a:rPr>
                         <a:t>94.76</a:t>
                       </a:r>
-                      <a:endParaRPr lang="sv-SE" sz="1800" b="0" i="0" u="none" strike="noStrike">
+                      <a:endParaRPr lang="sv-SE" sz="1800" b="0" i="0" u="none" strike="noStrike" dirty="0">
                         <a:solidFill>
                           <a:srgbClr val="000000"/>
                         </a:solidFill>
